--- a/ppt.pptx
+++ b/ppt.pptx
@@ -1,38 +1,38 @@
 
 <file path=ppt/presentation.xml><?xml version="1.0" encoding="utf-8"?>
-<p:presentation xmlns:a="http://schemas.openxmlformats.org/drawingml/2006/main" xmlns:r="http://schemas.openxmlformats.org/officeDocument/2006/relationships" xmlns:mc="http://schemas.openxmlformats.org/markup-compatibility/2006" xmlns:mv="urn:schemas-microsoft-com:mac:vml" xmlns:p="http://schemas.openxmlformats.org/presentationml/2006/main" xmlns:c="http://schemas.openxmlformats.org/drawingml/2006/chart" xmlns:dgm="http://schemas.openxmlformats.org/drawingml/2006/diagram" xmlns:o="urn:schemas-microsoft-com:office:office" xmlns:v="urn:schemas-microsoft-com:vml" xmlns:pvml="urn:schemas-microsoft-com:office:powerpoint" xmlns:com="http://schemas.openxmlformats.org/drawingml/2006/compatibility" xmlns:p14="http://schemas.microsoft.com/office/powerpoint/2010/main" xmlns:p15="http://schemas.microsoft.com/office/powerpoint/2012/main" xmlns:ahyp="http://schemas.microsoft.com/office/drawing/2018/hyperlinkcolor" autoCompressPictures="0" embedTrueTypeFonts="1" strictFirstAndLastChars="0" saveSubsetFonts="1">
+<p:presentation xmlns:a="http://schemas.openxmlformats.org/drawingml/2006/main" xmlns:r="http://schemas.openxmlformats.org/officeDocument/2006/relationships" xmlns:p="http://schemas.openxmlformats.org/presentationml/2006/main" strictFirstAndLastChars="0" embedTrueTypeFonts="1" saveSubsetFonts="1" autoCompressPictures="0">
   <p:sldMasterIdLst>
-    <p:sldMasterId id="2147483659" r:id="rId4"/>
+    <p:sldMasterId id="2147483659" r:id="rId1"/>
   </p:sldMasterIdLst>
   <p:notesMasterIdLst>
-    <p:notesMasterId r:id="rId5"/>
+    <p:notesMasterId r:id="rId6"/>
   </p:notesMasterIdLst>
   <p:sldIdLst>
-    <p:sldId id="256" r:id="rId6"/>
-    <p:sldId id="257" r:id="rId7"/>
-    <p:sldId id="258" r:id="rId8"/>
-    <p:sldId id="259" r:id="rId9"/>
+    <p:sldId id="256" r:id="rId2"/>
+    <p:sldId id="257" r:id="rId3"/>
+    <p:sldId id="258" r:id="rId4"/>
+    <p:sldId id="259" r:id="rId5"/>
   </p:sldIdLst>
-  <p:sldSz cy="5143500" cx="9144000"/>
+  <p:sldSz cx="9144000" cy="5143500" type="screen16x9"/>
   <p:notesSz cx="6858000" cy="9144000"/>
   <p:embeddedFontLst>
     <p:embeddedFont>
-      <p:font typeface="Montserrat"/>
-      <p:regular r:id="rId10"/>
-      <p:bold r:id="rId11"/>
-      <p:italic r:id="rId12"/>
-      <p:boldItalic r:id="rId13"/>
+      <p:font typeface="Lato" panose="020F0502020204030203" pitchFamily="34" charset="0"/>
+      <p:regular r:id="rId7"/>
+      <p:bold r:id="rId8"/>
+      <p:italic r:id="rId9"/>
+      <p:boldItalic r:id="rId10"/>
     </p:embeddedFont>
     <p:embeddedFont>
-      <p:font typeface="Lato"/>
-      <p:regular r:id="rId14"/>
-      <p:bold r:id="rId15"/>
-      <p:italic r:id="rId16"/>
-      <p:boldItalic r:id="rId17"/>
+      <p:font typeface="Montserrat" panose="00000500000000000000" pitchFamily="2" charset="0"/>
+      <p:regular r:id="rId11"/>
+      <p:bold r:id="rId12"/>
+      <p:italic r:id="rId13"/>
+      <p:boldItalic r:id="rId14"/>
     </p:embeddedFont>
   </p:embeddedFontLst>
   <p:defaultTextStyle>
-    <a:defPPr lvl="0" marR="0" rtl="0" algn="l">
+    <a:defPPr marR="0" lvl="0" algn="l" rtl="0">
       <a:lnSpc>
         <a:spcPct val="100000"/>
       </a:lnSpc>
@@ -43,7 +43,7 @@
         <a:spcPts val="0"/>
       </a:spcAft>
     </a:defPPr>
-    <a:lvl1pPr lvl="0" marR="0" rtl="0" algn="l">
+    <a:lvl1pPr marR="0" lvl="0" algn="l" rtl="0">
       <a:lnSpc>
         <a:spcPct val="100000"/>
       </a:lnSpc>
@@ -57,7 +57,7 @@
         <a:srgbClr val="000000"/>
       </a:buClr>
       <a:buFont typeface="Arial"/>
-      <a:defRPr b="0" i="0" sz="1400" u="none" cap="none" strike="noStrike">
+      <a:defRPr sz="1400" b="0" i="0" u="none" strike="noStrike" cap="none">
         <a:solidFill>
           <a:srgbClr val="000000"/>
         </a:solidFill>
@@ -67,7 +67,7 @@
         <a:sym typeface="Arial"/>
       </a:defRPr>
     </a:lvl1pPr>
-    <a:lvl2pPr lvl="1" marR="0" rtl="0" algn="l">
+    <a:lvl2pPr marR="0" lvl="1" algn="l" rtl="0">
       <a:lnSpc>
         <a:spcPct val="100000"/>
       </a:lnSpc>
@@ -81,7 +81,7 @@
         <a:srgbClr val="000000"/>
       </a:buClr>
       <a:buFont typeface="Arial"/>
-      <a:defRPr b="0" i="0" sz="1400" u="none" cap="none" strike="noStrike">
+      <a:defRPr sz="1400" b="0" i="0" u="none" strike="noStrike" cap="none">
         <a:solidFill>
           <a:srgbClr val="000000"/>
         </a:solidFill>
@@ -91,7 +91,7 @@
         <a:sym typeface="Arial"/>
       </a:defRPr>
     </a:lvl2pPr>
-    <a:lvl3pPr lvl="2" marR="0" rtl="0" algn="l">
+    <a:lvl3pPr marR="0" lvl="2" algn="l" rtl="0">
       <a:lnSpc>
         <a:spcPct val="100000"/>
       </a:lnSpc>
@@ -105,7 +105,7 @@
         <a:srgbClr val="000000"/>
       </a:buClr>
       <a:buFont typeface="Arial"/>
-      <a:defRPr b="0" i="0" sz="1400" u="none" cap="none" strike="noStrike">
+      <a:defRPr sz="1400" b="0" i="0" u="none" strike="noStrike" cap="none">
         <a:solidFill>
           <a:srgbClr val="000000"/>
         </a:solidFill>
@@ -115,7 +115,7 @@
         <a:sym typeface="Arial"/>
       </a:defRPr>
     </a:lvl3pPr>
-    <a:lvl4pPr lvl="3" marR="0" rtl="0" algn="l">
+    <a:lvl4pPr marR="0" lvl="3" algn="l" rtl="0">
       <a:lnSpc>
         <a:spcPct val="100000"/>
       </a:lnSpc>
@@ -129,7 +129,7 @@
         <a:srgbClr val="000000"/>
       </a:buClr>
       <a:buFont typeface="Arial"/>
-      <a:defRPr b="0" i="0" sz="1400" u="none" cap="none" strike="noStrike">
+      <a:defRPr sz="1400" b="0" i="0" u="none" strike="noStrike" cap="none">
         <a:solidFill>
           <a:srgbClr val="000000"/>
         </a:solidFill>
@@ -139,7 +139,7 @@
         <a:sym typeface="Arial"/>
       </a:defRPr>
     </a:lvl4pPr>
-    <a:lvl5pPr lvl="4" marR="0" rtl="0" algn="l">
+    <a:lvl5pPr marR="0" lvl="4" algn="l" rtl="0">
       <a:lnSpc>
         <a:spcPct val="100000"/>
       </a:lnSpc>
@@ -153,7 +153,7 @@
         <a:srgbClr val="000000"/>
       </a:buClr>
       <a:buFont typeface="Arial"/>
-      <a:defRPr b="0" i="0" sz="1400" u="none" cap="none" strike="noStrike">
+      <a:defRPr sz="1400" b="0" i="0" u="none" strike="noStrike" cap="none">
         <a:solidFill>
           <a:srgbClr val="000000"/>
         </a:solidFill>
@@ -163,7 +163,7 @@
         <a:sym typeface="Arial"/>
       </a:defRPr>
     </a:lvl5pPr>
-    <a:lvl6pPr lvl="5" marR="0" rtl="0" algn="l">
+    <a:lvl6pPr marR="0" lvl="5" algn="l" rtl="0">
       <a:lnSpc>
         <a:spcPct val="100000"/>
       </a:lnSpc>
@@ -177,7 +177,7 @@
         <a:srgbClr val="000000"/>
       </a:buClr>
       <a:buFont typeface="Arial"/>
-      <a:defRPr b="0" i="0" sz="1400" u="none" cap="none" strike="noStrike">
+      <a:defRPr sz="1400" b="0" i="0" u="none" strike="noStrike" cap="none">
         <a:solidFill>
           <a:srgbClr val="000000"/>
         </a:solidFill>
@@ -187,7 +187,7 @@
         <a:sym typeface="Arial"/>
       </a:defRPr>
     </a:lvl6pPr>
-    <a:lvl7pPr lvl="6" marR="0" rtl="0" algn="l">
+    <a:lvl7pPr marR="0" lvl="6" algn="l" rtl="0">
       <a:lnSpc>
         <a:spcPct val="100000"/>
       </a:lnSpc>
@@ -201,7 +201,7 @@
         <a:srgbClr val="000000"/>
       </a:buClr>
       <a:buFont typeface="Arial"/>
-      <a:defRPr b="0" i="0" sz="1400" u="none" cap="none" strike="noStrike">
+      <a:defRPr sz="1400" b="0" i="0" u="none" strike="noStrike" cap="none">
         <a:solidFill>
           <a:srgbClr val="000000"/>
         </a:solidFill>
@@ -211,7 +211,7 @@
         <a:sym typeface="Arial"/>
       </a:defRPr>
     </a:lvl7pPr>
-    <a:lvl8pPr lvl="7" marR="0" rtl="0" algn="l">
+    <a:lvl8pPr marR="0" lvl="7" algn="l" rtl="0">
       <a:lnSpc>
         <a:spcPct val="100000"/>
       </a:lnSpc>
@@ -225,7 +225,7 @@
         <a:srgbClr val="000000"/>
       </a:buClr>
       <a:buFont typeface="Arial"/>
-      <a:defRPr b="0" i="0" sz="1400" u="none" cap="none" strike="noStrike">
+      <a:defRPr sz="1400" b="0" i="0" u="none" strike="noStrike" cap="none">
         <a:solidFill>
           <a:srgbClr val="000000"/>
         </a:solidFill>
@@ -235,7 +235,7 @@
         <a:sym typeface="Arial"/>
       </a:defRPr>
     </a:lvl8pPr>
-    <a:lvl9pPr lvl="8" marR="0" rtl="0" algn="l">
+    <a:lvl9pPr marR="0" lvl="8" algn="l" rtl="0">
       <a:lnSpc>
         <a:spcPct val="100000"/>
       </a:lnSpc>
@@ -249,7 +249,7 @@
         <a:srgbClr val="000000"/>
       </a:buClr>
       <a:buFont typeface="Arial"/>
-      <a:defRPr b="0" i="0" sz="1400" u="none" cap="none" strike="noStrike">
+      <a:defRPr sz="1400" b="0" i="0" u="none" strike="noStrike" cap="none">
         <a:solidFill>
           <a:srgbClr val="000000"/>
         </a:solidFill>
@@ -262,7 +262,7 @@
   </p:defaultTextStyle>
   <p:extLst>
     <p:ext uri="{EFAFB233-063F-42B5-8137-9DF3F51BA10A}">
-      <p15:sldGuideLst>
+      <p15:sldGuideLst xmlns:p15="http://schemas.microsoft.com/office/powerpoint/2012/main">
         <p15:guide id="1" orient="horz" pos="1620">
           <p15:clr>
             <a:srgbClr val="A4A3A4"/>
@@ -280,11 +280,16 @@
 </file>
 
 <file path=ppt/notesMasters/notesMaster1.xml><?xml version="1.0" encoding="utf-8"?>
-<p:notesMaster xmlns:a="http://schemas.openxmlformats.org/drawingml/2006/main" xmlns:r="http://schemas.openxmlformats.org/officeDocument/2006/relationships" xmlns:mc="http://schemas.openxmlformats.org/markup-compatibility/2006" xmlns:mv="urn:schemas-microsoft-com:mac:vml" xmlns:p="http://schemas.openxmlformats.org/presentationml/2006/main" xmlns:c="http://schemas.openxmlformats.org/drawingml/2006/chart" xmlns:dgm="http://schemas.openxmlformats.org/drawingml/2006/diagram" xmlns:o="urn:schemas-microsoft-com:office:office" xmlns:v="urn:schemas-microsoft-com:vml" xmlns:pvml="urn:schemas-microsoft-com:office:powerpoint" xmlns:com="http://schemas.openxmlformats.org/drawingml/2006/compatibility" xmlns:p14="http://schemas.microsoft.com/office/powerpoint/2010/main" xmlns:p15="http://schemas.microsoft.com/office/powerpoint/2012/main" xmlns:ahyp="http://schemas.microsoft.com/office/drawing/2018/hyperlinkcolor">
+<p:notesMaster xmlns:a="http://schemas.openxmlformats.org/drawingml/2006/main" xmlns:r="http://schemas.openxmlformats.org/officeDocument/2006/relationships" xmlns:p="http://schemas.openxmlformats.org/presentationml/2006/main">
   <p:cSld>
+    <p:bg>
+      <p:bgRef idx="1001">
+        <a:schemeClr val="bg1"/>
+      </p:bgRef>
+    </p:bg>
     <p:spTree>
       <p:nvGrpSpPr>
-        <p:cNvPr id="2" name="Shape 2"/>
+        <p:cNvPr id="1" name="Shape 2"/>
         <p:cNvGrpSpPr/>
         <p:nvPr/>
       </p:nvGrpSpPr>
@@ -299,9 +304,11 @@
       <p:sp>
         <p:nvSpPr>
           <p:cNvPr id="3" name="Google Shape;3;n"/>
-          <p:cNvSpPr/>
+          <p:cNvSpPr>
+            <a:spLocks noGrp="1" noRot="1" noChangeAspect="1"/>
+          </p:cNvSpPr>
           <p:nvPr>
-            <p:ph idx="2" type="sldImg"/>
+            <p:ph type="sldImg" idx="2"/>
           </p:nvPr>
         </p:nvSpPr>
         <p:spPr>
@@ -310,9 +317,13 @@
             <a:ext cx="6096075" cy="3429000"/>
           </a:xfrm>
           <a:custGeom>
-            <a:rect b="b" l="l" r="r" t="t"/>
+            <a:avLst/>
+            <a:gdLst/>
+            <a:ahLst/>
+            <a:cxnLst/>
+            <a:rect l="l" t="t" r="r" b="b"/>
             <a:pathLst>
-              <a:path extrusionOk="0" h="120000" w="120000">
+              <a:path w="120000" h="120000" extrusionOk="0">
                 <a:moveTo>
                   <a:pt x="0" y="0"/>
                 </a:moveTo>
@@ -330,23 +341,25 @@
             </a:pathLst>
           </a:custGeom>
           <a:noFill/>
-          <a:ln cap="flat" cmpd="sng" w="9525">
+          <a:ln w="9525" cap="flat" cmpd="sng">
             <a:solidFill>
               <a:srgbClr val="000000"/>
             </a:solidFill>
             <a:prstDash val="solid"/>
             <a:round/>
-            <a:headEnd len="sm" w="sm" type="none"/>
-            <a:tailEnd len="sm" w="sm" type="none"/>
+            <a:headEnd type="none" w="sm" len="sm"/>
+            <a:tailEnd type="none" w="sm" len="sm"/>
           </a:ln>
         </p:spPr>
       </p:sp>
       <p:sp>
         <p:nvSpPr>
           <p:cNvPr id="4" name="Google Shape;4;n"/>
-          <p:cNvSpPr txBox="1"/>
+          <p:cNvSpPr txBox="1">
+            <a:spLocks noGrp="1"/>
+          </p:cNvSpPr>
           <p:nvPr>
-            <p:ph idx="1" type="body"/>
+            <p:ph type="body" idx="1"/>
           </p:nvPr>
         </p:nvSpPr>
         <p:spPr>
@@ -363,11 +376,11 @@
           </a:ln>
         </p:spPr>
         <p:txBody>
-          <a:bodyPr anchorCtr="0" anchor="t" bIns="91425" lIns="91425" spcFirstLastPara="1" rIns="91425" wrap="square" tIns="91425">
+          <a:bodyPr spcFirstLastPara="1" wrap="square" lIns="91425" tIns="91425" rIns="91425" bIns="91425" anchor="t" anchorCtr="0">
             <a:noAutofit/>
           </a:bodyPr>
           <a:lstStyle>
-            <a:lvl1pPr indent="-298450" lvl="0" marL="457200">
+            <a:lvl1pPr marL="457200" lvl="0" indent="-298450">
               <a:spcBef>
                 <a:spcPts val="0"/>
               </a:spcBef>
@@ -378,7 +391,7 @@
               <a:buChar char="●"/>
               <a:defRPr sz="1100"/>
             </a:lvl1pPr>
-            <a:lvl2pPr indent="-298450" lvl="1" marL="914400">
+            <a:lvl2pPr marL="914400" lvl="1" indent="-298450">
               <a:spcBef>
                 <a:spcPts val="0"/>
               </a:spcBef>
@@ -389,7 +402,7 @@
               <a:buChar char="○"/>
               <a:defRPr sz="1100"/>
             </a:lvl2pPr>
-            <a:lvl3pPr indent="-298450" lvl="2" marL="1371600">
+            <a:lvl3pPr marL="1371600" lvl="2" indent="-298450">
               <a:spcBef>
                 <a:spcPts val="0"/>
               </a:spcBef>
@@ -400,7 +413,7 @@
               <a:buChar char="■"/>
               <a:defRPr sz="1100"/>
             </a:lvl3pPr>
-            <a:lvl4pPr indent="-298450" lvl="3" marL="1828800">
+            <a:lvl4pPr marL="1828800" lvl="3" indent="-298450">
               <a:spcBef>
                 <a:spcPts val="0"/>
               </a:spcBef>
@@ -411,7 +424,7 @@
               <a:buChar char="●"/>
               <a:defRPr sz="1100"/>
             </a:lvl4pPr>
-            <a:lvl5pPr indent="-298450" lvl="4" marL="2286000">
+            <a:lvl5pPr marL="2286000" lvl="4" indent="-298450">
               <a:spcBef>
                 <a:spcPts val="0"/>
               </a:spcBef>
@@ -422,7 +435,7 @@
               <a:buChar char="○"/>
               <a:defRPr sz="1100"/>
             </a:lvl5pPr>
-            <a:lvl6pPr indent="-298450" lvl="5" marL="2743200">
+            <a:lvl6pPr marL="2743200" lvl="5" indent="-298450">
               <a:spcBef>
                 <a:spcPts val="0"/>
               </a:spcBef>
@@ -433,7 +446,7 @@
               <a:buChar char="■"/>
               <a:defRPr sz="1100"/>
             </a:lvl6pPr>
-            <a:lvl7pPr indent="-298450" lvl="6" marL="3200400">
+            <a:lvl7pPr marL="3200400" lvl="6" indent="-298450">
               <a:spcBef>
                 <a:spcPts val="0"/>
               </a:spcBef>
@@ -444,7 +457,7 @@
               <a:buChar char="●"/>
               <a:defRPr sz="1100"/>
             </a:lvl7pPr>
-            <a:lvl8pPr indent="-298450" lvl="7" marL="3657600">
+            <a:lvl8pPr marL="3657600" lvl="7" indent="-298450">
               <a:spcBef>
                 <a:spcPts val="0"/>
               </a:spcBef>
@@ -455,7 +468,7 @@
               <a:buChar char="○"/>
               <a:defRPr sz="1100"/>
             </a:lvl8pPr>
-            <a:lvl9pPr indent="-298450" lvl="8" marL="4114800">
+            <a:lvl9pPr marL="4114800" lvl="8" indent="-298450">
               <a:spcBef>
                 <a:spcPts val="0"/>
               </a:spcBef>
@@ -467,14 +480,16 @@
               <a:defRPr sz="1100"/>
             </a:lvl9pPr>
           </a:lstStyle>
-          <a:p/>
+          <a:p>
+            <a:endParaRPr/>
+          </a:p>
         </p:txBody>
       </p:sp>
     </p:spTree>
   </p:cSld>
-  <p:clrMap accent1="accent1" accent2="accent2" accent3="accent3" accent4="accent4" accent5="accent5" accent6="accent6" bg1="lt1" bg2="dk2" tx1="dk1" tx2="lt2" folHlink="folHlink" hlink="hlink"/>
+  <p:clrMap bg1="lt1" tx1="dk1" bg2="dk2" tx2="lt2" accent1="accent1" accent2="accent2" accent3="accent3" accent4="accent4" accent5="accent5" accent6="accent6" hlink="hlink" folHlink="folHlink"/>
   <p:notesStyle>
-    <a:defPPr lvl="0" marR="0" rtl="0" algn="l">
+    <a:defPPr marR="0" lvl="0" algn="l" rtl="0">
       <a:lnSpc>
         <a:spcPct val="100000"/>
       </a:lnSpc>
@@ -485,7 +500,7 @@
         <a:spcPts val="0"/>
       </a:spcAft>
     </a:defPPr>
-    <a:lvl1pPr lvl="0" marR="0" rtl="0" algn="l">
+    <a:lvl1pPr marR="0" lvl="0" algn="l" rtl="0">
       <a:lnSpc>
         <a:spcPct val="100000"/>
       </a:lnSpc>
@@ -499,7 +514,7 @@
         <a:srgbClr val="000000"/>
       </a:buClr>
       <a:buFont typeface="Arial"/>
-      <a:defRPr b="0" i="0" sz="1400" u="none" cap="none" strike="noStrike">
+      <a:defRPr sz="1400" b="0" i="0" u="none" strike="noStrike" cap="none">
         <a:solidFill>
           <a:srgbClr val="000000"/>
         </a:solidFill>
@@ -509,7 +524,7 @@
         <a:sym typeface="Arial"/>
       </a:defRPr>
     </a:lvl1pPr>
-    <a:lvl2pPr lvl="1" marR="0" rtl="0" algn="l">
+    <a:lvl2pPr marR="0" lvl="1" algn="l" rtl="0">
       <a:lnSpc>
         <a:spcPct val="100000"/>
       </a:lnSpc>
@@ -523,7 +538,7 @@
         <a:srgbClr val="000000"/>
       </a:buClr>
       <a:buFont typeface="Arial"/>
-      <a:defRPr b="0" i="0" sz="1400" u="none" cap="none" strike="noStrike">
+      <a:defRPr sz="1400" b="0" i="0" u="none" strike="noStrike" cap="none">
         <a:solidFill>
           <a:srgbClr val="000000"/>
         </a:solidFill>
@@ -533,7 +548,7 @@
         <a:sym typeface="Arial"/>
       </a:defRPr>
     </a:lvl2pPr>
-    <a:lvl3pPr lvl="2" marR="0" rtl="0" algn="l">
+    <a:lvl3pPr marR="0" lvl="2" algn="l" rtl="0">
       <a:lnSpc>
         <a:spcPct val="100000"/>
       </a:lnSpc>
@@ -547,7 +562,7 @@
         <a:srgbClr val="000000"/>
       </a:buClr>
       <a:buFont typeface="Arial"/>
-      <a:defRPr b="0" i="0" sz="1400" u="none" cap="none" strike="noStrike">
+      <a:defRPr sz="1400" b="0" i="0" u="none" strike="noStrike" cap="none">
         <a:solidFill>
           <a:srgbClr val="000000"/>
         </a:solidFill>
@@ -557,7 +572,7 @@
         <a:sym typeface="Arial"/>
       </a:defRPr>
     </a:lvl3pPr>
-    <a:lvl4pPr lvl="3" marR="0" rtl="0" algn="l">
+    <a:lvl4pPr marR="0" lvl="3" algn="l" rtl="0">
       <a:lnSpc>
         <a:spcPct val="100000"/>
       </a:lnSpc>
@@ -571,7 +586,7 @@
         <a:srgbClr val="000000"/>
       </a:buClr>
       <a:buFont typeface="Arial"/>
-      <a:defRPr b="0" i="0" sz="1400" u="none" cap="none" strike="noStrike">
+      <a:defRPr sz="1400" b="0" i="0" u="none" strike="noStrike" cap="none">
         <a:solidFill>
           <a:srgbClr val="000000"/>
         </a:solidFill>
@@ -581,7 +596,7 @@
         <a:sym typeface="Arial"/>
       </a:defRPr>
     </a:lvl4pPr>
-    <a:lvl5pPr lvl="4" marR="0" rtl="0" algn="l">
+    <a:lvl5pPr marR="0" lvl="4" algn="l" rtl="0">
       <a:lnSpc>
         <a:spcPct val="100000"/>
       </a:lnSpc>
@@ -595,7 +610,7 @@
         <a:srgbClr val="000000"/>
       </a:buClr>
       <a:buFont typeface="Arial"/>
-      <a:defRPr b="0" i="0" sz="1400" u="none" cap="none" strike="noStrike">
+      <a:defRPr sz="1400" b="0" i="0" u="none" strike="noStrike" cap="none">
         <a:solidFill>
           <a:srgbClr val="000000"/>
         </a:solidFill>
@@ -605,7 +620,7 @@
         <a:sym typeface="Arial"/>
       </a:defRPr>
     </a:lvl5pPr>
-    <a:lvl6pPr lvl="5" marR="0" rtl="0" algn="l">
+    <a:lvl6pPr marR="0" lvl="5" algn="l" rtl="0">
       <a:lnSpc>
         <a:spcPct val="100000"/>
       </a:lnSpc>
@@ -619,7 +634,7 @@
         <a:srgbClr val="000000"/>
       </a:buClr>
       <a:buFont typeface="Arial"/>
-      <a:defRPr b="0" i="0" sz="1400" u="none" cap="none" strike="noStrike">
+      <a:defRPr sz="1400" b="0" i="0" u="none" strike="noStrike" cap="none">
         <a:solidFill>
           <a:srgbClr val="000000"/>
         </a:solidFill>
@@ -629,7 +644,7 @@
         <a:sym typeface="Arial"/>
       </a:defRPr>
     </a:lvl6pPr>
-    <a:lvl7pPr lvl="6" marR="0" rtl="0" algn="l">
+    <a:lvl7pPr marR="0" lvl="6" algn="l" rtl="0">
       <a:lnSpc>
         <a:spcPct val="100000"/>
       </a:lnSpc>
@@ -643,7 +658,7 @@
         <a:srgbClr val="000000"/>
       </a:buClr>
       <a:buFont typeface="Arial"/>
-      <a:defRPr b="0" i="0" sz="1400" u="none" cap="none" strike="noStrike">
+      <a:defRPr sz="1400" b="0" i="0" u="none" strike="noStrike" cap="none">
         <a:solidFill>
           <a:srgbClr val="000000"/>
         </a:solidFill>
@@ -653,7 +668,7 @@
         <a:sym typeface="Arial"/>
       </a:defRPr>
     </a:lvl7pPr>
-    <a:lvl8pPr lvl="7" marR="0" rtl="0" algn="l">
+    <a:lvl8pPr marR="0" lvl="7" algn="l" rtl="0">
       <a:lnSpc>
         <a:spcPct val="100000"/>
       </a:lnSpc>
@@ -667,7 +682,7 @@
         <a:srgbClr val="000000"/>
       </a:buClr>
       <a:buFont typeface="Arial"/>
-      <a:defRPr b="0" i="0" sz="1400" u="none" cap="none" strike="noStrike">
+      <a:defRPr sz="1400" b="0" i="0" u="none" strike="noStrike" cap="none">
         <a:solidFill>
           <a:srgbClr val="000000"/>
         </a:solidFill>
@@ -677,7 +692,7 @@
         <a:sym typeface="Arial"/>
       </a:defRPr>
     </a:lvl8pPr>
-    <a:lvl9pPr lvl="8" marR="0" rtl="0" algn="l">
+    <a:lvl9pPr marR="0" lvl="8" algn="l" rtl="0">
       <a:lnSpc>
         <a:spcPct val="100000"/>
       </a:lnSpc>
@@ -691,7 +706,7 @@
         <a:srgbClr val="000000"/>
       </a:buClr>
       <a:buFont typeface="Arial"/>
-      <a:defRPr b="0" i="0" sz="1400" u="none" cap="none" strike="noStrike">
+      <a:defRPr sz="1400" b="0" i="0" u="none" strike="noStrike" cap="none">
         <a:solidFill>
           <a:srgbClr val="000000"/>
         </a:solidFill>
@@ -706,11 +721,11 @@
 </file>
 
 <file path=ppt/notesSlides/notesSlide1.xml><?xml version="1.0" encoding="utf-8"?>
-<p:notes xmlns:a="http://schemas.openxmlformats.org/drawingml/2006/main" xmlns:r="http://schemas.openxmlformats.org/officeDocument/2006/relationships" xmlns:mc="http://schemas.openxmlformats.org/markup-compatibility/2006" xmlns:mv="urn:schemas-microsoft-com:mac:vml" xmlns:p="http://schemas.openxmlformats.org/presentationml/2006/main" xmlns:c="http://schemas.openxmlformats.org/drawingml/2006/chart" xmlns:dgm="http://schemas.openxmlformats.org/drawingml/2006/diagram" xmlns:o="urn:schemas-microsoft-com:office:office" xmlns:v="urn:schemas-microsoft-com:vml" xmlns:pvml="urn:schemas-microsoft-com:office:powerpoint" xmlns:com="http://schemas.openxmlformats.org/drawingml/2006/compatibility" xmlns:p14="http://schemas.microsoft.com/office/powerpoint/2010/main" xmlns:p15="http://schemas.microsoft.com/office/powerpoint/2012/main" xmlns:ahyp="http://schemas.microsoft.com/office/drawing/2018/hyperlinkcolor" showMasterPhAnim="0" showMasterSp="0">
+<p:notes xmlns:a="http://schemas.openxmlformats.org/drawingml/2006/main" xmlns:r="http://schemas.openxmlformats.org/officeDocument/2006/relationships" xmlns:p="http://schemas.openxmlformats.org/presentationml/2006/main" showMasterSp="0" showMasterPhAnim="0">
   <p:cSld>
     <p:spTree>
       <p:nvGrpSpPr>
-        <p:cNvPr id="130" name="Shape 130"/>
+        <p:cNvPr id="1" name="Shape 130"/>
         <p:cNvGrpSpPr/>
         <p:nvPr/>
       </p:nvGrpSpPr>
@@ -725,20 +740,26 @@
       <p:sp>
         <p:nvSpPr>
           <p:cNvPr id="131" name="Google Shape;131;p:notes"/>
-          <p:cNvSpPr/>
+          <p:cNvSpPr>
+            <a:spLocks noGrp="1" noRot="1" noChangeAspect="1"/>
+          </p:cNvSpPr>
           <p:nvPr>
-            <p:ph idx="2" type="sldImg"/>
+            <p:ph type="sldImg" idx="2"/>
           </p:nvPr>
         </p:nvSpPr>
         <p:spPr>
           <a:xfrm>
-            <a:off x="381300" y="685800"/>
-            <a:ext cx="6096075" cy="3429000"/>
+            <a:off x="381000" y="685800"/>
+            <a:ext cx="6096000" cy="3429000"/>
           </a:xfrm>
           <a:custGeom>
-            <a:rect b="b" l="l" r="r" t="t"/>
+            <a:avLst/>
+            <a:gdLst/>
+            <a:ahLst/>
+            <a:cxnLst/>
+            <a:rect l="l" t="t" r="r" b="b"/>
             <a:pathLst>
-              <a:path extrusionOk="0" h="120000" w="120000">
+              <a:path w="120000" h="120000" extrusionOk="0">
                 <a:moveTo>
                   <a:pt x="0" y="0"/>
                 </a:moveTo>
@@ -760,9 +781,11 @@
       <p:sp>
         <p:nvSpPr>
           <p:cNvPr id="132" name="Google Shape;132;p:notes"/>
-          <p:cNvSpPr txBox="1"/>
+          <p:cNvSpPr txBox="1">
+            <a:spLocks noGrp="1"/>
+          </p:cNvSpPr>
           <p:nvPr>
-            <p:ph idx="1" type="body"/>
+            <p:ph type="body" idx="1"/>
           </p:nvPr>
         </p:nvSpPr>
         <p:spPr>
@@ -775,12 +798,12 @@
           </a:prstGeom>
         </p:spPr>
         <p:txBody>
-          <a:bodyPr anchorCtr="0" anchor="t" bIns="91425" lIns="91425" spcFirstLastPara="1" rIns="91425" wrap="square" tIns="91425">
+          <a:bodyPr spcFirstLastPara="1" wrap="square" lIns="91425" tIns="91425" rIns="91425" bIns="91425" anchor="t" anchorCtr="0">
             <a:noAutofit/>
           </a:bodyPr>
           <a:lstStyle/>
           <a:p>
-            <a:pPr indent="0" lvl="0" marL="0" rtl="0" algn="l">
+            <a:pPr marL="0" lvl="0" indent="0" algn="l" rtl="0">
               <a:spcBef>
                 <a:spcPts val="0"/>
               </a:spcBef>
@@ -789,9 +812,6 @@
               </a:spcAft>
               <a:buNone/>
             </a:pPr>
-            <a:r>
-              <a:t/>
-            </a:r>
             <a:endParaRPr/>
           </a:p>
         </p:txBody>
@@ -805,11 +825,11 @@
 </file>
 
 <file path=ppt/notesSlides/notesSlide2.xml><?xml version="1.0" encoding="utf-8"?>
-<p:notes xmlns:a="http://schemas.openxmlformats.org/drawingml/2006/main" xmlns:r="http://schemas.openxmlformats.org/officeDocument/2006/relationships" xmlns:mc="http://schemas.openxmlformats.org/markup-compatibility/2006" xmlns:mv="urn:schemas-microsoft-com:mac:vml" xmlns:p="http://schemas.openxmlformats.org/presentationml/2006/main" xmlns:c="http://schemas.openxmlformats.org/drawingml/2006/chart" xmlns:dgm="http://schemas.openxmlformats.org/drawingml/2006/diagram" xmlns:o="urn:schemas-microsoft-com:office:office" xmlns:v="urn:schemas-microsoft-com:vml" xmlns:pvml="urn:schemas-microsoft-com:office:powerpoint" xmlns:com="http://schemas.openxmlformats.org/drawingml/2006/compatibility" xmlns:p14="http://schemas.microsoft.com/office/powerpoint/2010/main" xmlns:p15="http://schemas.microsoft.com/office/powerpoint/2012/main" xmlns:ahyp="http://schemas.microsoft.com/office/drawing/2018/hyperlinkcolor" showMasterPhAnim="0" showMasterSp="0">
+<p:notes xmlns:a="http://schemas.openxmlformats.org/drawingml/2006/main" xmlns:r="http://schemas.openxmlformats.org/officeDocument/2006/relationships" xmlns:p="http://schemas.openxmlformats.org/presentationml/2006/main" showMasterSp="0" showMasterPhAnim="0">
   <p:cSld>
     <p:spTree>
       <p:nvGrpSpPr>
-        <p:cNvPr id="136" name="Shape 136"/>
+        <p:cNvPr id="1" name="Shape 136"/>
         <p:cNvGrpSpPr/>
         <p:nvPr/>
       </p:nvGrpSpPr>
@@ -824,9 +844,11 @@
       <p:sp>
         <p:nvSpPr>
           <p:cNvPr id="137" name="Google Shape;137;gd843d20cb0_0_5:notes"/>
-          <p:cNvSpPr/>
+          <p:cNvSpPr>
+            <a:spLocks noGrp="1" noRot="1" noChangeAspect="1"/>
+          </p:cNvSpPr>
           <p:nvPr>
-            <p:ph idx="2" type="sldImg"/>
+            <p:ph type="sldImg" idx="2"/>
           </p:nvPr>
         </p:nvSpPr>
         <p:spPr>
@@ -835,9 +857,13 @@
             <a:ext cx="6096000" cy="3429000"/>
           </a:xfrm>
           <a:custGeom>
-            <a:rect b="b" l="l" r="r" t="t"/>
+            <a:avLst/>
+            <a:gdLst/>
+            <a:ahLst/>
+            <a:cxnLst/>
+            <a:rect l="l" t="t" r="r" b="b"/>
             <a:pathLst>
-              <a:path extrusionOk="0" h="120000" w="120000">
+              <a:path w="120000" h="120000" extrusionOk="0">
                 <a:moveTo>
                   <a:pt x="0" y="0"/>
                 </a:moveTo>
@@ -859,9 +885,11 @@
       <p:sp>
         <p:nvSpPr>
           <p:cNvPr id="138" name="Google Shape;138;gd843d20cb0_0_5:notes"/>
-          <p:cNvSpPr txBox="1"/>
+          <p:cNvSpPr txBox="1">
+            <a:spLocks noGrp="1"/>
+          </p:cNvSpPr>
           <p:nvPr>
-            <p:ph idx="1" type="body"/>
+            <p:ph type="body" idx="1"/>
           </p:nvPr>
         </p:nvSpPr>
         <p:spPr>
@@ -874,12 +902,12 @@
           </a:prstGeom>
         </p:spPr>
         <p:txBody>
-          <a:bodyPr anchorCtr="0" anchor="t" bIns="91425" lIns="91425" spcFirstLastPara="1" rIns="91425" wrap="square" tIns="91425">
+          <a:bodyPr spcFirstLastPara="1" wrap="square" lIns="91425" tIns="91425" rIns="91425" bIns="91425" anchor="t" anchorCtr="0">
             <a:noAutofit/>
           </a:bodyPr>
           <a:lstStyle/>
           <a:p>
-            <a:pPr indent="0" lvl="0" marL="0" rtl="0" algn="l">
+            <a:pPr marL="0" lvl="0" indent="0" algn="l" rtl="0">
               <a:spcBef>
                 <a:spcPts val="0"/>
               </a:spcBef>
@@ -888,9 +916,6 @@
               </a:spcAft>
               <a:buNone/>
             </a:pPr>
-            <a:r>
-              <a:t/>
-            </a:r>
             <a:endParaRPr/>
           </a:p>
         </p:txBody>
@@ -904,11 +929,11 @@
 </file>
 
 <file path=ppt/notesSlides/notesSlide3.xml><?xml version="1.0" encoding="utf-8"?>
-<p:notes xmlns:a="http://schemas.openxmlformats.org/drawingml/2006/main" xmlns:r="http://schemas.openxmlformats.org/officeDocument/2006/relationships" xmlns:mc="http://schemas.openxmlformats.org/markup-compatibility/2006" xmlns:mv="urn:schemas-microsoft-com:mac:vml" xmlns:p="http://schemas.openxmlformats.org/presentationml/2006/main" xmlns:c="http://schemas.openxmlformats.org/drawingml/2006/chart" xmlns:dgm="http://schemas.openxmlformats.org/drawingml/2006/diagram" xmlns:o="urn:schemas-microsoft-com:office:office" xmlns:v="urn:schemas-microsoft-com:vml" xmlns:pvml="urn:schemas-microsoft-com:office:powerpoint" xmlns:com="http://schemas.openxmlformats.org/drawingml/2006/compatibility" xmlns:p14="http://schemas.microsoft.com/office/powerpoint/2010/main" xmlns:p15="http://schemas.microsoft.com/office/powerpoint/2012/main" xmlns:ahyp="http://schemas.microsoft.com/office/drawing/2018/hyperlinkcolor" showMasterPhAnim="0" showMasterSp="0">
+<p:notes xmlns:a="http://schemas.openxmlformats.org/drawingml/2006/main" xmlns:r="http://schemas.openxmlformats.org/officeDocument/2006/relationships" xmlns:p="http://schemas.openxmlformats.org/presentationml/2006/main" showMasterSp="0" showMasterPhAnim="0">
   <p:cSld>
     <p:spTree>
       <p:nvGrpSpPr>
-        <p:cNvPr id="142" name="Shape 142"/>
+        <p:cNvPr id="1" name="Shape 142"/>
         <p:cNvGrpSpPr/>
         <p:nvPr/>
       </p:nvGrpSpPr>
@@ -923,9 +948,11 @@
       <p:sp>
         <p:nvSpPr>
           <p:cNvPr id="143" name="Google Shape;143;gd827e0b26f_0_125:notes"/>
-          <p:cNvSpPr/>
+          <p:cNvSpPr>
+            <a:spLocks noGrp="1" noRot="1" noChangeAspect="1"/>
+          </p:cNvSpPr>
           <p:nvPr>
-            <p:ph idx="2" type="sldImg"/>
+            <p:ph type="sldImg" idx="2"/>
           </p:nvPr>
         </p:nvSpPr>
         <p:spPr>
@@ -934,9 +961,13 @@
             <a:ext cx="6096000" cy="3429000"/>
           </a:xfrm>
           <a:custGeom>
-            <a:rect b="b" l="l" r="r" t="t"/>
+            <a:avLst/>
+            <a:gdLst/>
+            <a:ahLst/>
+            <a:cxnLst/>
+            <a:rect l="l" t="t" r="r" b="b"/>
             <a:pathLst>
-              <a:path extrusionOk="0" h="120000" w="120000">
+              <a:path w="120000" h="120000" extrusionOk="0">
                 <a:moveTo>
                   <a:pt x="0" y="0"/>
                 </a:moveTo>
@@ -958,9 +989,11 @@
       <p:sp>
         <p:nvSpPr>
           <p:cNvPr id="144" name="Google Shape;144;gd827e0b26f_0_125:notes"/>
-          <p:cNvSpPr txBox="1"/>
+          <p:cNvSpPr txBox="1">
+            <a:spLocks noGrp="1"/>
+          </p:cNvSpPr>
           <p:nvPr>
-            <p:ph idx="1" type="body"/>
+            <p:ph type="body" idx="1"/>
           </p:nvPr>
         </p:nvSpPr>
         <p:spPr>
@@ -973,12 +1006,12 @@
           </a:prstGeom>
         </p:spPr>
         <p:txBody>
-          <a:bodyPr anchorCtr="0" anchor="t" bIns="91425" lIns="91425" spcFirstLastPara="1" rIns="91425" wrap="square" tIns="91425">
+          <a:bodyPr spcFirstLastPara="1" wrap="square" lIns="91425" tIns="91425" rIns="91425" bIns="91425" anchor="t" anchorCtr="0">
             <a:noAutofit/>
           </a:bodyPr>
           <a:lstStyle/>
           <a:p>
-            <a:pPr indent="0" lvl="0" marL="0" rtl="0" algn="l">
+            <a:pPr marL="0" lvl="0" indent="0" algn="l" rtl="0">
               <a:spcBef>
                 <a:spcPts val="0"/>
               </a:spcBef>
@@ -987,9 +1020,6 @@
               </a:spcAft>
               <a:buNone/>
             </a:pPr>
-            <a:r>
-              <a:t/>
-            </a:r>
             <a:endParaRPr/>
           </a:p>
         </p:txBody>
@@ -1003,11 +1033,11 @@
 </file>
 
 <file path=ppt/notesSlides/notesSlide4.xml><?xml version="1.0" encoding="utf-8"?>
-<p:notes xmlns:a="http://schemas.openxmlformats.org/drawingml/2006/main" xmlns:r="http://schemas.openxmlformats.org/officeDocument/2006/relationships" xmlns:mc="http://schemas.openxmlformats.org/markup-compatibility/2006" xmlns:mv="urn:schemas-microsoft-com:mac:vml" xmlns:p="http://schemas.openxmlformats.org/presentationml/2006/main" xmlns:c="http://schemas.openxmlformats.org/drawingml/2006/chart" xmlns:dgm="http://schemas.openxmlformats.org/drawingml/2006/diagram" xmlns:o="urn:schemas-microsoft-com:office:office" xmlns:v="urn:schemas-microsoft-com:vml" xmlns:pvml="urn:schemas-microsoft-com:office:powerpoint" xmlns:com="http://schemas.openxmlformats.org/drawingml/2006/compatibility" xmlns:p14="http://schemas.microsoft.com/office/powerpoint/2010/main" xmlns:p15="http://schemas.microsoft.com/office/powerpoint/2012/main" xmlns:ahyp="http://schemas.microsoft.com/office/drawing/2018/hyperlinkcolor" showMasterPhAnim="0" showMasterSp="0">
+<p:notes xmlns:a="http://schemas.openxmlformats.org/drawingml/2006/main" xmlns:r="http://schemas.openxmlformats.org/officeDocument/2006/relationships" xmlns:p="http://schemas.openxmlformats.org/presentationml/2006/main" showMasterSp="0" showMasterPhAnim="0">
   <p:cSld>
     <p:spTree>
       <p:nvGrpSpPr>
-        <p:cNvPr id="150" name="Shape 150"/>
+        <p:cNvPr id="1" name="Shape 150"/>
         <p:cNvGrpSpPr/>
         <p:nvPr/>
       </p:nvGrpSpPr>
@@ -1022,9 +1052,11 @@
       <p:sp>
         <p:nvSpPr>
           <p:cNvPr id="151" name="Google Shape;151;gd844f1da57_0_6:notes"/>
-          <p:cNvSpPr/>
+          <p:cNvSpPr>
+            <a:spLocks noGrp="1" noRot="1" noChangeAspect="1"/>
+          </p:cNvSpPr>
           <p:nvPr>
-            <p:ph idx="2" type="sldImg"/>
+            <p:ph type="sldImg" idx="2"/>
           </p:nvPr>
         </p:nvSpPr>
         <p:spPr>
@@ -1033,9 +1065,13 @@
             <a:ext cx="6096000" cy="3429000"/>
           </a:xfrm>
           <a:custGeom>
-            <a:rect b="b" l="l" r="r" t="t"/>
+            <a:avLst/>
+            <a:gdLst/>
+            <a:ahLst/>
+            <a:cxnLst/>
+            <a:rect l="l" t="t" r="r" b="b"/>
             <a:pathLst>
-              <a:path extrusionOk="0" h="120000" w="120000">
+              <a:path w="120000" h="120000" extrusionOk="0">
                 <a:moveTo>
                   <a:pt x="0" y="0"/>
                 </a:moveTo>
@@ -1057,9 +1093,11 @@
       <p:sp>
         <p:nvSpPr>
           <p:cNvPr id="152" name="Google Shape;152;gd844f1da57_0_6:notes"/>
-          <p:cNvSpPr txBox="1"/>
+          <p:cNvSpPr txBox="1">
+            <a:spLocks noGrp="1"/>
+          </p:cNvSpPr>
           <p:nvPr>
-            <p:ph idx="1" type="body"/>
+            <p:ph type="body" idx="1"/>
           </p:nvPr>
         </p:nvSpPr>
         <p:spPr>
@@ -1072,12 +1110,12 @@
           </a:prstGeom>
         </p:spPr>
         <p:txBody>
-          <a:bodyPr anchorCtr="0" anchor="t" bIns="91425" lIns="91425" spcFirstLastPara="1" rIns="91425" wrap="square" tIns="91425">
+          <a:bodyPr spcFirstLastPara="1" wrap="square" lIns="91425" tIns="91425" rIns="91425" bIns="91425" anchor="t" anchorCtr="0">
             <a:noAutofit/>
           </a:bodyPr>
           <a:lstStyle/>
           <a:p>
-            <a:pPr indent="0" lvl="0" marL="0" rtl="0" algn="l">
+            <a:pPr marL="0" lvl="0" indent="0" algn="l" rtl="0">
               <a:spcBef>
                 <a:spcPts val="0"/>
               </a:spcBef>
@@ -1086,9 +1124,6 @@
               </a:spcAft>
               <a:buNone/>
             </a:pPr>
-            <a:r>
-              <a:t/>
-            </a:r>
             <a:endParaRPr/>
           </a:p>
         </p:txBody>
@@ -1102,11 +1137,11 @@
 </file>
 
 <file path=ppt/slideLayouts/slideLayout1.xml><?xml version="1.0" encoding="utf-8"?>
-<p:sldLayout xmlns:a="http://schemas.openxmlformats.org/drawingml/2006/main" xmlns:r="http://schemas.openxmlformats.org/officeDocument/2006/relationships" xmlns:mc="http://schemas.openxmlformats.org/markup-compatibility/2006" xmlns:mv="urn:schemas-microsoft-com:mac:vml" xmlns:p="http://schemas.openxmlformats.org/presentationml/2006/main" xmlns:c="http://schemas.openxmlformats.org/drawingml/2006/chart" xmlns:dgm="http://schemas.openxmlformats.org/drawingml/2006/diagram" xmlns:o="urn:schemas-microsoft-com:office:office" xmlns:v="urn:schemas-microsoft-com:vml" xmlns:pvml="urn:schemas-microsoft-com:office:powerpoint" xmlns:com="http://schemas.openxmlformats.org/drawingml/2006/compatibility" xmlns:p14="http://schemas.microsoft.com/office/powerpoint/2010/main" xmlns:p15="http://schemas.microsoft.com/office/powerpoint/2012/main" xmlns:ahyp="http://schemas.microsoft.com/office/drawing/2018/hyperlinkcolor" matchingName="Title slide" type="title">
+<p:sldLayout xmlns:a="http://schemas.openxmlformats.org/drawingml/2006/main" xmlns:r="http://schemas.openxmlformats.org/officeDocument/2006/relationships" xmlns:p="http://schemas.openxmlformats.org/presentationml/2006/main" matchingName="Title slide" type="title">
   <p:cSld name="TITLE">
     <p:spTree>
       <p:nvGrpSpPr>
-        <p:cNvPr id="9" name="Shape 9"/>
+        <p:cNvPr id="1" name="Shape 9"/>
         <p:cNvGrpSpPr/>
         <p:nvPr/>
       </p:nvGrpSpPr>
@@ -1131,7 +1166,7 @@
           </a:xfrm>
           <a:prstGeom prst="diagStripe">
             <a:avLst>
-              <a:gd fmla="val 0" name="adj"/>
+              <a:gd name="adj" fmla="val 0"/>
             </a:avLst>
           </a:prstGeom>
           <a:solidFill>
@@ -1144,12 +1179,12 @@
           </a:ln>
         </p:spPr>
         <p:txBody>
-          <a:bodyPr anchorCtr="0" anchor="ctr" bIns="91425" lIns="91425" spcFirstLastPara="1" rIns="91425" wrap="square" tIns="91425">
+          <a:bodyPr spcFirstLastPara="1" wrap="square" lIns="91425" tIns="91425" rIns="91425" bIns="91425" anchor="ctr" anchorCtr="0">
             <a:noAutofit/>
           </a:bodyPr>
           <a:lstStyle/>
           <a:p>
-            <a:pPr indent="0" lvl="0" marL="0" rtl="0" algn="l">
+            <a:pPr marL="0" lvl="0" indent="0" algn="l" rtl="0">
               <a:spcBef>
                 <a:spcPts val="0"/>
               </a:spcBef>
@@ -1158,9 +1193,6 @@
               </a:spcAft>
               <a:buNone/>
             </a:pPr>
-            <a:r>
-              <a:t/>
-            </a:r>
             <a:endParaRPr/>
           </a:p>
         </p:txBody>
@@ -1192,7 +1224,7 @@
             </a:xfrm>
             <a:prstGeom prst="diagStripe">
               <a:avLst>
-                <a:gd fmla="val 50000" name="adj"/>
+                <a:gd name="adj" fmla="val 50000"/>
               </a:avLst>
             </a:prstGeom>
             <a:solidFill>
@@ -1205,12 +1237,12 @@
             </a:ln>
           </p:spPr>
           <p:txBody>
-            <a:bodyPr anchorCtr="0" anchor="ctr" bIns="91425" lIns="91425" spcFirstLastPara="1" rIns="91425" wrap="square" tIns="91425">
+            <a:bodyPr spcFirstLastPara="1" wrap="square" lIns="91425" tIns="91425" rIns="91425" bIns="91425" anchor="ctr" anchorCtr="0">
               <a:noAutofit/>
             </a:bodyPr>
             <a:lstStyle/>
             <a:p>
-              <a:pPr indent="0" lvl="0" marL="0" rtl="0" algn="l">
+              <a:pPr marL="0" lvl="0" indent="0" algn="l" rtl="0">
                 <a:spcBef>
                   <a:spcPts val="0"/>
                 </a:spcBef>
@@ -1219,9 +1251,6 @@
                 </a:spcAft>
                 <a:buNone/>
               </a:pPr>
-              <a:r>
-                <a:t/>
-              </a:r>
               <a:endParaRPr/>
             </a:p>
           </p:txBody>
@@ -1239,7 +1268,7 @@
             </a:xfrm>
             <a:prstGeom prst="diagStripe">
               <a:avLst>
-                <a:gd fmla="val 58774" name="adj"/>
+                <a:gd name="adj" fmla="val 58774"/>
               </a:avLst>
             </a:prstGeom>
             <a:solidFill>
@@ -1252,12 +1281,12 @@
             </a:ln>
           </p:spPr>
           <p:txBody>
-            <a:bodyPr anchorCtr="0" anchor="ctr" bIns="91425" lIns="91425" spcFirstLastPara="1" rIns="91425" wrap="square" tIns="91425">
+            <a:bodyPr spcFirstLastPara="1" wrap="square" lIns="91425" tIns="91425" rIns="91425" bIns="91425" anchor="ctr" anchorCtr="0">
               <a:noAutofit/>
             </a:bodyPr>
             <a:lstStyle/>
             <a:p>
-              <a:pPr indent="0" lvl="0" marL="0" rtl="0" algn="l">
+              <a:pPr marL="0" lvl="0" indent="0" algn="l" rtl="0">
                 <a:spcBef>
                   <a:spcPts val="0"/>
                 </a:spcBef>
@@ -1266,9 +1295,6 @@
                 </a:spcAft>
                 <a:buNone/>
               </a:pPr>
-              <a:r>
-                <a:t/>
-              </a:r>
               <a:endParaRPr/>
             </a:p>
           </p:txBody>
@@ -1286,7 +1312,7 @@
             </a:xfrm>
             <a:prstGeom prst="diagStripe">
               <a:avLst>
-                <a:gd fmla="val 50000" name="adj"/>
+                <a:gd name="adj" fmla="val 50000"/>
               </a:avLst>
             </a:prstGeom>
             <a:solidFill>
@@ -1297,12 +1323,12 @@
             </a:ln>
           </p:spPr>
           <p:txBody>
-            <a:bodyPr anchorCtr="0" anchor="ctr" bIns="91425" lIns="91425" spcFirstLastPara="1" rIns="91425" wrap="square" tIns="91425">
+            <a:bodyPr spcFirstLastPara="1" wrap="square" lIns="91425" tIns="91425" rIns="91425" bIns="91425" anchor="ctr" anchorCtr="0">
               <a:noAutofit/>
             </a:bodyPr>
             <a:lstStyle/>
             <a:p>
-              <a:pPr indent="0" lvl="0" marL="0" rtl="0" algn="l">
+              <a:pPr marL="0" lvl="0" indent="0" algn="l" rtl="0">
                 <a:spcBef>
                   <a:spcPts val="0"/>
                 </a:spcBef>
@@ -1311,9 +1337,6 @@
                 </a:spcAft>
                 <a:buNone/>
               </a:pPr>
-              <a:r>
-                <a:t/>
-              </a:r>
               <a:endParaRPr/>
             </a:p>
           </p:txBody>
@@ -1331,7 +1354,7 @@
             </a:xfrm>
             <a:prstGeom prst="diagStripe">
               <a:avLst>
-                <a:gd fmla="val 50000" name="adj"/>
+                <a:gd name="adj" fmla="val 50000"/>
               </a:avLst>
             </a:prstGeom>
             <a:solidFill>
@@ -1342,12 +1365,12 @@
             </a:ln>
           </p:spPr>
           <p:txBody>
-            <a:bodyPr anchorCtr="0" anchor="ctr" bIns="91425" lIns="91425" spcFirstLastPara="1" rIns="91425" wrap="square" tIns="91425">
+            <a:bodyPr spcFirstLastPara="1" wrap="square" lIns="91425" tIns="91425" rIns="91425" bIns="91425" anchor="ctr" anchorCtr="0">
               <a:noAutofit/>
             </a:bodyPr>
             <a:lstStyle/>
             <a:p>
-              <a:pPr indent="0" lvl="0" marL="0" rtl="0" algn="l">
+              <a:pPr marL="0" lvl="0" indent="0" algn="l" rtl="0">
                 <a:spcBef>
                   <a:spcPts val="0"/>
                 </a:spcBef>
@@ -1356,9 +1379,6 @@
                 </a:spcAft>
                 <a:buNone/>
               </a:pPr>
-              <a:r>
-                <a:t/>
-              </a:r>
               <a:endParaRPr/>
             </a:p>
           </p:txBody>
@@ -1367,7 +1387,9 @@
       <p:sp>
         <p:nvSpPr>
           <p:cNvPr id="16" name="Google Shape;16;p2"/>
-          <p:cNvSpPr txBox="1"/>
+          <p:cNvSpPr txBox="1">
+            <a:spLocks noGrp="1"/>
+          </p:cNvSpPr>
           <p:nvPr>
             <p:ph type="ctrTitle"/>
           </p:nvPr>
@@ -1382,7 +1404,7 @@
           </a:prstGeom>
         </p:spPr>
         <p:txBody>
-          <a:bodyPr anchorCtr="0" anchor="t" bIns="91425" lIns="91425" spcFirstLastPara="1" rIns="91425" wrap="square" tIns="91425">
+          <a:bodyPr spcFirstLastPara="1" wrap="square" lIns="91425" tIns="91425" rIns="91425" bIns="91425" anchor="t" anchorCtr="0">
             <a:normAutofit/>
           </a:bodyPr>
           <a:lstStyle>
@@ -1486,15 +1508,19 @@
               <a:defRPr sz="4000"/>
             </a:lvl9pPr>
           </a:lstStyle>
-          <a:p/>
+          <a:p>
+            <a:endParaRPr/>
+          </a:p>
         </p:txBody>
       </p:sp>
       <p:sp>
         <p:nvSpPr>
           <p:cNvPr id="17" name="Google Shape;17;p2"/>
-          <p:cNvSpPr txBox="1"/>
+          <p:cNvSpPr txBox="1">
+            <a:spLocks noGrp="1"/>
+          </p:cNvSpPr>
           <p:nvPr>
-            <p:ph idx="1" type="subTitle"/>
+            <p:ph type="subTitle" idx="1"/>
           </p:nvPr>
         </p:nvSpPr>
         <p:spPr>
@@ -1507,7 +1533,7 @@
           </a:prstGeom>
         </p:spPr>
         <p:txBody>
-          <a:bodyPr anchorCtr="0" anchor="t" bIns="91425" lIns="91425" spcFirstLastPara="1" rIns="91425" wrap="square" tIns="91425">
+          <a:bodyPr spcFirstLastPara="1" wrap="square" lIns="91425" tIns="91425" rIns="91425" bIns="91425" anchor="t" anchorCtr="0">
             <a:normAutofit/>
           </a:bodyPr>
           <a:lstStyle>
@@ -1638,15 +1664,19 @@
               <a:defRPr sz="1300"/>
             </a:lvl9pPr>
           </a:lstStyle>
-          <a:p/>
+          <a:p>
+            <a:endParaRPr/>
+          </a:p>
         </p:txBody>
       </p:sp>
       <p:sp>
         <p:nvSpPr>
           <p:cNvPr id="18" name="Google Shape;18;p2"/>
-          <p:cNvSpPr txBox="1"/>
+          <p:cNvSpPr txBox="1">
+            <a:spLocks noGrp="1"/>
+          </p:cNvSpPr>
           <p:nvPr>
-            <p:ph idx="12" type="sldNum"/>
+            <p:ph type="sldNum" idx="12"/>
           </p:nvPr>
         </p:nvSpPr>
         <p:spPr>
@@ -1659,7 +1689,7 @@
           </a:prstGeom>
         </p:spPr>
         <p:txBody>
-          <a:bodyPr anchorCtr="0" anchor="ctr" bIns="91425" lIns="91425" spcFirstLastPara="1" rIns="91425" wrap="square" tIns="91425">
+          <a:bodyPr spcFirstLastPara="1" wrap="square" lIns="91425" tIns="91425" rIns="91425" bIns="91425" anchor="ctr" anchorCtr="0">
             <a:normAutofit/>
           </a:bodyPr>
           <a:lstStyle>
@@ -1701,7 +1731,7 @@
             </a:lvl9pPr>
           </a:lstStyle>
           <a:p>
-            <a:pPr indent="0" lvl="0" marL="0" rtl="0" algn="r">
+            <a:pPr marL="0" lvl="0" indent="0" algn="r" rtl="0">
               <a:spcBef>
                 <a:spcPts val="0"/>
               </a:spcBef>
@@ -1727,11 +1757,11 @@
 </file>
 
 <file path=ppt/slideLayouts/slideLayout10.xml><?xml version="1.0" encoding="utf-8"?>
-<p:sldLayout xmlns:a="http://schemas.openxmlformats.org/drawingml/2006/main" xmlns:r="http://schemas.openxmlformats.org/officeDocument/2006/relationships" xmlns:mc="http://schemas.openxmlformats.org/markup-compatibility/2006" xmlns:mv="urn:schemas-microsoft-com:mac:vml" xmlns:p="http://schemas.openxmlformats.org/presentationml/2006/main" xmlns:c="http://schemas.openxmlformats.org/drawingml/2006/chart" xmlns:dgm="http://schemas.openxmlformats.org/drawingml/2006/diagram" xmlns:o="urn:schemas-microsoft-com:office:office" xmlns:v="urn:schemas-microsoft-com:vml" xmlns:pvml="urn:schemas-microsoft-com:office:powerpoint" xmlns:com="http://schemas.openxmlformats.org/drawingml/2006/compatibility" xmlns:p14="http://schemas.microsoft.com/office/powerpoint/2010/main" xmlns:p15="http://schemas.microsoft.com/office/powerpoint/2012/main" xmlns:ahyp="http://schemas.microsoft.com/office/drawing/2018/hyperlinkcolor" matchingName="Big number">
+<p:sldLayout xmlns:a="http://schemas.openxmlformats.org/drawingml/2006/main" xmlns:r="http://schemas.openxmlformats.org/officeDocument/2006/relationships" xmlns:p="http://schemas.openxmlformats.org/presentationml/2006/main" matchingName="Big number">
   <p:cSld name="BIG_NUMBER">
     <p:spTree>
       <p:nvGrpSpPr>
-        <p:cNvPr id="105" name="Shape 105"/>
+        <p:cNvPr id="1" name="Shape 105"/>
         <p:cNvGrpSpPr/>
         <p:nvPr/>
       </p:nvGrpSpPr>
@@ -1770,7 +1800,7 @@
             </a:xfrm>
             <a:prstGeom prst="diagStripe">
               <a:avLst>
-                <a:gd fmla="val 49469" name="adj"/>
+                <a:gd name="adj" fmla="val 49469"/>
               </a:avLst>
             </a:prstGeom>
             <a:solidFill>
@@ -1783,12 +1813,12 @@
             </a:ln>
           </p:spPr>
           <p:txBody>
-            <a:bodyPr anchorCtr="0" anchor="ctr" bIns="91425" lIns="91425" spcFirstLastPara="1" rIns="91425" wrap="square" tIns="91425">
+            <a:bodyPr spcFirstLastPara="1" wrap="square" lIns="91425" tIns="91425" rIns="91425" bIns="91425" anchor="ctr" anchorCtr="0">
               <a:noAutofit/>
             </a:bodyPr>
             <a:lstStyle/>
             <a:p>
-              <a:pPr indent="0" lvl="0" marL="0" rtl="0" algn="l">
+              <a:pPr marL="0" lvl="0" indent="0" algn="l" rtl="0">
                 <a:spcBef>
                   <a:spcPts val="0"/>
                 </a:spcBef>
@@ -1797,9 +1827,6 @@
                 </a:spcAft>
                 <a:buNone/>
               </a:pPr>
-              <a:r>
-                <a:t/>
-              </a:r>
               <a:endParaRPr/>
             </a:p>
           </p:txBody>
@@ -1817,7 +1844,7 @@
             </a:xfrm>
             <a:prstGeom prst="diagStripe">
               <a:avLst>
-                <a:gd fmla="val 0" name="adj"/>
+                <a:gd name="adj" fmla="val 0"/>
               </a:avLst>
             </a:prstGeom>
             <a:solidFill>
@@ -1830,12 +1857,12 @@
             </a:ln>
           </p:spPr>
           <p:txBody>
-            <a:bodyPr anchorCtr="0" anchor="ctr" bIns="91425" lIns="91425" spcFirstLastPara="1" rIns="91425" wrap="square" tIns="91425">
+            <a:bodyPr spcFirstLastPara="1" wrap="square" lIns="91425" tIns="91425" rIns="91425" bIns="91425" anchor="ctr" anchorCtr="0">
               <a:noAutofit/>
             </a:bodyPr>
             <a:lstStyle/>
             <a:p>
-              <a:pPr indent="0" lvl="0" marL="0" rtl="0" algn="l">
+              <a:pPr marL="0" lvl="0" indent="0" algn="l" rtl="0">
                 <a:spcBef>
                   <a:spcPts val="0"/>
                 </a:spcBef>
@@ -1844,9 +1871,6 @@
                 </a:spcAft>
                 <a:buNone/>
               </a:pPr>
-              <a:r>
-                <a:t/>
-              </a:r>
               <a:endParaRPr/>
             </a:p>
           </p:txBody>
@@ -1864,7 +1888,7 @@
             </a:xfrm>
             <a:prstGeom prst="diagStripe">
               <a:avLst>
-                <a:gd fmla="val 50000" name="adj"/>
+                <a:gd name="adj" fmla="val 50000"/>
               </a:avLst>
             </a:prstGeom>
             <a:solidFill>
@@ -1877,12 +1901,12 @@
             </a:ln>
           </p:spPr>
           <p:txBody>
-            <a:bodyPr anchorCtr="0" anchor="ctr" bIns="91425" lIns="91425" spcFirstLastPara="1" rIns="91425" wrap="square" tIns="91425">
+            <a:bodyPr spcFirstLastPara="1" wrap="square" lIns="91425" tIns="91425" rIns="91425" bIns="91425" anchor="ctr" anchorCtr="0">
               <a:noAutofit/>
             </a:bodyPr>
             <a:lstStyle/>
             <a:p>
-              <a:pPr indent="0" lvl="0" marL="0" rtl="0" algn="l">
+              <a:pPr marL="0" lvl="0" indent="0" algn="l" rtl="0">
                 <a:spcBef>
                   <a:spcPts val="0"/>
                 </a:spcBef>
@@ -1891,9 +1915,6 @@
                 </a:spcAft>
                 <a:buNone/>
               </a:pPr>
-              <a:r>
-                <a:t/>
-              </a:r>
               <a:endParaRPr/>
             </a:p>
           </p:txBody>
@@ -1911,7 +1932,7 @@
             </a:xfrm>
             <a:prstGeom prst="diagStripe">
               <a:avLst>
-                <a:gd fmla="val 50000" name="adj"/>
+                <a:gd name="adj" fmla="val 50000"/>
               </a:avLst>
             </a:prstGeom>
             <a:solidFill>
@@ -1924,12 +1945,12 @@
             </a:ln>
           </p:spPr>
           <p:txBody>
-            <a:bodyPr anchorCtr="0" anchor="ctr" bIns="91425" lIns="91425" spcFirstLastPara="1" rIns="91425" wrap="square" tIns="91425">
+            <a:bodyPr spcFirstLastPara="1" wrap="square" lIns="91425" tIns="91425" rIns="91425" bIns="91425" anchor="ctr" anchorCtr="0">
               <a:noAutofit/>
             </a:bodyPr>
             <a:lstStyle/>
             <a:p>
-              <a:pPr indent="0" lvl="0" marL="0" rtl="0" algn="l">
+              <a:pPr marL="0" lvl="0" indent="0" algn="l" rtl="0">
                 <a:spcBef>
                   <a:spcPts val="0"/>
                 </a:spcBef>
@@ -1938,9 +1959,6 @@
                 </a:spcAft>
                 <a:buNone/>
               </a:pPr>
-              <a:r>
-                <a:t/>
-              </a:r>
               <a:endParaRPr/>
             </a:p>
           </p:txBody>
@@ -1958,7 +1976,7 @@
             </a:xfrm>
             <a:prstGeom prst="diagStripe">
               <a:avLst>
-                <a:gd fmla="val 50000" name="adj"/>
+                <a:gd name="adj" fmla="val 50000"/>
               </a:avLst>
             </a:prstGeom>
             <a:solidFill>
@@ -1971,12 +1989,12 @@
             </a:ln>
           </p:spPr>
           <p:txBody>
-            <a:bodyPr anchorCtr="0" anchor="ctr" bIns="91425" lIns="91425" spcFirstLastPara="1" rIns="91425" wrap="square" tIns="91425">
+            <a:bodyPr spcFirstLastPara="1" wrap="square" lIns="91425" tIns="91425" rIns="91425" bIns="91425" anchor="ctr" anchorCtr="0">
               <a:noAutofit/>
             </a:bodyPr>
             <a:lstStyle/>
             <a:p>
-              <a:pPr indent="0" lvl="0" marL="0" rtl="0" algn="l">
+              <a:pPr marL="0" lvl="0" indent="0" algn="l" rtl="0">
                 <a:spcBef>
                   <a:spcPts val="0"/>
                 </a:spcBef>
@@ -1985,9 +2003,6 @@
                 </a:spcAft>
                 <a:buNone/>
               </a:pPr>
-              <a:r>
-                <a:t/>
-              </a:r>
               <a:endParaRPr/>
             </a:p>
           </p:txBody>
@@ -2005,7 +2020,7 @@
             </a:xfrm>
             <a:prstGeom prst="diagStripe">
               <a:avLst>
-                <a:gd fmla="val 50000" name="adj"/>
+                <a:gd name="adj" fmla="val 50000"/>
               </a:avLst>
             </a:prstGeom>
             <a:solidFill>
@@ -2018,12 +2033,12 @@
             </a:ln>
           </p:spPr>
           <p:txBody>
-            <a:bodyPr anchorCtr="0" anchor="ctr" bIns="91425" lIns="91425" spcFirstLastPara="1" rIns="91425" wrap="square" tIns="91425">
+            <a:bodyPr spcFirstLastPara="1" wrap="square" lIns="91425" tIns="91425" rIns="91425" bIns="91425" anchor="ctr" anchorCtr="0">
               <a:noAutofit/>
             </a:bodyPr>
             <a:lstStyle/>
             <a:p>
-              <a:pPr indent="0" lvl="0" marL="0" rtl="0" algn="l">
+              <a:pPr marL="0" lvl="0" indent="0" algn="l" rtl="0">
                 <a:spcBef>
                   <a:spcPts val="0"/>
                 </a:spcBef>
@@ -2032,9 +2047,6 @@
                 </a:spcAft>
                 <a:buNone/>
               </a:pPr>
-              <a:r>
-                <a:t/>
-              </a:r>
               <a:endParaRPr/>
             </a:p>
           </p:txBody>
@@ -2052,7 +2064,7 @@
             </a:xfrm>
             <a:prstGeom prst="diagStripe">
               <a:avLst>
-                <a:gd fmla="val 50000" name="adj"/>
+                <a:gd name="adj" fmla="val 50000"/>
               </a:avLst>
             </a:prstGeom>
             <a:solidFill>
@@ -2065,12 +2077,12 @@
             </a:ln>
           </p:spPr>
           <p:txBody>
-            <a:bodyPr anchorCtr="0" anchor="ctr" bIns="91425" lIns="91425" spcFirstLastPara="1" rIns="91425" wrap="square" tIns="91425">
+            <a:bodyPr spcFirstLastPara="1" wrap="square" lIns="91425" tIns="91425" rIns="91425" bIns="91425" anchor="ctr" anchorCtr="0">
               <a:noAutofit/>
             </a:bodyPr>
             <a:lstStyle/>
             <a:p>
-              <a:pPr indent="0" lvl="0" marL="0" rtl="0" algn="l">
+              <a:pPr marL="0" lvl="0" indent="0" algn="l" rtl="0">
                 <a:spcBef>
                   <a:spcPts val="0"/>
                 </a:spcBef>
@@ -2079,9 +2091,6 @@
                 </a:spcAft>
                 <a:buNone/>
               </a:pPr>
-              <a:r>
-                <a:t/>
-              </a:r>
               <a:endParaRPr/>
             </a:p>
           </p:txBody>
@@ -2099,7 +2108,7 @@
             </a:xfrm>
             <a:prstGeom prst="diagStripe">
               <a:avLst>
-                <a:gd fmla="val 50000" name="adj"/>
+                <a:gd name="adj" fmla="val 50000"/>
               </a:avLst>
             </a:prstGeom>
             <a:solidFill>
@@ -2110,12 +2119,12 @@
             </a:ln>
           </p:spPr>
           <p:txBody>
-            <a:bodyPr anchorCtr="0" anchor="ctr" bIns="91425" lIns="91425" spcFirstLastPara="1" rIns="91425" wrap="square" tIns="91425">
+            <a:bodyPr spcFirstLastPara="1" wrap="square" lIns="91425" tIns="91425" rIns="91425" bIns="91425" anchor="ctr" anchorCtr="0">
               <a:noAutofit/>
             </a:bodyPr>
             <a:lstStyle/>
             <a:p>
-              <a:pPr indent="0" lvl="0" marL="0" rtl="0" algn="l">
+              <a:pPr marL="0" lvl="0" indent="0" algn="l" rtl="0">
                 <a:spcBef>
                   <a:spcPts val="0"/>
                 </a:spcBef>
@@ -2124,9 +2133,6 @@
                 </a:spcAft>
                 <a:buNone/>
               </a:pPr>
-              <a:r>
-                <a:t/>
-              </a:r>
               <a:endParaRPr/>
             </a:p>
           </p:txBody>
@@ -2144,7 +2150,7 @@
             </a:xfrm>
             <a:prstGeom prst="diagStripe">
               <a:avLst>
-                <a:gd fmla="val 50000" name="adj"/>
+                <a:gd name="adj" fmla="val 50000"/>
               </a:avLst>
             </a:prstGeom>
             <a:solidFill>
@@ -2157,12 +2163,12 @@
             </a:ln>
           </p:spPr>
           <p:txBody>
-            <a:bodyPr anchorCtr="0" anchor="ctr" bIns="91425" lIns="91425" spcFirstLastPara="1" rIns="91425" wrap="square" tIns="91425">
+            <a:bodyPr spcFirstLastPara="1" wrap="square" lIns="91425" tIns="91425" rIns="91425" bIns="91425" anchor="ctr" anchorCtr="0">
               <a:noAutofit/>
             </a:bodyPr>
             <a:lstStyle/>
             <a:p>
-              <a:pPr indent="0" lvl="0" marL="0" rtl="0" algn="l">
+              <a:pPr marL="0" lvl="0" indent="0" algn="l" rtl="0">
                 <a:spcBef>
                   <a:spcPts val="0"/>
                 </a:spcBef>
@@ -2171,9 +2177,6 @@
                 </a:spcAft>
                 <a:buNone/>
               </a:pPr>
-              <a:r>
-                <a:t/>
-              </a:r>
               <a:endParaRPr/>
             </a:p>
           </p:txBody>
@@ -2191,7 +2194,7 @@
             </a:xfrm>
             <a:prstGeom prst="diagStripe">
               <a:avLst>
-                <a:gd fmla="val 50000" name="adj"/>
+                <a:gd name="adj" fmla="val 50000"/>
               </a:avLst>
             </a:prstGeom>
             <a:solidFill>
@@ -2204,12 +2207,12 @@
             </a:ln>
           </p:spPr>
           <p:txBody>
-            <a:bodyPr anchorCtr="0" anchor="ctr" bIns="91425" lIns="91425" spcFirstLastPara="1" rIns="91425" wrap="square" tIns="91425">
+            <a:bodyPr spcFirstLastPara="1" wrap="square" lIns="91425" tIns="91425" rIns="91425" bIns="91425" anchor="ctr" anchorCtr="0">
               <a:noAutofit/>
             </a:bodyPr>
             <a:lstStyle/>
             <a:p>
-              <a:pPr indent="0" lvl="0" marL="0" rtl="0" algn="l">
+              <a:pPr marL="0" lvl="0" indent="0" algn="l" rtl="0">
                 <a:spcBef>
                   <a:spcPts val="0"/>
                 </a:spcBef>
@@ -2218,9 +2221,6 @@
                 </a:spcAft>
                 <a:buNone/>
               </a:pPr>
-              <a:r>
-                <a:t/>
-              </a:r>
               <a:endParaRPr/>
             </a:p>
           </p:txBody>
@@ -2238,7 +2238,7 @@
             </a:xfrm>
             <a:prstGeom prst="diagStripe">
               <a:avLst>
-                <a:gd fmla="val 50000" name="adj"/>
+                <a:gd name="adj" fmla="val 50000"/>
               </a:avLst>
             </a:prstGeom>
             <a:solidFill>
@@ -2251,12 +2251,12 @@
             </a:ln>
           </p:spPr>
           <p:txBody>
-            <a:bodyPr anchorCtr="0" anchor="ctr" bIns="91425" lIns="91425" spcFirstLastPara="1" rIns="91425" wrap="square" tIns="91425">
+            <a:bodyPr spcFirstLastPara="1" wrap="square" lIns="91425" tIns="91425" rIns="91425" bIns="91425" anchor="ctr" anchorCtr="0">
               <a:noAutofit/>
             </a:bodyPr>
             <a:lstStyle/>
             <a:p>
-              <a:pPr indent="0" lvl="0" marL="0" rtl="0" algn="l">
+              <a:pPr marL="0" lvl="0" indent="0" algn="l" rtl="0">
                 <a:spcBef>
                   <a:spcPts val="0"/>
                 </a:spcBef>
@@ -2265,9 +2265,6 @@
                 </a:spcAft>
                 <a:buNone/>
               </a:pPr>
-              <a:r>
-                <a:t/>
-              </a:r>
               <a:endParaRPr/>
             </a:p>
           </p:txBody>
@@ -2285,7 +2282,7 @@
             </a:xfrm>
             <a:prstGeom prst="diagStripe">
               <a:avLst>
-                <a:gd fmla="val 50000" name="adj"/>
+                <a:gd name="adj" fmla="val 50000"/>
               </a:avLst>
             </a:prstGeom>
             <a:solidFill>
@@ -2298,12 +2295,12 @@
             </a:ln>
           </p:spPr>
           <p:txBody>
-            <a:bodyPr anchorCtr="0" anchor="ctr" bIns="91425" lIns="91425" spcFirstLastPara="1" rIns="91425" wrap="square" tIns="91425">
+            <a:bodyPr spcFirstLastPara="1" wrap="square" lIns="91425" tIns="91425" rIns="91425" bIns="91425" anchor="ctr" anchorCtr="0">
               <a:noAutofit/>
             </a:bodyPr>
             <a:lstStyle/>
             <a:p>
-              <a:pPr indent="0" lvl="0" marL="0" rtl="0" algn="l">
+              <a:pPr marL="0" lvl="0" indent="0" algn="l" rtl="0">
                 <a:spcBef>
                   <a:spcPts val="0"/>
                 </a:spcBef>
@@ -2312,9 +2309,6 @@
                 </a:spcAft>
                 <a:buNone/>
               </a:pPr>
-              <a:r>
-                <a:t/>
-              </a:r>
               <a:endParaRPr/>
             </a:p>
           </p:txBody>
@@ -2332,7 +2326,7 @@
             </a:xfrm>
             <a:prstGeom prst="diagStripe">
               <a:avLst>
-                <a:gd fmla="val 50000" name="adj"/>
+                <a:gd name="adj" fmla="val 50000"/>
               </a:avLst>
             </a:prstGeom>
             <a:solidFill>
@@ -2345,12 +2339,12 @@
             </a:ln>
           </p:spPr>
           <p:txBody>
-            <a:bodyPr anchorCtr="0" anchor="ctr" bIns="91425" lIns="91425" spcFirstLastPara="1" rIns="91425" wrap="square" tIns="91425">
+            <a:bodyPr spcFirstLastPara="1" wrap="square" lIns="91425" tIns="91425" rIns="91425" bIns="91425" anchor="ctr" anchorCtr="0">
               <a:noAutofit/>
             </a:bodyPr>
             <a:lstStyle/>
             <a:p>
-              <a:pPr indent="0" lvl="0" marL="0" rtl="0" algn="l">
+              <a:pPr marL="0" lvl="0" indent="0" algn="l" rtl="0">
                 <a:spcBef>
                   <a:spcPts val="0"/>
                 </a:spcBef>
@@ -2359,9 +2353,6 @@
                 </a:spcAft>
                 <a:buNone/>
               </a:pPr>
-              <a:r>
-                <a:t/>
-              </a:r>
               <a:endParaRPr/>
             </a:p>
           </p:txBody>
@@ -2379,7 +2370,7 @@
             </a:xfrm>
             <a:prstGeom prst="diagStripe">
               <a:avLst>
-                <a:gd fmla="val 50000" name="adj"/>
+                <a:gd name="adj" fmla="val 50000"/>
               </a:avLst>
             </a:prstGeom>
             <a:solidFill>
@@ -2390,12 +2381,12 @@
             </a:ln>
           </p:spPr>
           <p:txBody>
-            <a:bodyPr anchorCtr="0" anchor="ctr" bIns="91425" lIns="91425" spcFirstLastPara="1" rIns="91425" wrap="square" tIns="91425">
+            <a:bodyPr spcFirstLastPara="1" wrap="square" lIns="91425" tIns="91425" rIns="91425" bIns="91425" anchor="ctr" anchorCtr="0">
               <a:noAutofit/>
             </a:bodyPr>
             <a:lstStyle/>
             <a:p>
-              <a:pPr indent="0" lvl="0" marL="0" rtl="0" algn="l">
+              <a:pPr marL="0" lvl="0" indent="0" algn="l" rtl="0">
                 <a:spcBef>
                   <a:spcPts val="0"/>
                 </a:spcBef>
@@ -2404,9 +2395,6 @@
                 </a:spcAft>
                 <a:buNone/>
               </a:pPr>
-              <a:r>
-                <a:t/>
-              </a:r>
               <a:endParaRPr/>
             </a:p>
           </p:txBody>
@@ -2424,7 +2412,7 @@
             </a:xfrm>
             <a:prstGeom prst="diagStripe">
               <a:avLst>
-                <a:gd fmla="val 50000" name="adj"/>
+                <a:gd name="adj" fmla="val 50000"/>
               </a:avLst>
             </a:prstGeom>
             <a:solidFill>
@@ -2437,12 +2425,12 @@
             </a:ln>
           </p:spPr>
           <p:txBody>
-            <a:bodyPr anchorCtr="0" anchor="ctr" bIns="91425" lIns="91425" spcFirstLastPara="1" rIns="91425" wrap="square" tIns="91425">
+            <a:bodyPr spcFirstLastPara="1" wrap="square" lIns="91425" tIns="91425" rIns="91425" bIns="91425" anchor="ctr" anchorCtr="0">
               <a:noAutofit/>
             </a:bodyPr>
             <a:lstStyle/>
             <a:p>
-              <a:pPr indent="0" lvl="0" marL="0" rtl="0" algn="l">
+              <a:pPr marL="0" lvl="0" indent="0" algn="l" rtl="0">
                 <a:spcBef>
                   <a:spcPts val="0"/>
                 </a:spcBef>
@@ -2451,9 +2439,6 @@
                 </a:spcAft>
                 <a:buNone/>
               </a:pPr>
-              <a:r>
-                <a:t/>
-              </a:r>
               <a:endParaRPr/>
             </a:p>
           </p:txBody>
@@ -2471,7 +2456,7 @@
             </a:xfrm>
             <a:prstGeom prst="diagStripe">
               <a:avLst>
-                <a:gd fmla="val 50000" name="adj"/>
+                <a:gd name="adj" fmla="val 50000"/>
               </a:avLst>
             </a:prstGeom>
             <a:solidFill>
@@ -2484,12 +2469,12 @@
             </a:ln>
           </p:spPr>
           <p:txBody>
-            <a:bodyPr anchorCtr="0" anchor="ctr" bIns="91425" lIns="91425" spcFirstLastPara="1" rIns="91425" wrap="square" tIns="91425">
+            <a:bodyPr spcFirstLastPara="1" wrap="square" lIns="91425" tIns="91425" rIns="91425" bIns="91425" anchor="ctr" anchorCtr="0">
               <a:noAutofit/>
             </a:bodyPr>
             <a:lstStyle/>
             <a:p>
-              <a:pPr indent="0" lvl="0" marL="0" rtl="0" algn="l">
+              <a:pPr marL="0" lvl="0" indent="0" algn="l" rtl="0">
                 <a:spcBef>
                   <a:spcPts val="0"/>
                 </a:spcBef>
@@ -2498,9 +2483,6 @@
                 </a:spcAft>
                 <a:buNone/>
               </a:pPr>
-              <a:r>
-                <a:t/>
-              </a:r>
               <a:endParaRPr/>
             </a:p>
           </p:txBody>
@@ -2518,7 +2500,7 @@
             </a:xfrm>
             <a:prstGeom prst="diagStripe">
               <a:avLst>
-                <a:gd fmla="val 50000" name="adj"/>
+                <a:gd name="adj" fmla="val 50000"/>
               </a:avLst>
             </a:prstGeom>
             <a:solidFill>
@@ -2531,12 +2513,12 @@
             </a:ln>
           </p:spPr>
           <p:txBody>
-            <a:bodyPr anchorCtr="0" anchor="ctr" bIns="91425" lIns="91425" spcFirstLastPara="1" rIns="91425" wrap="square" tIns="91425">
+            <a:bodyPr spcFirstLastPara="1" wrap="square" lIns="91425" tIns="91425" rIns="91425" bIns="91425" anchor="ctr" anchorCtr="0">
               <a:noAutofit/>
             </a:bodyPr>
             <a:lstStyle/>
             <a:p>
-              <a:pPr indent="0" lvl="0" marL="0" rtl="0" algn="l">
+              <a:pPr marL="0" lvl="0" indent="0" algn="l" rtl="0">
                 <a:spcBef>
                   <a:spcPts val="0"/>
                 </a:spcBef>
@@ -2545,9 +2527,6 @@
                 </a:spcAft>
                 <a:buNone/>
               </a:pPr>
-              <a:r>
-                <a:t/>
-              </a:r>
               <a:endParaRPr/>
             </a:p>
           </p:txBody>
@@ -2565,7 +2544,7 @@
             </a:xfrm>
             <a:prstGeom prst="diagStripe">
               <a:avLst>
-                <a:gd fmla="val 50000" name="adj"/>
+                <a:gd name="adj" fmla="val 50000"/>
               </a:avLst>
             </a:prstGeom>
             <a:solidFill>
@@ -2578,12 +2557,12 @@
             </a:ln>
           </p:spPr>
           <p:txBody>
-            <a:bodyPr anchorCtr="0" anchor="ctr" bIns="91425" lIns="91425" spcFirstLastPara="1" rIns="91425" wrap="square" tIns="91425">
+            <a:bodyPr spcFirstLastPara="1" wrap="square" lIns="91425" tIns="91425" rIns="91425" bIns="91425" anchor="ctr" anchorCtr="0">
               <a:noAutofit/>
             </a:bodyPr>
             <a:lstStyle/>
             <a:p>
-              <a:pPr indent="0" lvl="0" marL="0" rtl="0" algn="l">
+              <a:pPr marL="0" lvl="0" indent="0" algn="l" rtl="0">
                 <a:spcBef>
                   <a:spcPts val="0"/>
                 </a:spcBef>
@@ -2592,9 +2571,6 @@
                 </a:spcAft>
                 <a:buNone/>
               </a:pPr>
-              <a:r>
-                <a:t/>
-              </a:r>
               <a:endParaRPr/>
             </a:p>
           </p:txBody>
@@ -2603,9 +2579,11 @@
       <p:sp>
         <p:nvSpPr>
           <p:cNvPr id="125" name="Google Shape;125;p11"/>
-          <p:cNvSpPr txBox="1"/>
+          <p:cNvSpPr txBox="1">
+            <a:spLocks noGrp="1"/>
+          </p:cNvSpPr>
           <p:nvPr>
-            <p:ph hasCustomPrompt="1" type="title"/>
+            <p:ph type="title" hasCustomPrompt="1"/>
           </p:nvPr>
         </p:nvSpPr>
         <p:spPr>
@@ -2618,7 +2596,7 @@
           </a:prstGeom>
         </p:spPr>
         <p:txBody>
-          <a:bodyPr anchorCtr="0" anchor="t" bIns="91425" lIns="91425" spcFirstLastPara="1" rIns="91425" wrap="square" tIns="91425">
+          <a:bodyPr spcFirstLastPara="1" wrap="square" lIns="91425" tIns="91425" rIns="91425" bIns="91425" anchor="t" anchorCtr="0">
             <a:normAutofit/>
           </a:bodyPr>
           <a:lstStyle>
@@ -2732,9 +2710,11 @@
       <p:sp>
         <p:nvSpPr>
           <p:cNvPr id="126" name="Google Shape;126;p11"/>
-          <p:cNvSpPr txBox="1"/>
+          <p:cNvSpPr txBox="1">
+            <a:spLocks noGrp="1"/>
+          </p:cNvSpPr>
           <p:nvPr>
-            <p:ph idx="1" type="body"/>
+            <p:ph type="body" idx="1"/>
           </p:nvPr>
         </p:nvSpPr>
         <p:spPr>
@@ -2747,11 +2727,11 @@
           </a:prstGeom>
         </p:spPr>
         <p:txBody>
-          <a:bodyPr anchorCtr="0" anchor="t" bIns="91425" lIns="91425" spcFirstLastPara="1" rIns="91425" wrap="square" tIns="91425">
+          <a:bodyPr spcFirstLastPara="1" wrap="square" lIns="91425" tIns="91425" rIns="91425" bIns="91425" anchor="t" anchorCtr="0">
             <a:normAutofit/>
           </a:bodyPr>
           <a:lstStyle>
-            <a:lvl1pPr indent="-311150" lvl="0" marL="457200">
+            <a:lvl1pPr marL="457200" lvl="0" indent="-311150">
               <a:spcBef>
                 <a:spcPts val="0"/>
               </a:spcBef>
@@ -2762,7 +2742,7 @@
               <a:buChar char="●"/>
               <a:defRPr/>
             </a:lvl1pPr>
-            <a:lvl2pPr indent="-298450" lvl="1" marL="914400">
+            <a:lvl2pPr marL="914400" lvl="1" indent="-298450">
               <a:spcBef>
                 <a:spcPts val="0"/>
               </a:spcBef>
@@ -2773,7 +2753,7 @@
               <a:buChar char="○"/>
               <a:defRPr/>
             </a:lvl2pPr>
-            <a:lvl3pPr indent="-298450" lvl="2" marL="1371600">
+            <a:lvl3pPr marL="1371600" lvl="2" indent="-298450">
               <a:spcBef>
                 <a:spcPts val="0"/>
               </a:spcBef>
@@ -2784,7 +2764,7 @@
               <a:buChar char="■"/>
               <a:defRPr/>
             </a:lvl3pPr>
-            <a:lvl4pPr indent="-298450" lvl="3" marL="1828800">
+            <a:lvl4pPr marL="1828800" lvl="3" indent="-298450">
               <a:spcBef>
                 <a:spcPts val="0"/>
               </a:spcBef>
@@ -2795,7 +2775,7 @@
               <a:buChar char="●"/>
               <a:defRPr/>
             </a:lvl4pPr>
-            <a:lvl5pPr indent="-298450" lvl="4" marL="2286000">
+            <a:lvl5pPr marL="2286000" lvl="4" indent="-298450">
               <a:spcBef>
                 <a:spcPts val="0"/>
               </a:spcBef>
@@ -2806,7 +2786,7 @@
               <a:buChar char="○"/>
               <a:defRPr/>
             </a:lvl5pPr>
-            <a:lvl6pPr indent="-298450" lvl="5" marL="2743200">
+            <a:lvl6pPr marL="2743200" lvl="5" indent="-298450">
               <a:spcBef>
                 <a:spcPts val="0"/>
               </a:spcBef>
@@ -2817,7 +2797,7 @@
               <a:buChar char="■"/>
               <a:defRPr/>
             </a:lvl6pPr>
-            <a:lvl7pPr indent="-298450" lvl="6" marL="3200400">
+            <a:lvl7pPr marL="3200400" lvl="6" indent="-298450">
               <a:spcBef>
                 <a:spcPts val="0"/>
               </a:spcBef>
@@ -2828,7 +2808,7 @@
               <a:buChar char="●"/>
               <a:defRPr/>
             </a:lvl7pPr>
-            <a:lvl8pPr indent="-298450" lvl="7" marL="3657600">
+            <a:lvl8pPr marL="3657600" lvl="7" indent="-298450">
               <a:spcBef>
                 <a:spcPts val="0"/>
               </a:spcBef>
@@ -2839,7 +2819,7 @@
               <a:buChar char="○"/>
               <a:defRPr/>
             </a:lvl8pPr>
-            <a:lvl9pPr indent="-298450" lvl="8" marL="4114800">
+            <a:lvl9pPr marL="4114800" lvl="8" indent="-298450">
               <a:spcBef>
                 <a:spcPts val="0"/>
               </a:spcBef>
@@ -2851,15 +2831,19 @@
               <a:defRPr/>
             </a:lvl9pPr>
           </a:lstStyle>
-          <a:p/>
+          <a:p>
+            <a:endParaRPr/>
+          </a:p>
         </p:txBody>
       </p:sp>
       <p:sp>
         <p:nvSpPr>
           <p:cNvPr id="127" name="Google Shape;127;p11"/>
-          <p:cNvSpPr txBox="1"/>
+          <p:cNvSpPr txBox="1">
+            <a:spLocks noGrp="1"/>
+          </p:cNvSpPr>
           <p:nvPr>
-            <p:ph idx="12" type="sldNum"/>
+            <p:ph type="sldNum" idx="12"/>
           </p:nvPr>
         </p:nvSpPr>
         <p:spPr>
@@ -2872,7 +2856,7 @@
           </a:prstGeom>
         </p:spPr>
         <p:txBody>
-          <a:bodyPr anchorCtr="0" anchor="ctr" bIns="91425" lIns="91425" spcFirstLastPara="1" rIns="91425" wrap="square" tIns="91425">
+          <a:bodyPr spcFirstLastPara="1" wrap="square" lIns="91425" tIns="91425" rIns="91425" bIns="91425" anchor="ctr" anchorCtr="0">
             <a:normAutofit/>
           </a:bodyPr>
           <a:lstStyle>
@@ -2914,7 +2898,7 @@
             </a:lvl9pPr>
           </a:lstStyle>
           <a:p>
-            <a:pPr indent="0" lvl="0" marL="0" rtl="0" algn="r">
+            <a:pPr marL="0" lvl="0" indent="0" algn="r" rtl="0">
               <a:spcBef>
                 <a:spcPts val="0"/>
               </a:spcBef>
@@ -2940,11 +2924,11 @@
 </file>
 
 <file path=ppt/slideLayouts/slideLayout11.xml><?xml version="1.0" encoding="utf-8"?>
-<p:sldLayout xmlns:a="http://schemas.openxmlformats.org/drawingml/2006/main" xmlns:r="http://schemas.openxmlformats.org/officeDocument/2006/relationships" xmlns:mc="http://schemas.openxmlformats.org/markup-compatibility/2006" xmlns:mv="urn:schemas-microsoft-com:mac:vml" xmlns:p="http://schemas.openxmlformats.org/presentationml/2006/main" xmlns:c="http://schemas.openxmlformats.org/drawingml/2006/chart" xmlns:dgm="http://schemas.openxmlformats.org/drawingml/2006/diagram" xmlns:o="urn:schemas-microsoft-com:office:office" xmlns:v="urn:schemas-microsoft-com:vml" xmlns:pvml="urn:schemas-microsoft-com:office:powerpoint" xmlns:com="http://schemas.openxmlformats.org/drawingml/2006/compatibility" xmlns:p14="http://schemas.microsoft.com/office/powerpoint/2010/main" xmlns:p15="http://schemas.microsoft.com/office/powerpoint/2012/main" xmlns:ahyp="http://schemas.microsoft.com/office/drawing/2018/hyperlinkcolor" matchingName="Blank" type="blank">
+<p:sldLayout xmlns:a="http://schemas.openxmlformats.org/drawingml/2006/main" xmlns:r="http://schemas.openxmlformats.org/officeDocument/2006/relationships" xmlns:p="http://schemas.openxmlformats.org/presentationml/2006/main" matchingName="Blank" type="blank">
   <p:cSld name="BLANK">
     <p:spTree>
       <p:nvGrpSpPr>
-        <p:cNvPr id="128" name="Shape 128"/>
+        <p:cNvPr id="1" name="Shape 128"/>
         <p:cNvGrpSpPr/>
         <p:nvPr/>
       </p:nvGrpSpPr>
@@ -2959,9 +2943,11 @@
       <p:sp>
         <p:nvSpPr>
           <p:cNvPr id="129" name="Google Shape;129;p12"/>
-          <p:cNvSpPr txBox="1"/>
+          <p:cNvSpPr txBox="1">
+            <a:spLocks noGrp="1"/>
+          </p:cNvSpPr>
           <p:nvPr>
-            <p:ph idx="12" type="sldNum"/>
+            <p:ph type="sldNum" idx="12"/>
           </p:nvPr>
         </p:nvSpPr>
         <p:spPr>
@@ -2974,7 +2960,7 @@
           </a:prstGeom>
         </p:spPr>
         <p:txBody>
-          <a:bodyPr anchorCtr="0" anchor="ctr" bIns="91425" lIns="91425" spcFirstLastPara="1" rIns="91425" wrap="square" tIns="91425">
+          <a:bodyPr spcFirstLastPara="1" wrap="square" lIns="91425" tIns="91425" rIns="91425" bIns="91425" anchor="ctr" anchorCtr="0">
             <a:normAutofit/>
           </a:bodyPr>
           <a:lstStyle>
@@ -3016,7 +3002,7 @@
             </a:lvl9pPr>
           </a:lstStyle>
           <a:p>
-            <a:pPr indent="0" lvl="0" marL="0" rtl="0" algn="r">
+            <a:pPr marL="0" lvl="0" indent="0" algn="r" rtl="0">
               <a:spcBef>
                 <a:spcPts val="0"/>
               </a:spcBef>
@@ -3042,11 +3028,11 @@
 </file>
 
 <file path=ppt/slideLayouts/slideLayout2.xml><?xml version="1.0" encoding="utf-8"?>
-<p:sldLayout xmlns:a="http://schemas.openxmlformats.org/drawingml/2006/main" xmlns:r="http://schemas.openxmlformats.org/officeDocument/2006/relationships" xmlns:mc="http://schemas.openxmlformats.org/markup-compatibility/2006" xmlns:mv="urn:schemas-microsoft-com:mac:vml" xmlns:p="http://schemas.openxmlformats.org/presentationml/2006/main" xmlns:c="http://schemas.openxmlformats.org/drawingml/2006/chart" xmlns:dgm="http://schemas.openxmlformats.org/drawingml/2006/diagram" xmlns:o="urn:schemas-microsoft-com:office:office" xmlns:v="urn:schemas-microsoft-com:vml" xmlns:pvml="urn:schemas-microsoft-com:office:powerpoint" xmlns:com="http://schemas.openxmlformats.org/drawingml/2006/compatibility" xmlns:p14="http://schemas.microsoft.com/office/powerpoint/2010/main" xmlns:p15="http://schemas.microsoft.com/office/powerpoint/2012/main" xmlns:ahyp="http://schemas.microsoft.com/office/drawing/2018/hyperlinkcolor" matchingName="Section header" type="secHead">
+<p:sldLayout xmlns:a="http://schemas.openxmlformats.org/drawingml/2006/main" xmlns:r="http://schemas.openxmlformats.org/officeDocument/2006/relationships" xmlns:p="http://schemas.openxmlformats.org/presentationml/2006/main" matchingName="Section header" type="secHead">
   <p:cSld name="SECTION_HEADER">
     <p:spTree>
       <p:nvGrpSpPr>
-        <p:cNvPr id="19" name="Shape 19"/>
+        <p:cNvPr id="1" name="Shape 19"/>
         <p:cNvGrpSpPr/>
         <p:nvPr/>
       </p:nvGrpSpPr>
@@ -3085,7 +3071,7 @@
             </a:xfrm>
             <a:prstGeom prst="diagStripe">
               <a:avLst>
-                <a:gd fmla="val 49469" name="adj"/>
+                <a:gd name="adj" fmla="val 49469"/>
               </a:avLst>
             </a:prstGeom>
             <a:solidFill>
@@ -3098,12 +3084,12 @@
             </a:ln>
           </p:spPr>
           <p:txBody>
-            <a:bodyPr anchorCtr="0" anchor="ctr" bIns="91425" lIns="91425" spcFirstLastPara="1" rIns="91425" wrap="square" tIns="91425">
+            <a:bodyPr spcFirstLastPara="1" wrap="square" lIns="91425" tIns="91425" rIns="91425" bIns="91425" anchor="ctr" anchorCtr="0">
               <a:noAutofit/>
             </a:bodyPr>
             <a:lstStyle/>
             <a:p>
-              <a:pPr indent="0" lvl="0" marL="0" rtl="0" algn="l">
+              <a:pPr marL="0" lvl="0" indent="0" algn="l" rtl="0">
                 <a:spcBef>
                   <a:spcPts val="0"/>
                 </a:spcBef>
@@ -3112,9 +3098,6 @@
                 </a:spcAft>
                 <a:buNone/>
               </a:pPr>
-              <a:r>
-                <a:t/>
-              </a:r>
               <a:endParaRPr/>
             </a:p>
           </p:txBody>
@@ -3132,7 +3115,7 @@
             </a:xfrm>
             <a:prstGeom prst="diagStripe">
               <a:avLst>
-                <a:gd fmla="val 0" name="adj"/>
+                <a:gd name="adj" fmla="val 0"/>
               </a:avLst>
             </a:prstGeom>
             <a:solidFill>
@@ -3145,12 +3128,12 @@
             </a:ln>
           </p:spPr>
           <p:txBody>
-            <a:bodyPr anchorCtr="0" anchor="ctr" bIns="91425" lIns="91425" spcFirstLastPara="1" rIns="91425" wrap="square" tIns="91425">
+            <a:bodyPr spcFirstLastPara="1" wrap="square" lIns="91425" tIns="91425" rIns="91425" bIns="91425" anchor="ctr" anchorCtr="0">
               <a:noAutofit/>
             </a:bodyPr>
             <a:lstStyle/>
             <a:p>
-              <a:pPr indent="0" lvl="0" marL="0" rtl="0" algn="l">
+              <a:pPr marL="0" lvl="0" indent="0" algn="l" rtl="0">
                 <a:spcBef>
                   <a:spcPts val="0"/>
                 </a:spcBef>
@@ -3159,9 +3142,6 @@
                 </a:spcAft>
                 <a:buNone/>
               </a:pPr>
-              <a:r>
-                <a:t/>
-              </a:r>
               <a:endParaRPr/>
             </a:p>
           </p:txBody>
@@ -3179,7 +3159,7 @@
             </a:xfrm>
             <a:prstGeom prst="diagStripe">
               <a:avLst>
-                <a:gd fmla="val 50000" name="adj"/>
+                <a:gd name="adj" fmla="val 50000"/>
               </a:avLst>
             </a:prstGeom>
             <a:solidFill>
@@ -3192,12 +3172,12 @@
             </a:ln>
           </p:spPr>
           <p:txBody>
-            <a:bodyPr anchorCtr="0" anchor="ctr" bIns="91425" lIns="91425" spcFirstLastPara="1" rIns="91425" wrap="square" tIns="91425">
+            <a:bodyPr spcFirstLastPara="1" wrap="square" lIns="91425" tIns="91425" rIns="91425" bIns="91425" anchor="ctr" anchorCtr="0">
               <a:noAutofit/>
             </a:bodyPr>
             <a:lstStyle/>
             <a:p>
-              <a:pPr indent="0" lvl="0" marL="0" rtl="0" algn="l">
+              <a:pPr marL="0" lvl="0" indent="0" algn="l" rtl="0">
                 <a:spcBef>
                   <a:spcPts val="0"/>
                 </a:spcBef>
@@ -3206,9 +3186,6 @@
                 </a:spcAft>
                 <a:buNone/>
               </a:pPr>
-              <a:r>
-                <a:t/>
-              </a:r>
               <a:endParaRPr/>
             </a:p>
           </p:txBody>
@@ -3226,7 +3203,7 @@
             </a:xfrm>
             <a:prstGeom prst="diagStripe">
               <a:avLst>
-                <a:gd fmla="val 50000" name="adj"/>
+                <a:gd name="adj" fmla="val 50000"/>
               </a:avLst>
             </a:prstGeom>
             <a:solidFill>
@@ -3239,12 +3216,12 @@
             </a:ln>
           </p:spPr>
           <p:txBody>
-            <a:bodyPr anchorCtr="0" anchor="ctr" bIns="91425" lIns="91425" spcFirstLastPara="1" rIns="91425" wrap="square" tIns="91425">
+            <a:bodyPr spcFirstLastPara="1" wrap="square" lIns="91425" tIns="91425" rIns="91425" bIns="91425" anchor="ctr" anchorCtr="0">
               <a:noAutofit/>
             </a:bodyPr>
             <a:lstStyle/>
             <a:p>
-              <a:pPr indent="0" lvl="0" marL="0" rtl="0" algn="l">
+              <a:pPr marL="0" lvl="0" indent="0" algn="l" rtl="0">
                 <a:spcBef>
                   <a:spcPts val="0"/>
                 </a:spcBef>
@@ -3253,9 +3230,6 @@
                 </a:spcAft>
                 <a:buNone/>
               </a:pPr>
-              <a:r>
-                <a:t/>
-              </a:r>
               <a:endParaRPr/>
             </a:p>
           </p:txBody>
@@ -3273,7 +3247,7 @@
             </a:xfrm>
             <a:prstGeom prst="diagStripe">
               <a:avLst>
-                <a:gd fmla="val 50000" name="adj"/>
+                <a:gd name="adj" fmla="val 50000"/>
               </a:avLst>
             </a:prstGeom>
             <a:solidFill>
@@ -3286,12 +3260,12 @@
             </a:ln>
           </p:spPr>
           <p:txBody>
-            <a:bodyPr anchorCtr="0" anchor="ctr" bIns="91425" lIns="91425" spcFirstLastPara="1" rIns="91425" wrap="square" tIns="91425">
+            <a:bodyPr spcFirstLastPara="1" wrap="square" lIns="91425" tIns="91425" rIns="91425" bIns="91425" anchor="ctr" anchorCtr="0">
               <a:noAutofit/>
             </a:bodyPr>
             <a:lstStyle/>
             <a:p>
-              <a:pPr indent="0" lvl="0" marL="0" rtl="0" algn="l">
+              <a:pPr marL="0" lvl="0" indent="0" algn="l" rtl="0">
                 <a:spcBef>
                   <a:spcPts val="0"/>
                 </a:spcBef>
@@ -3300,9 +3274,6 @@
                 </a:spcAft>
                 <a:buNone/>
               </a:pPr>
-              <a:r>
-                <a:t/>
-              </a:r>
               <a:endParaRPr/>
             </a:p>
           </p:txBody>
@@ -3320,7 +3291,7 @@
             </a:xfrm>
             <a:prstGeom prst="diagStripe">
               <a:avLst>
-                <a:gd fmla="val 50000" name="adj"/>
+                <a:gd name="adj" fmla="val 50000"/>
               </a:avLst>
             </a:prstGeom>
             <a:solidFill>
@@ -3333,12 +3304,12 @@
             </a:ln>
           </p:spPr>
           <p:txBody>
-            <a:bodyPr anchorCtr="0" anchor="ctr" bIns="91425" lIns="91425" spcFirstLastPara="1" rIns="91425" wrap="square" tIns="91425">
+            <a:bodyPr spcFirstLastPara="1" wrap="square" lIns="91425" tIns="91425" rIns="91425" bIns="91425" anchor="ctr" anchorCtr="0">
               <a:noAutofit/>
             </a:bodyPr>
             <a:lstStyle/>
             <a:p>
-              <a:pPr indent="0" lvl="0" marL="0" rtl="0" algn="l">
+              <a:pPr marL="0" lvl="0" indent="0" algn="l" rtl="0">
                 <a:spcBef>
                   <a:spcPts val="0"/>
                 </a:spcBef>
@@ -3347,9 +3318,6 @@
                 </a:spcAft>
                 <a:buNone/>
               </a:pPr>
-              <a:r>
-                <a:t/>
-              </a:r>
               <a:endParaRPr/>
             </a:p>
           </p:txBody>
@@ -3367,7 +3335,7 @@
             </a:xfrm>
             <a:prstGeom prst="diagStripe">
               <a:avLst>
-                <a:gd fmla="val 50000" name="adj"/>
+                <a:gd name="adj" fmla="val 50000"/>
               </a:avLst>
             </a:prstGeom>
             <a:solidFill>
@@ -3380,12 +3348,12 @@
             </a:ln>
           </p:spPr>
           <p:txBody>
-            <a:bodyPr anchorCtr="0" anchor="ctr" bIns="91425" lIns="91425" spcFirstLastPara="1" rIns="91425" wrap="square" tIns="91425">
+            <a:bodyPr spcFirstLastPara="1" wrap="square" lIns="91425" tIns="91425" rIns="91425" bIns="91425" anchor="ctr" anchorCtr="0">
               <a:noAutofit/>
             </a:bodyPr>
             <a:lstStyle/>
             <a:p>
-              <a:pPr indent="0" lvl="0" marL="0" rtl="0" algn="l">
+              <a:pPr marL="0" lvl="0" indent="0" algn="l" rtl="0">
                 <a:spcBef>
                   <a:spcPts val="0"/>
                 </a:spcBef>
@@ -3394,9 +3362,6 @@
                 </a:spcAft>
                 <a:buNone/>
               </a:pPr>
-              <a:r>
-                <a:t/>
-              </a:r>
               <a:endParaRPr/>
             </a:p>
           </p:txBody>
@@ -3414,7 +3379,7 @@
             </a:xfrm>
             <a:prstGeom prst="diagStripe">
               <a:avLst>
-                <a:gd fmla="val 50000" name="adj"/>
+                <a:gd name="adj" fmla="val 50000"/>
               </a:avLst>
             </a:prstGeom>
             <a:solidFill>
@@ -3425,12 +3390,12 @@
             </a:ln>
           </p:spPr>
           <p:txBody>
-            <a:bodyPr anchorCtr="0" anchor="ctr" bIns="91425" lIns="91425" spcFirstLastPara="1" rIns="91425" wrap="square" tIns="91425">
+            <a:bodyPr spcFirstLastPara="1" wrap="square" lIns="91425" tIns="91425" rIns="91425" bIns="91425" anchor="ctr" anchorCtr="0">
               <a:noAutofit/>
             </a:bodyPr>
             <a:lstStyle/>
             <a:p>
-              <a:pPr indent="0" lvl="0" marL="0" rtl="0" algn="l">
+              <a:pPr marL="0" lvl="0" indent="0" algn="l" rtl="0">
                 <a:spcBef>
                   <a:spcPts val="0"/>
                 </a:spcBef>
@@ -3439,9 +3404,6 @@
                 </a:spcAft>
                 <a:buNone/>
               </a:pPr>
-              <a:r>
-                <a:t/>
-              </a:r>
               <a:endParaRPr/>
             </a:p>
           </p:txBody>
@@ -3459,7 +3421,7 @@
             </a:xfrm>
             <a:prstGeom prst="diagStripe">
               <a:avLst>
-                <a:gd fmla="val 50000" name="adj"/>
+                <a:gd name="adj" fmla="val 50000"/>
               </a:avLst>
             </a:prstGeom>
             <a:solidFill>
@@ -3472,12 +3434,12 @@
             </a:ln>
           </p:spPr>
           <p:txBody>
-            <a:bodyPr anchorCtr="0" anchor="ctr" bIns="91425" lIns="91425" spcFirstLastPara="1" rIns="91425" wrap="square" tIns="91425">
+            <a:bodyPr spcFirstLastPara="1" wrap="square" lIns="91425" tIns="91425" rIns="91425" bIns="91425" anchor="ctr" anchorCtr="0">
               <a:noAutofit/>
             </a:bodyPr>
             <a:lstStyle/>
             <a:p>
-              <a:pPr indent="0" lvl="0" marL="0" rtl="0" algn="l">
+              <a:pPr marL="0" lvl="0" indent="0" algn="l" rtl="0">
                 <a:spcBef>
                   <a:spcPts val="0"/>
                 </a:spcBef>
@@ -3486,9 +3448,6 @@
                 </a:spcAft>
                 <a:buNone/>
               </a:pPr>
-              <a:r>
-                <a:t/>
-              </a:r>
               <a:endParaRPr/>
             </a:p>
           </p:txBody>
@@ -3506,7 +3465,7 @@
             </a:xfrm>
             <a:prstGeom prst="diagStripe">
               <a:avLst>
-                <a:gd fmla="val 50000" name="adj"/>
+                <a:gd name="adj" fmla="val 50000"/>
               </a:avLst>
             </a:prstGeom>
             <a:solidFill>
@@ -3519,12 +3478,12 @@
             </a:ln>
           </p:spPr>
           <p:txBody>
-            <a:bodyPr anchorCtr="0" anchor="ctr" bIns="91425" lIns="91425" spcFirstLastPara="1" rIns="91425" wrap="square" tIns="91425">
+            <a:bodyPr spcFirstLastPara="1" wrap="square" lIns="91425" tIns="91425" rIns="91425" bIns="91425" anchor="ctr" anchorCtr="0">
               <a:noAutofit/>
             </a:bodyPr>
             <a:lstStyle/>
             <a:p>
-              <a:pPr indent="0" lvl="0" marL="0" rtl="0" algn="l">
+              <a:pPr marL="0" lvl="0" indent="0" algn="l" rtl="0">
                 <a:spcBef>
                   <a:spcPts val="0"/>
                 </a:spcBef>
@@ -3533,9 +3492,6 @@
                 </a:spcAft>
                 <a:buNone/>
               </a:pPr>
-              <a:r>
-                <a:t/>
-              </a:r>
               <a:endParaRPr/>
             </a:p>
           </p:txBody>
@@ -3553,7 +3509,7 @@
             </a:xfrm>
             <a:prstGeom prst="diagStripe">
               <a:avLst>
-                <a:gd fmla="val 50000" name="adj"/>
+                <a:gd name="adj" fmla="val 50000"/>
               </a:avLst>
             </a:prstGeom>
             <a:solidFill>
@@ -3566,12 +3522,12 @@
             </a:ln>
           </p:spPr>
           <p:txBody>
-            <a:bodyPr anchorCtr="0" anchor="ctr" bIns="91425" lIns="91425" spcFirstLastPara="1" rIns="91425" wrap="square" tIns="91425">
+            <a:bodyPr spcFirstLastPara="1" wrap="square" lIns="91425" tIns="91425" rIns="91425" bIns="91425" anchor="ctr" anchorCtr="0">
               <a:noAutofit/>
             </a:bodyPr>
             <a:lstStyle/>
             <a:p>
-              <a:pPr indent="0" lvl="0" marL="0" rtl="0" algn="l">
+              <a:pPr marL="0" lvl="0" indent="0" algn="l" rtl="0">
                 <a:spcBef>
                   <a:spcPts val="0"/>
                 </a:spcBef>
@@ -3580,9 +3536,6 @@
                 </a:spcAft>
                 <a:buNone/>
               </a:pPr>
-              <a:r>
-                <a:t/>
-              </a:r>
               <a:endParaRPr/>
             </a:p>
           </p:txBody>
@@ -3600,7 +3553,7 @@
             </a:xfrm>
             <a:prstGeom prst="diagStripe">
               <a:avLst>
-                <a:gd fmla="val 50000" name="adj"/>
+                <a:gd name="adj" fmla="val 50000"/>
               </a:avLst>
             </a:prstGeom>
             <a:solidFill>
@@ -3613,12 +3566,12 @@
             </a:ln>
           </p:spPr>
           <p:txBody>
-            <a:bodyPr anchorCtr="0" anchor="ctr" bIns="91425" lIns="91425" spcFirstLastPara="1" rIns="91425" wrap="square" tIns="91425">
+            <a:bodyPr spcFirstLastPara="1" wrap="square" lIns="91425" tIns="91425" rIns="91425" bIns="91425" anchor="ctr" anchorCtr="0">
               <a:noAutofit/>
             </a:bodyPr>
             <a:lstStyle/>
             <a:p>
-              <a:pPr indent="0" lvl="0" marL="0" rtl="0" algn="l">
+              <a:pPr marL="0" lvl="0" indent="0" algn="l" rtl="0">
                 <a:spcBef>
                   <a:spcPts val="0"/>
                 </a:spcBef>
@@ -3627,9 +3580,6 @@
                 </a:spcAft>
                 <a:buNone/>
               </a:pPr>
-              <a:r>
-                <a:t/>
-              </a:r>
               <a:endParaRPr/>
             </a:p>
           </p:txBody>
@@ -3647,7 +3597,7 @@
             </a:xfrm>
             <a:prstGeom prst="diagStripe">
               <a:avLst>
-                <a:gd fmla="val 50000" name="adj"/>
+                <a:gd name="adj" fmla="val 50000"/>
               </a:avLst>
             </a:prstGeom>
             <a:solidFill>
@@ -3660,12 +3610,12 @@
             </a:ln>
           </p:spPr>
           <p:txBody>
-            <a:bodyPr anchorCtr="0" anchor="ctr" bIns="91425" lIns="91425" spcFirstLastPara="1" rIns="91425" wrap="square" tIns="91425">
+            <a:bodyPr spcFirstLastPara="1" wrap="square" lIns="91425" tIns="91425" rIns="91425" bIns="91425" anchor="ctr" anchorCtr="0">
               <a:noAutofit/>
             </a:bodyPr>
             <a:lstStyle/>
             <a:p>
-              <a:pPr indent="0" lvl="0" marL="0" rtl="0" algn="l">
+              <a:pPr marL="0" lvl="0" indent="0" algn="l" rtl="0">
                 <a:spcBef>
                   <a:spcPts val="0"/>
                 </a:spcBef>
@@ -3674,9 +3624,6 @@
                 </a:spcAft>
                 <a:buNone/>
               </a:pPr>
-              <a:r>
-                <a:t/>
-              </a:r>
               <a:endParaRPr/>
             </a:p>
           </p:txBody>
@@ -3694,7 +3641,7 @@
             </a:xfrm>
             <a:prstGeom prst="diagStripe">
               <a:avLst>
-                <a:gd fmla="val 50000" name="adj"/>
+                <a:gd name="adj" fmla="val 50000"/>
               </a:avLst>
             </a:prstGeom>
             <a:solidFill>
@@ -3705,12 +3652,12 @@
             </a:ln>
           </p:spPr>
           <p:txBody>
-            <a:bodyPr anchorCtr="0" anchor="ctr" bIns="91425" lIns="91425" spcFirstLastPara="1" rIns="91425" wrap="square" tIns="91425">
+            <a:bodyPr spcFirstLastPara="1" wrap="square" lIns="91425" tIns="91425" rIns="91425" bIns="91425" anchor="ctr" anchorCtr="0">
               <a:noAutofit/>
             </a:bodyPr>
             <a:lstStyle/>
             <a:p>
-              <a:pPr indent="0" lvl="0" marL="0" rtl="0" algn="l">
+              <a:pPr marL="0" lvl="0" indent="0" algn="l" rtl="0">
                 <a:spcBef>
                   <a:spcPts val="0"/>
                 </a:spcBef>
@@ -3719,9 +3666,6 @@
                 </a:spcAft>
                 <a:buNone/>
               </a:pPr>
-              <a:r>
-                <a:t/>
-              </a:r>
               <a:endParaRPr/>
             </a:p>
           </p:txBody>
@@ -3739,7 +3683,7 @@
             </a:xfrm>
             <a:prstGeom prst="diagStripe">
               <a:avLst>
-                <a:gd fmla="val 50000" name="adj"/>
+                <a:gd name="adj" fmla="val 50000"/>
               </a:avLst>
             </a:prstGeom>
             <a:solidFill>
@@ -3752,12 +3696,12 @@
             </a:ln>
           </p:spPr>
           <p:txBody>
-            <a:bodyPr anchorCtr="0" anchor="ctr" bIns="91425" lIns="91425" spcFirstLastPara="1" rIns="91425" wrap="square" tIns="91425">
+            <a:bodyPr spcFirstLastPara="1" wrap="square" lIns="91425" tIns="91425" rIns="91425" bIns="91425" anchor="ctr" anchorCtr="0">
               <a:noAutofit/>
             </a:bodyPr>
             <a:lstStyle/>
             <a:p>
-              <a:pPr indent="0" lvl="0" marL="0" rtl="0" algn="l">
+              <a:pPr marL="0" lvl="0" indent="0" algn="l" rtl="0">
                 <a:spcBef>
                   <a:spcPts val="0"/>
                 </a:spcBef>
@@ -3766,9 +3710,6 @@
                 </a:spcAft>
                 <a:buNone/>
               </a:pPr>
-              <a:r>
-                <a:t/>
-              </a:r>
               <a:endParaRPr/>
             </a:p>
           </p:txBody>
@@ -3786,7 +3727,7 @@
             </a:xfrm>
             <a:prstGeom prst="diagStripe">
               <a:avLst>
-                <a:gd fmla="val 50000" name="adj"/>
+                <a:gd name="adj" fmla="val 50000"/>
               </a:avLst>
             </a:prstGeom>
             <a:solidFill>
@@ -3799,12 +3740,12 @@
             </a:ln>
           </p:spPr>
           <p:txBody>
-            <a:bodyPr anchorCtr="0" anchor="ctr" bIns="91425" lIns="91425" spcFirstLastPara="1" rIns="91425" wrap="square" tIns="91425">
+            <a:bodyPr spcFirstLastPara="1" wrap="square" lIns="91425" tIns="91425" rIns="91425" bIns="91425" anchor="ctr" anchorCtr="0">
               <a:noAutofit/>
             </a:bodyPr>
             <a:lstStyle/>
             <a:p>
-              <a:pPr indent="0" lvl="0" marL="0" rtl="0" algn="l">
+              <a:pPr marL="0" lvl="0" indent="0" algn="l" rtl="0">
                 <a:spcBef>
                   <a:spcPts val="0"/>
                 </a:spcBef>
@@ -3813,9 +3754,6 @@
                 </a:spcAft>
                 <a:buNone/>
               </a:pPr>
-              <a:r>
-                <a:t/>
-              </a:r>
               <a:endParaRPr/>
             </a:p>
           </p:txBody>
@@ -3833,7 +3771,7 @@
             </a:xfrm>
             <a:prstGeom prst="diagStripe">
               <a:avLst>
-                <a:gd fmla="val 50000" name="adj"/>
+                <a:gd name="adj" fmla="val 50000"/>
               </a:avLst>
             </a:prstGeom>
             <a:solidFill>
@@ -3846,12 +3784,12 @@
             </a:ln>
           </p:spPr>
           <p:txBody>
-            <a:bodyPr anchorCtr="0" anchor="ctr" bIns="91425" lIns="91425" spcFirstLastPara="1" rIns="91425" wrap="square" tIns="91425">
+            <a:bodyPr spcFirstLastPara="1" wrap="square" lIns="91425" tIns="91425" rIns="91425" bIns="91425" anchor="ctr" anchorCtr="0">
               <a:noAutofit/>
             </a:bodyPr>
             <a:lstStyle/>
             <a:p>
-              <a:pPr indent="0" lvl="0" marL="0" rtl="0" algn="l">
+              <a:pPr marL="0" lvl="0" indent="0" algn="l" rtl="0">
                 <a:spcBef>
                   <a:spcPts val="0"/>
                 </a:spcBef>
@@ -3860,9 +3798,6 @@
                 </a:spcAft>
                 <a:buNone/>
               </a:pPr>
-              <a:r>
-                <a:t/>
-              </a:r>
               <a:endParaRPr/>
             </a:p>
           </p:txBody>
@@ -3880,7 +3815,7 @@
             </a:xfrm>
             <a:prstGeom prst="diagStripe">
               <a:avLst>
-                <a:gd fmla="val 50000" name="adj"/>
+                <a:gd name="adj" fmla="val 50000"/>
               </a:avLst>
             </a:prstGeom>
             <a:solidFill>
@@ -3893,12 +3828,12 @@
             </a:ln>
           </p:spPr>
           <p:txBody>
-            <a:bodyPr anchorCtr="0" anchor="ctr" bIns="91425" lIns="91425" spcFirstLastPara="1" rIns="91425" wrap="square" tIns="91425">
+            <a:bodyPr spcFirstLastPara="1" wrap="square" lIns="91425" tIns="91425" rIns="91425" bIns="91425" anchor="ctr" anchorCtr="0">
               <a:noAutofit/>
             </a:bodyPr>
             <a:lstStyle/>
             <a:p>
-              <a:pPr indent="0" lvl="0" marL="0" rtl="0" algn="l">
+              <a:pPr marL="0" lvl="0" indent="0" algn="l" rtl="0">
                 <a:spcBef>
                   <a:spcPts val="0"/>
                 </a:spcBef>
@@ -3907,9 +3842,6 @@
                 </a:spcAft>
                 <a:buNone/>
               </a:pPr>
-              <a:r>
-                <a:t/>
-              </a:r>
               <a:endParaRPr/>
             </a:p>
           </p:txBody>
@@ -3918,7 +3850,9 @@
       <p:sp>
         <p:nvSpPr>
           <p:cNvPr id="39" name="Google Shape;39;p3"/>
-          <p:cNvSpPr txBox="1"/>
+          <p:cNvSpPr txBox="1">
+            <a:spLocks noGrp="1"/>
+          </p:cNvSpPr>
           <p:nvPr>
             <p:ph type="title"/>
           </p:nvPr>
@@ -3933,7 +3867,7 @@
           </a:prstGeom>
         </p:spPr>
         <p:txBody>
-          <a:bodyPr anchorCtr="0" anchor="ctr" bIns="91425" lIns="91425" spcFirstLastPara="1" rIns="91425" wrap="square" tIns="91425">
+          <a:bodyPr spcFirstLastPara="1" wrap="square" lIns="91425" tIns="91425" rIns="91425" bIns="91425" anchor="ctr" anchorCtr="0">
             <a:normAutofit/>
           </a:bodyPr>
           <a:lstStyle>
@@ -4037,15 +3971,19 @@
               <a:defRPr/>
             </a:lvl9pPr>
           </a:lstStyle>
-          <a:p/>
+          <a:p>
+            <a:endParaRPr/>
+          </a:p>
         </p:txBody>
       </p:sp>
       <p:sp>
         <p:nvSpPr>
           <p:cNvPr id="40" name="Google Shape;40;p3"/>
-          <p:cNvSpPr txBox="1"/>
+          <p:cNvSpPr txBox="1">
+            <a:spLocks noGrp="1"/>
+          </p:cNvSpPr>
           <p:nvPr>
-            <p:ph idx="12" type="sldNum"/>
+            <p:ph type="sldNum" idx="12"/>
           </p:nvPr>
         </p:nvSpPr>
         <p:spPr>
@@ -4058,7 +3996,7 @@
           </a:prstGeom>
         </p:spPr>
         <p:txBody>
-          <a:bodyPr anchorCtr="0" anchor="ctr" bIns="91425" lIns="91425" spcFirstLastPara="1" rIns="91425" wrap="square" tIns="91425">
+          <a:bodyPr spcFirstLastPara="1" wrap="square" lIns="91425" tIns="91425" rIns="91425" bIns="91425" anchor="ctr" anchorCtr="0">
             <a:normAutofit/>
           </a:bodyPr>
           <a:lstStyle>
@@ -4100,7 +4038,7 @@
             </a:lvl9pPr>
           </a:lstStyle>
           <a:p>
-            <a:pPr indent="0" lvl="0" marL="0" rtl="0" algn="r">
+            <a:pPr marL="0" lvl="0" indent="0" algn="r" rtl="0">
               <a:spcBef>
                 <a:spcPts val="0"/>
               </a:spcBef>
@@ -4126,11 +4064,11 @@
 </file>
 
 <file path=ppt/slideLayouts/slideLayout3.xml><?xml version="1.0" encoding="utf-8"?>
-<p:sldLayout xmlns:a="http://schemas.openxmlformats.org/drawingml/2006/main" xmlns:r="http://schemas.openxmlformats.org/officeDocument/2006/relationships" xmlns:mc="http://schemas.openxmlformats.org/markup-compatibility/2006" xmlns:mv="urn:schemas-microsoft-com:mac:vml" xmlns:p="http://schemas.openxmlformats.org/presentationml/2006/main" xmlns:c="http://schemas.openxmlformats.org/drawingml/2006/chart" xmlns:dgm="http://schemas.openxmlformats.org/drawingml/2006/diagram" xmlns:o="urn:schemas-microsoft-com:office:office" xmlns:v="urn:schemas-microsoft-com:vml" xmlns:pvml="urn:schemas-microsoft-com:office:powerpoint" xmlns:com="http://schemas.openxmlformats.org/drawingml/2006/compatibility" xmlns:p14="http://schemas.microsoft.com/office/powerpoint/2010/main" xmlns:p15="http://schemas.microsoft.com/office/powerpoint/2012/main" xmlns:ahyp="http://schemas.microsoft.com/office/drawing/2018/hyperlinkcolor" matchingName="Title and body" type="tx">
+<p:sldLayout xmlns:a="http://schemas.openxmlformats.org/drawingml/2006/main" xmlns:r="http://schemas.openxmlformats.org/officeDocument/2006/relationships" xmlns:p="http://schemas.openxmlformats.org/presentationml/2006/main" matchingName="Title and body" type="tx">
   <p:cSld name="TITLE_AND_BODY">
     <p:spTree>
       <p:nvGrpSpPr>
-        <p:cNvPr id="41" name="Shape 41"/>
+        <p:cNvPr id="1" name="Shape 41"/>
         <p:cNvGrpSpPr/>
         <p:nvPr/>
       </p:nvGrpSpPr>
@@ -4169,7 +4107,7 @@
             </a:xfrm>
             <a:prstGeom prst="diagStripe">
               <a:avLst>
-                <a:gd fmla="val 50000" name="adj"/>
+                <a:gd name="adj" fmla="val 50000"/>
               </a:avLst>
             </a:prstGeom>
             <a:solidFill>
@@ -4180,12 +4118,12 @@
             </a:ln>
           </p:spPr>
           <p:txBody>
-            <a:bodyPr anchorCtr="0" anchor="ctr" bIns="91425" lIns="91425" spcFirstLastPara="1" rIns="91425" wrap="square" tIns="91425">
+            <a:bodyPr spcFirstLastPara="1" wrap="square" lIns="91425" tIns="91425" rIns="91425" bIns="91425" anchor="ctr" anchorCtr="0">
               <a:noAutofit/>
             </a:bodyPr>
             <a:lstStyle/>
             <a:p>
-              <a:pPr indent="0" lvl="0" marL="0" rtl="0" algn="l">
+              <a:pPr marL="0" lvl="0" indent="0" algn="l" rtl="0">
                 <a:spcBef>
                   <a:spcPts val="0"/>
                 </a:spcBef>
@@ -4194,9 +4132,6 @@
                 </a:spcAft>
                 <a:buNone/>
               </a:pPr>
-              <a:r>
-                <a:t/>
-              </a:r>
               <a:endParaRPr/>
             </a:p>
           </p:txBody>
@@ -4214,7 +4149,7 @@
             </a:xfrm>
             <a:prstGeom prst="diagStripe">
               <a:avLst>
-                <a:gd fmla="val 50000" name="adj"/>
+                <a:gd name="adj" fmla="val 50000"/>
               </a:avLst>
             </a:prstGeom>
             <a:solidFill>
@@ -4225,12 +4160,12 @@
             </a:ln>
           </p:spPr>
           <p:txBody>
-            <a:bodyPr anchorCtr="0" anchor="ctr" bIns="91425" lIns="91425" spcFirstLastPara="1" rIns="91425" wrap="square" tIns="91425">
+            <a:bodyPr spcFirstLastPara="1" wrap="square" lIns="91425" tIns="91425" rIns="91425" bIns="91425" anchor="ctr" anchorCtr="0">
               <a:noAutofit/>
             </a:bodyPr>
             <a:lstStyle/>
             <a:p>
-              <a:pPr indent="0" lvl="0" marL="0" rtl="0" algn="l">
+              <a:pPr marL="0" lvl="0" indent="0" algn="l" rtl="0">
                 <a:spcBef>
                   <a:spcPts val="0"/>
                 </a:spcBef>
@@ -4239,9 +4174,6 @@
                 </a:spcAft>
                 <a:buNone/>
               </a:pPr>
-              <a:r>
-                <a:t/>
-              </a:r>
               <a:endParaRPr/>
             </a:p>
           </p:txBody>
@@ -4250,7 +4182,9 @@
       <p:sp>
         <p:nvSpPr>
           <p:cNvPr id="45" name="Google Shape;45;p4"/>
-          <p:cNvSpPr txBox="1"/>
+          <p:cNvSpPr txBox="1">
+            <a:spLocks noGrp="1"/>
+          </p:cNvSpPr>
           <p:nvPr>
             <p:ph type="title"/>
           </p:nvPr>
@@ -4265,7 +4199,7 @@
           </a:prstGeom>
         </p:spPr>
         <p:txBody>
-          <a:bodyPr anchorCtr="0" anchor="t" bIns="91425" lIns="91425" spcFirstLastPara="1" rIns="91425" wrap="square" tIns="91425">
+          <a:bodyPr spcFirstLastPara="1" wrap="square" lIns="91425" tIns="91425" rIns="91425" bIns="91425" anchor="t" anchorCtr="0">
             <a:normAutofit/>
           </a:bodyPr>
           <a:lstStyle>
@@ -4369,15 +4303,19 @@
               <a:defRPr sz="2400"/>
             </a:lvl9pPr>
           </a:lstStyle>
-          <a:p/>
+          <a:p>
+            <a:endParaRPr/>
+          </a:p>
         </p:txBody>
       </p:sp>
       <p:sp>
         <p:nvSpPr>
           <p:cNvPr id="46" name="Google Shape;46;p4"/>
-          <p:cNvSpPr txBox="1"/>
+          <p:cNvSpPr txBox="1">
+            <a:spLocks noGrp="1"/>
+          </p:cNvSpPr>
           <p:nvPr>
-            <p:ph idx="1" type="body"/>
+            <p:ph type="body" idx="1"/>
           </p:nvPr>
         </p:nvSpPr>
         <p:spPr>
@@ -4390,11 +4328,11 @@
           </a:prstGeom>
         </p:spPr>
         <p:txBody>
-          <a:bodyPr anchorCtr="0" anchor="t" bIns="91425" lIns="91425" spcFirstLastPara="1" rIns="91425" wrap="square" tIns="91425">
+          <a:bodyPr spcFirstLastPara="1" wrap="square" lIns="91425" tIns="91425" rIns="91425" bIns="91425" anchor="t" anchorCtr="0">
             <a:normAutofit/>
           </a:bodyPr>
           <a:lstStyle>
-            <a:lvl1pPr indent="-311150" lvl="0" marL="457200">
+            <a:lvl1pPr marL="457200" lvl="0" indent="-311150">
               <a:spcBef>
                 <a:spcPts val="0"/>
               </a:spcBef>
@@ -4405,7 +4343,7 @@
               <a:buChar char="●"/>
               <a:defRPr/>
             </a:lvl1pPr>
-            <a:lvl2pPr indent="-298450" lvl="1" marL="914400">
+            <a:lvl2pPr marL="914400" lvl="1" indent="-298450">
               <a:spcBef>
                 <a:spcPts val="0"/>
               </a:spcBef>
@@ -4416,7 +4354,7 @@
               <a:buChar char="○"/>
               <a:defRPr/>
             </a:lvl2pPr>
-            <a:lvl3pPr indent="-298450" lvl="2" marL="1371600">
+            <a:lvl3pPr marL="1371600" lvl="2" indent="-298450">
               <a:spcBef>
                 <a:spcPts val="0"/>
               </a:spcBef>
@@ -4427,7 +4365,7 @@
               <a:buChar char="■"/>
               <a:defRPr/>
             </a:lvl3pPr>
-            <a:lvl4pPr indent="-298450" lvl="3" marL="1828800">
+            <a:lvl4pPr marL="1828800" lvl="3" indent="-298450">
               <a:spcBef>
                 <a:spcPts val="0"/>
               </a:spcBef>
@@ -4438,7 +4376,7 @@
               <a:buChar char="●"/>
               <a:defRPr/>
             </a:lvl4pPr>
-            <a:lvl5pPr indent="-298450" lvl="4" marL="2286000">
+            <a:lvl5pPr marL="2286000" lvl="4" indent="-298450">
               <a:spcBef>
                 <a:spcPts val="0"/>
               </a:spcBef>
@@ -4449,7 +4387,7 @@
               <a:buChar char="○"/>
               <a:defRPr/>
             </a:lvl5pPr>
-            <a:lvl6pPr indent="-298450" lvl="5" marL="2743200">
+            <a:lvl6pPr marL="2743200" lvl="5" indent="-298450">
               <a:spcBef>
                 <a:spcPts val="0"/>
               </a:spcBef>
@@ -4460,7 +4398,7 @@
               <a:buChar char="■"/>
               <a:defRPr/>
             </a:lvl6pPr>
-            <a:lvl7pPr indent="-298450" lvl="6" marL="3200400">
+            <a:lvl7pPr marL="3200400" lvl="6" indent="-298450">
               <a:spcBef>
                 <a:spcPts val="0"/>
               </a:spcBef>
@@ -4471,7 +4409,7 @@
               <a:buChar char="●"/>
               <a:defRPr/>
             </a:lvl7pPr>
-            <a:lvl8pPr indent="-298450" lvl="7" marL="3657600">
+            <a:lvl8pPr marL="3657600" lvl="7" indent="-298450">
               <a:spcBef>
                 <a:spcPts val="0"/>
               </a:spcBef>
@@ -4482,7 +4420,7 @@
               <a:buChar char="○"/>
               <a:defRPr/>
             </a:lvl8pPr>
-            <a:lvl9pPr indent="-298450" lvl="8" marL="4114800">
+            <a:lvl9pPr marL="4114800" lvl="8" indent="-298450">
               <a:spcBef>
                 <a:spcPts val="0"/>
               </a:spcBef>
@@ -4494,15 +4432,19 @@
               <a:defRPr/>
             </a:lvl9pPr>
           </a:lstStyle>
-          <a:p/>
+          <a:p>
+            <a:endParaRPr/>
+          </a:p>
         </p:txBody>
       </p:sp>
       <p:sp>
         <p:nvSpPr>
           <p:cNvPr id="47" name="Google Shape;47;p4"/>
-          <p:cNvSpPr txBox="1"/>
+          <p:cNvSpPr txBox="1">
+            <a:spLocks noGrp="1"/>
+          </p:cNvSpPr>
           <p:nvPr>
-            <p:ph idx="12" type="sldNum"/>
+            <p:ph type="sldNum" idx="12"/>
           </p:nvPr>
         </p:nvSpPr>
         <p:spPr>
@@ -4515,7 +4457,7 @@
           </a:prstGeom>
         </p:spPr>
         <p:txBody>
-          <a:bodyPr anchorCtr="0" anchor="ctr" bIns="91425" lIns="91425" spcFirstLastPara="1" rIns="91425" wrap="square" tIns="91425">
+          <a:bodyPr spcFirstLastPara="1" wrap="square" lIns="91425" tIns="91425" rIns="91425" bIns="91425" anchor="ctr" anchorCtr="0">
             <a:normAutofit/>
           </a:bodyPr>
           <a:lstStyle>
@@ -4557,7 +4499,7 @@
             </a:lvl9pPr>
           </a:lstStyle>
           <a:p>
-            <a:pPr indent="0" lvl="0" marL="0" rtl="0" algn="r">
+            <a:pPr marL="0" lvl="0" indent="0" algn="r" rtl="0">
               <a:spcBef>
                 <a:spcPts val="0"/>
               </a:spcBef>
@@ -4583,11 +4525,11 @@
 </file>
 
 <file path=ppt/slideLayouts/slideLayout4.xml><?xml version="1.0" encoding="utf-8"?>
-<p:sldLayout xmlns:a="http://schemas.openxmlformats.org/drawingml/2006/main" xmlns:r="http://schemas.openxmlformats.org/officeDocument/2006/relationships" xmlns:mc="http://schemas.openxmlformats.org/markup-compatibility/2006" xmlns:mv="urn:schemas-microsoft-com:mac:vml" xmlns:p="http://schemas.openxmlformats.org/presentationml/2006/main" xmlns:c="http://schemas.openxmlformats.org/drawingml/2006/chart" xmlns:dgm="http://schemas.openxmlformats.org/drawingml/2006/diagram" xmlns:o="urn:schemas-microsoft-com:office:office" xmlns:v="urn:schemas-microsoft-com:vml" xmlns:pvml="urn:schemas-microsoft-com:office:powerpoint" xmlns:com="http://schemas.openxmlformats.org/drawingml/2006/compatibility" xmlns:p14="http://schemas.microsoft.com/office/powerpoint/2010/main" xmlns:p15="http://schemas.microsoft.com/office/powerpoint/2012/main" xmlns:ahyp="http://schemas.microsoft.com/office/drawing/2018/hyperlinkcolor" matchingName="Title and two columns" type="twoColTx">
+<p:sldLayout xmlns:a="http://schemas.openxmlformats.org/drawingml/2006/main" xmlns:r="http://schemas.openxmlformats.org/officeDocument/2006/relationships" xmlns:p="http://schemas.openxmlformats.org/presentationml/2006/main" matchingName="Title and two columns" type="twoColTx">
   <p:cSld name="TITLE_AND_TWO_COLUMNS">
     <p:spTree>
       <p:nvGrpSpPr>
-        <p:cNvPr id="48" name="Shape 48"/>
+        <p:cNvPr id="1" name="Shape 48"/>
         <p:cNvGrpSpPr/>
         <p:nvPr/>
       </p:nvGrpSpPr>
@@ -4626,7 +4568,7 @@
             </a:xfrm>
             <a:prstGeom prst="diagStripe">
               <a:avLst>
-                <a:gd fmla="val 50000" name="adj"/>
+                <a:gd name="adj" fmla="val 50000"/>
               </a:avLst>
             </a:prstGeom>
             <a:solidFill>
@@ -4637,12 +4579,12 @@
             </a:ln>
           </p:spPr>
           <p:txBody>
-            <a:bodyPr anchorCtr="0" anchor="ctr" bIns="91425" lIns="91425" spcFirstLastPara="1" rIns="91425" wrap="square" tIns="91425">
+            <a:bodyPr spcFirstLastPara="1" wrap="square" lIns="91425" tIns="91425" rIns="91425" bIns="91425" anchor="ctr" anchorCtr="0">
               <a:noAutofit/>
             </a:bodyPr>
             <a:lstStyle/>
             <a:p>
-              <a:pPr indent="0" lvl="0" marL="0" rtl="0" algn="l">
+              <a:pPr marL="0" lvl="0" indent="0" algn="l" rtl="0">
                 <a:spcBef>
                   <a:spcPts val="0"/>
                 </a:spcBef>
@@ -4651,9 +4593,6 @@
                 </a:spcAft>
                 <a:buNone/>
               </a:pPr>
-              <a:r>
-                <a:t/>
-              </a:r>
               <a:endParaRPr/>
             </a:p>
           </p:txBody>
@@ -4671,7 +4610,7 @@
             </a:xfrm>
             <a:prstGeom prst="diagStripe">
               <a:avLst>
-                <a:gd fmla="val 50000" name="adj"/>
+                <a:gd name="adj" fmla="val 50000"/>
               </a:avLst>
             </a:prstGeom>
             <a:solidFill>
@@ -4682,12 +4621,12 @@
             </a:ln>
           </p:spPr>
           <p:txBody>
-            <a:bodyPr anchorCtr="0" anchor="ctr" bIns="91425" lIns="91425" spcFirstLastPara="1" rIns="91425" wrap="square" tIns="91425">
+            <a:bodyPr spcFirstLastPara="1" wrap="square" lIns="91425" tIns="91425" rIns="91425" bIns="91425" anchor="ctr" anchorCtr="0">
               <a:noAutofit/>
             </a:bodyPr>
             <a:lstStyle/>
             <a:p>
-              <a:pPr indent="0" lvl="0" marL="0" rtl="0" algn="l">
+              <a:pPr marL="0" lvl="0" indent="0" algn="l" rtl="0">
                 <a:spcBef>
                   <a:spcPts val="0"/>
                 </a:spcBef>
@@ -4696,9 +4635,6 @@
                 </a:spcAft>
                 <a:buNone/>
               </a:pPr>
-              <a:r>
-                <a:t/>
-              </a:r>
               <a:endParaRPr/>
             </a:p>
           </p:txBody>
@@ -4707,7 +4643,9 @@
       <p:sp>
         <p:nvSpPr>
           <p:cNvPr id="52" name="Google Shape;52;p5"/>
-          <p:cNvSpPr txBox="1"/>
+          <p:cNvSpPr txBox="1">
+            <a:spLocks noGrp="1"/>
+          </p:cNvSpPr>
           <p:nvPr>
             <p:ph type="title"/>
           </p:nvPr>
@@ -4722,7 +4660,7 @@
           </a:prstGeom>
         </p:spPr>
         <p:txBody>
-          <a:bodyPr anchorCtr="0" anchor="t" bIns="91425" lIns="91425" spcFirstLastPara="1" rIns="91425" wrap="square" tIns="91425">
+          <a:bodyPr spcFirstLastPara="1" wrap="square" lIns="91425" tIns="91425" rIns="91425" bIns="91425" anchor="t" anchorCtr="0">
             <a:normAutofit/>
           </a:bodyPr>
           <a:lstStyle>
@@ -4826,15 +4764,19 @@
               <a:defRPr sz="2400"/>
             </a:lvl9pPr>
           </a:lstStyle>
-          <a:p/>
+          <a:p>
+            <a:endParaRPr/>
+          </a:p>
         </p:txBody>
       </p:sp>
       <p:sp>
         <p:nvSpPr>
           <p:cNvPr id="53" name="Google Shape;53;p5"/>
-          <p:cNvSpPr txBox="1"/>
+          <p:cNvSpPr txBox="1">
+            <a:spLocks noGrp="1"/>
+          </p:cNvSpPr>
           <p:nvPr>
-            <p:ph idx="1" type="body"/>
+            <p:ph type="body" idx="1"/>
           </p:nvPr>
         </p:nvSpPr>
         <p:spPr>
@@ -4847,11 +4789,11 @@
           </a:prstGeom>
         </p:spPr>
         <p:txBody>
-          <a:bodyPr anchorCtr="0" anchor="t" bIns="91425" lIns="91425" spcFirstLastPara="1" rIns="91425" wrap="square" tIns="91425">
+          <a:bodyPr spcFirstLastPara="1" wrap="square" lIns="91425" tIns="91425" rIns="91425" bIns="91425" anchor="t" anchorCtr="0">
             <a:normAutofit/>
           </a:bodyPr>
           <a:lstStyle>
-            <a:lvl1pPr indent="-311150" lvl="0" marL="457200">
+            <a:lvl1pPr marL="457200" lvl="0" indent="-311150">
               <a:spcBef>
                 <a:spcPts val="0"/>
               </a:spcBef>
@@ -4862,7 +4804,7 @@
               <a:buChar char="●"/>
               <a:defRPr/>
             </a:lvl1pPr>
-            <a:lvl2pPr indent="-298450" lvl="1" marL="914400">
+            <a:lvl2pPr marL="914400" lvl="1" indent="-298450">
               <a:spcBef>
                 <a:spcPts val="0"/>
               </a:spcBef>
@@ -4873,7 +4815,7 @@
               <a:buChar char="○"/>
               <a:defRPr/>
             </a:lvl2pPr>
-            <a:lvl3pPr indent="-298450" lvl="2" marL="1371600">
+            <a:lvl3pPr marL="1371600" lvl="2" indent="-298450">
               <a:spcBef>
                 <a:spcPts val="0"/>
               </a:spcBef>
@@ -4884,7 +4826,7 @@
               <a:buChar char="■"/>
               <a:defRPr/>
             </a:lvl3pPr>
-            <a:lvl4pPr indent="-298450" lvl="3" marL="1828800">
+            <a:lvl4pPr marL="1828800" lvl="3" indent="-298450">
               <a:spcBef>
                 <a:spcPts val="0"/>
               </a:spcBef>
@@ -4895,7 +4837,7 @@
               <a:buChar char="●"/>
               <a:defRPr/>
             </a:lvl4pPr>
-            <a:lvl5pPr indent="-298450" lvl="4" marL="2286000">
+            <a:lvl5pPr marL="2286000" lvl="4" indent="-298450">
               <a:spcBef>
                 <a:spcPts val="0"/>
               </a:spcBef>
@@ -4906,7 +4848,7 @@
               <a:buChar char="○"/>
               <a:defRPr/>
             </a:lvl5pPr>
-            <a:lvl6pPr indent="-298450" lvl="5" marL="2743200">
+            <a:lvl6pPr marL="2743200" lvl="5" indent="-298450">
               <a:spcBef>
                 <a:spcPts val="0"/>
               </a:spcBef>
@@ -4917,7 +4859,7 @@
               <a:buChar char="■"/>
               <a:defRPr/>
             </a:lvl6pPr>
-            <a:lvl7pPr indent="-298450" lvl="6" marL="3200400">
+            <a:lvl7pPr marL="3200400" lvl="6" indent="-298450">
               <a:spcBef>
                 <a:spcPts val="0"/>
               </a:spcBef>
@@ -4928,7 +4870,7 @@
               <a:buChar char="●"/>
               <a:defRPr/>
             </a:lvl7pPr>
-            <a:lvl8pPr indent="-298450" lvl="7" marL="3657600">
+            <a:lvl8pPr marL="3657600" lvl="7" indent="-298450">
               <a:spcBef>
                 <a:spcPts val="0"/>
               </a:spcBef>
@@ -4939,7 +4881,7 @@
               <a:buChar char="○"/>
               <a:defRPr/>
             </a:lvl8pPr>
-            <a:lvl9pPr indent="-298450" lvl="8" marL="4114800">
+            <a:lvl9pPr marL="4114800" lvl="8" indent="-298450">
               <a:spcBef>
                 <a:spcPts val="0"/>
               </a:spcBef>
@@ -4951,15 +4893,19 @@
               <a:defRPr/>
             </a:lvl9pPr>
           </a:lstStyle>
-          <a:p/>
+          <a:p>
+            <a:endParaRPr/>
+          </a:p>
         </p:txBody>
       </p:sp>
       <p:sp>
         <p:nvSpPr>
           <p:cNvPr id="54" name="Google Shape;54;p5"/>
-          <p:cNvSpPr txBox="1"/>
+          <p:cNvSpPr txBox="1">
+            <a:spLocks noGrp="1"/>
+          </p:cNvSpPr>
           <p:nvPr>
-            <p:ph idx="2" type="body"/>
+            <p:ph type="body" idx="2"/>
           </p:nvPr>
         </p:nvSpPr>
         <p:spPr>
@@ -4972,11 +4918,11 @@
           </a:prstGeom>
         </p:spPr>
         <p:txBody>
-          <a:bodyPr anchorCtr="0" anchor="t" bIns="91425" lIns="91425" spcFirstLastPara="1" rIns="91425" wrap="square" tIns="91425">
+          <a:bodyPr spcFirstLastPara="1" wrap="square" lIns="91425" tIns="91425" rIns="91425" bIns="91425" anchor="t" anchorCtr="0">
             <a:normAutofit/>
           </a:bodyPr>
           <a:lstStyle>
-            <a:lvl1pPr indent="-311150" lvl="0" marL="457200">
+            <a:lvl1pPr marL="457200" lvl="0" indent="-311150">
               <a:spcBef>
                 <a:spcPts val="0"/>
               </a:spcBef>
@@ -4987,7 +4933,7 @@
               <a:buChar char="●"/>
               <a:defRPr/>
             </a:lvl1pPr>
-            <a:lvl2pPr indent="-298450" lvl="1" marL="914400">
+            <a:lvl2pPr marL="914400" lvl="1" indent="-298450">
               <a:spcBef>
                 <a:spcPts val="0"/>
               </a:spcBef>
@@ -4998,7 +4944,7 @@
               <a:buChar char="○"/>
               <a:defRPr/>
             </a:lvl2pPr>
-            <a:lvl3pPr indent="-298450" lvl="2" marL="1371600">
+            <a:lvl3pPr marL="1371600" lvl="2" indent="-298450">
               <a:spcBef>
                 <a:spcPts val="0"/>
               </a:spcBef>
@@ -5009,7 +4955,7 @@
               <a:buChar char="■"/>
               <a:defRPr/>
             </a:lvl3pPr>
-            <a:lvl4pPr indent="-298450" lvl="3" marL="1828800">
+            <a:lvl4pPr marL="1828800" lvl="3" indent="-298450">
               <a:spcBef>
                 <a:spcPts val="0"/>
               </a:spcBef>
@@ -5020,7 +4966,7 @@
               <a:buChar char="●"/>
               <a:defRPr/>
             </a:lvl4pPr>
-            <a:lvl5pPr indent="-298450" lvl="4" marL="2286000">
+            <a:lvl5pPr marL="2286000" lvl="4" indent="-298450">
               <a:spcBef>
                 <a:spcPts val="0"/>
               </a:spcBef>
@@ -5031,7 +4977,7 @@
               <a:buChar char="○"/>
               <a:defRPr/>
             </a:lvl5pPr>
-            <a:lvl6pPr indent="-298450" lvl="5" marL="2743200">
+            <a:lvl6pPr marL="2743200" lvl="5" indent="-298450">
               <a:spcBef>
                 <a:spcPts val="0"/>
               </a:spcBef>
@@ -5042,7 +4988,7 @@
               <a:buChar char="■"/>
               <a:defRPr/>
             </a:lvl6pPr>
-            <a:lvl7pPr indent="-298450" lvl="6" marL="3200400">
+            <a:lvl7pPr marL="3200400" lvl="6" indent="-298450">
               <a:spcBef>
                 <a:spcPts val="0"/>
               </a:spcBef>
@@ -5053,7 +4999,7 @@
               <a:buChar char="●"/>
               <a:defRPr/>
             </a:lvl7pPr>
-            <a:lvl8pPr indent="-298450" lvl="7" marL="3657600">
+            <a:lvl8pPr marL="3657600" lvl="7" indent="-298450">
               <a:spcBef>
                 <a:spcPts val="0"/>
               </a:spcBef>
@@ -5064,7 +5010,7 @@
               <a:buChar char="○"/>
               <a:defRPr/>
             </a:lvl8pPr>
-            <a:lvl9pPr indent="-298450" lvl="8" marL="4114800">
+            <a:lvl9pPr marL="4114800" lvl="8" indent="-298450">
               <a:spcBef>
                 <a:spcPts val="0"/>
               </a:spcBef>
@@ -5076,15 +5022,19 @@
               <a:defRPr/>
             </a:lvl9pPr>
           </a:lstStyle>
-          <a:p/>
+          <a:p>
+            <a:endParaRPr/>
+          </a:p>
         </p:txBody>
       </p:sp>
       <p:sp>
         <p:nvSpPr>
           <p:cNvPr id="55" name="Google Shape;55;p5"/>
-          <p:cNvSpPr txBox="1"/>
+          <p:cNvSpPr txBox="1">
+            <a:spLocks noGrp="1"/>
+          </p:cNvSpPr>
           <p:nvPr>
-            <p:ph idx="12" type="sldNum"/>
+            <p:ph type="sldNum" idx="12"/>
           </p:nvPr>
         </p:nvSpPr>
         <p:spPr>
@@ -5097,7 +5047,7 @@
           </a:prstGeom>
         </p:spPr>
         <p:txBody>
-          <a:bodyPr anchorCtr="0" anchor="ctr" bIns="91425" lIns="91425" spcFirstLastPara="1" rIns="91425" wrap="square" tIns="91425">
+          <a:bodyPr spcFirstLastPara="1" wrap="square" lIns="91425" tIns="91425" rIns="91425" bIns="91425" anchor="ctr" anchorCtr="0">
             <a:normAutofit/>
           </a:bodyPr>
           <a:lstStyle>
@@ -5139,7 +5089,7 @@
             </a:lvl9pPr>
           </a:lstStyle>
           <a:p>
-            <a:pPr indent="0" lvl="0" marL="0" rtl="0" algn="r">
+            <a:pPr marL="0" lvl="0" indent="0" algn="r" rtl="0">
               <a:spcBef>
                 <a:spcPts val="0"/>
               </a:spcBef>
@@ -5165,11 +5115,11 @@
 </file>
 
 <file path=ppt/slideLayouts/slideLayout5.xml><?xml version="1.0" encoding="utf-8"?>
-<p:sldLayout xmlns:a="http://schemas.openxmlformats.org/drawingml/2006/main" xmlns:r="http://schemas.openxmlformats.org/officeDocument/2006/relationships" xmlns:mc="http://schemas.openxmlformats.org/markup-compatibility/2006" xmlns:mv="urn:schemas-microsoft-com:mac:vml" xmlns:p="http://schemas.openxmlformats.org/presentationml/2006/main" xmlns:c="http://schemas.openxmlformats.org/drawingml/2006/chart" xmlns:dgm="http://schemas.openxmlformats.org/drawingml/2006/diagram" xmlns:o="urn:schemas-microsoft-com:office:office" xmlns:v="urn:schemas-microsoft-com:vml" xmlns:pvml="urn:schemas-microsoft-com:office:powerpoint" xmlns:com="http://schemas.openxmlformats.org/drawingml/2006/compatibility" xmlns:p14="http://schemas.microsoft.com/office/powerpoint/2010/main" xmlns:p15="http://schemas.microsoft.com/office/powerpoint/2012/main" xmlns:ahyp="http://schemas.microsoft.com/office/drawing/2018/hyperlinkcolor" matchingName="Title only" type="titleOnly">
+<p:sldLayout xmlns:a="http://schemas.openxmlformats.org/drawingml/2006/main" xmlns:r="http://schemas.openxmlformats.org/officeDocument/2006/relationships" xmlns:p="http://schemas.openxmlformats.org/presentationml/2006/main" matchingName="Title only" type="titleOnly">
   <p:cSld name="TITLE_ONLY">
     <p:spTree>
       <p:nvGrpSpPr>
-        <p:cNvPr id="56" name="Shape 56"/>
+        <p:cNvPr id="1" name="Shape 56"/>
         <p:cNvGrpSpPr/>
         <p:nvPr/>
       </p:nvGrpSpPr>
@@ -5208,7 +5158,7 @@
             </a:xfrm>
             <a:prstGeom prst="diagStripe">
               <a:avLst>
-                <a:gd fmla="val 50000" name="adj"/>
+                <a:gd name="adj" fmla="val 50000"/>
               </a:avLst>
             </a:prstGeom>
             <a:solidFill>
@@ -5219,12 +5169,12 @@
             </a:ln>
           </p:spPr>
           <p:txBody>
-            <a:bodyPr anchorCtr="0" anchor="ctr" bIns="91425" lIns="91425" spcFirstLastPara="1" rIns="91425" wrap="square" tIns="91425">
+            <a:bodyPr spcFirstLastPara="1" wrap="square" lIns="91425" tIns="91425" rIns="91425" bIns="91425" anchor="ctr" anchorCtr="0">
               <a:noAutofit/>
             </a:bodyPr>
             <a:lstStyle/>
             <a:p>
-              <a:pPr indent="0" lvl="0" marL="0" rtl="0" algn="l">
+              <a:pPr marL="0" lvl="0" indent="0" algn="l" rtl="0">
                 <a:spcBef>
                   <a:spcPts val="0"/>
                 </a:spcBef>
@@ -5233,9 +5183,6 @@
                 </a:spcAft>
                 <a:buNone/>
               </a:pPr>
-              <a:r>
-                <a:t/>
-              </a:r>
               <a:endParaRPr/>
             </a:p>
           </p:txBody>
@@ -5253,7 +5200,7 @@
             </a:xfrm>
             <a:prstGeom prst="diagStripe">
               <a:avLst>
-                <a:gd fmla="val 50000" name="adj"/>
+                <a:gd name="adj" fmla="val 50000"/>
               </a:avLst>
             </a:prstGeom>
             <a:solidFill>
@@ -5264,12 +5211,12 @@
             </a:ln>
           </p:spPr>
           <p:txBody>
-            <a:bodyPr anchorCtr="0" anchor="ctr" bIns="91425" lIns="91425" spcFirstLastPara="1" rIns="91425" wrap="square" tIns="91425">
+            <a:bodyPr spcFirstLastPara="1" wrap="square" lIns="91425" tIns="91425" rIns="91425" bIns="91425" anchor="ctr" anchorCtr="0">
               <a:noAutofit/>
             </a:bodyPr>
             <a:lstStyle/>
             <a:p>
-              <a:pPr indent="0" lvl="0" marL="0" rtl="0" algn="l">
+              <a:pPr marL="0" lvl="0" indent="0" algn="l" rtl="0">
                 <a:spcBef>
                   <a:spcPts val="0"/>
                 </a:spcBef>
@@ -5278,9 +5225,6 @@
                 </a:spcAft>
                 <a:buNone/>
               </a:pPr>
-              <a:r>
-                <a:t/>
-              </a:r>
               <a:endParaRPr/>
             </a:p>
           </p:txBody>
@@ -5289,7 +5233,9 @@
       <p:sp>
         <p:nvSpPr>
           <p:cNvPr id="60" name="Google Shape;60;p6"/>
-          <p:cNvSpPr txBox="1"/>
+          <p:cNvSpPr txBox="1">
+            <a:spLocks noGrp="1"/>
+          </p:cNvSpPr>
           <p:nvPr>
             <p:ph type="title"/>
           </p:nvPr>
@@ -5304,7 +5250,7 @@
           </a:prstGeom>
         </p:spPr>
         <p:txBody>
-          <a:bodyPr anchorCtr="0" anchor="t" bIns="91425" lIns="91425" spcFirstLastPara="1" rIns="91425" wrap="square" tIns="91425">
+          <a:bodyPr spcFirstLastPara="1" wrap="square" lIns="91425" tIns="91425" rIns="91425" bIns="91425" anchor="t" anchorCtr="0">
             <a:normAutofit/>
           </a:bodyPr>
           <a:lstStyle>
@@ -5408,15 +5354,19 @@
               <a:defRPr sz="2400"/>
             </a:lvl9pPr>
           </a:lstStyle>
-          <a:p/>
+          <a:p>
+            <a:endParaRPr/>
+          </a:p>
         </p:txBody>
       </p:sp>
       <p:sp>
         <p:nvSpPr>
           <p:cNvPr id="61" name="Google Shape;61;p6"/>
-          <p:cNvSpPr txBox="1"/>
+          <p:cNvSpPr txBox="1">
+            <a:spLocks noGrp="1"/>
+          </p:cNvSpPr>
           <p:nvPr>
-            <p:ph idx="12" type="sldNum"/>
+            <p:ph type="sldNum" idx="12"/>
           </p:nvPr>
         </p:nvSpPr>
         <p:spPr>
@@ -5429,7 +5379,7 @@
           </a:prstGeom>
         </p:spPr>
         <p:txBody>
-          <a:bodyPr anchorCtr="0" anchor="ctr" bIns="91425" lIns="91425" spcFirstLastPara="1" rIns="91425" wrap="square" tIns="91425">
+          <a:bodyPr spcFirstLastPara="1" wrap="square" lIns="91425" tIns="91425" rIns="91425" bIns="91425" anchor="ctr" anchorCtr="0">
             <a:normAutofit/>
           </a:bodyPr>
           <a:lstStyle>
@@ -5471,7 +5421,7 @@
             </a:lvl9pPr>
           </a:lstStyle>
           <a:p>
-            <a:pPr indent="0" lvl="0" marL="0" rtl="0" algn="r">
+            <a:pPr marL="0" lvl="0" indent="0" algn="r" rtl="0">
               <a:spcBef>
                 <a:spcPts val="0"/>
               </a:spcBef>
@@ -5497,11 +5447,11 @@
 </file>
 
 <file path=ppt/slideLayouts/slideLayout6.xml><?xml version="1.0" encoding="utf-8"?>
-<p:sldLayout xmlns:a="http://schemas.openxmlformats.org/drawingml/2006/main" xmlns:r="http://schemas.openxmlformats.org/officeDocument/2006/relationships" xmlns:mc="http://schemas.openxmlformats.org/markup-compatibility/2006" xmlns:mv="urn:schemas-microsoft-com:mac:vml" xmlns:p="http://schemas.openxmlformats.org/presentationml/2006/main" xmlns:c="http://schemas.openxmlformats.org/drawingml/2006/chart" xmlns:dgm="http://schemas.openxmlformats.org/drawingml/2006/diagram" xmlns:o="urn:schemas-microsoft-com:office:office" xmlns:v="urn:schemas-microsoft-com:vml" xmlns:pvml="urn:schemas-microsoft-com:office:powerpoint" xmlns:com="http://schemas.openxmlformats.org/drawingml/2006/compatibility" xmlns:p14="http://schemas.microsoft.com/office/powerpoint/2010/main" xmlns:p15="http://schemas.microsoft.com/office/powerpoint/2012/main" xmlns:ahyp="http://schemas.microsoft.com/office/drawing/2018/hyperlinkcolor" matchingName="One column text">
+<p:sldLayout xmlns:a="http://schemas.openxmlformats.org/drawingml/2006/main" xmlns:r="http://schemas.openxmlformats.org/officeDocument/2006/relationships" xmlns:p="http://schemas.openxmlformats.org/presentationml/2006/main" matchingName="One column text">
   <p:cSld name="ONE_COLUMN_TEXT">
     <p:spTree>
       <p:nvGrpSpPr>
-        <p:cNvPr id="62" name="Shape 62"/>
+        <p:cNvPr id="1" name="Shape 62"/>
         <p:cNvGrpSpPr/>
         <p:nvPr/>
       </p:nvGrpSpPr>
@@ -5540,7 +5490,7 @@
             </a:xfrm>
             <a:prstGeom prst="diagStripe">
               <a:avLst>
-                <a:gd fmla="val 50000" name="adj"/>
+                <a:gd name="adj" fmla="val 50000"/>
               </a:avLst>
             </a:prstGeom>
             <a:solidFill>
@@ -5551,12 +5501,12 @@
             </a:ln>
           </p:spPr>
           <p:txBody>
-            <a:bodyPr anchorCtr="0" anchor="ctr" bIns="91425" lIns="91425" spcFirstLastPara="1" rIns="91425" wrap="square" tIns="91425">
+            <a:bodyPr spcFirstLastPara="1" wrap="square" lIns="91425" tIns="91425" rIns="91425" bIns="91425" anchor="ctr" anchorCtr="0">
               <a:noAutofit/>
             </a:bodyPr>
             <a:lstStyle/>
             <a:p>
-              <a:pPr indent="0" lvl="0" marL="0" rtl="0" algn="l">
+              <a:pPr marL="0" lvl="0" indent="0" algn="l" rtl="0">
                 <a:spcBef>
                   <a:spcPts val="0"/>
                 </a:spcBef>
@@ -5565,9 +5515,6 @@
                 </a:spcAft>
                 <a:buNone/>
               </a:pPr>
-              <a:r>
-                <a:t/>
-              </a:r>
               <a:endParaRPr/>
             </a:p>
           </p:txBody>
@@ -5585,7 +5532,7 @@
             </a:xfrm>
             <a:prstGeom prst="diagStripe">
               <a:avLst>
-                <a:gd fmla="val 50000" name="adj"/>
+                <a:gd name="adj" fmla="val 50000"/>
               </a:avLst>
             </a:prstGeom>
             <a:solidFill>
@@ -5596,12 +5543,12 @@
             </a:ln>
           </p:spPr>
           <p:txBody>
-            <a:bodyPr anchorCtr="0" anchor="ctr" bIns="91425" lIns="91425" spcFirstLastPara="1" rIns="91425" wrap="square" tIns="91425">
+            <a:bodyPr spcFirstLastPara="1" wrap="square" lIns="91425" tIns="91425" rIns="91425" bIns="91425" anchor="ctr" anchorCtr="0">
               <a:noAutofit/>
             </a:bodyPr>
             <a:lstStyle/>
             <a:p>
-              <a:pPr indent="0" lvl="0" marL="0" rtl="0" algn="l">
+              <a:pPr marL="0" lvl="0" indent="0" algn="l" rtl="0">
                 <a:spcBef>
                   <a:spcPts val="0"/>
                 </a:spcBef>
@@ -5610,9 +5557,6 @@
                 </a:spcAft>
                 <a:buNone/>
               </a:pPr>
-              <a:r>
-                <a:t/>
-              </a:r>
               <a:endParaRPr/>
             </a:p>
           </p:txBody>
@@ -5621,7 +5565,9 @@
       <p:sp>
         <p:nvSpPr>
           <p:cNvPr id="66" name="Google Shape;66;p7"/>
-          <p:cNvSpPr txBox="1"/>
+          <p:cNvSpPr txBox="1">
+            <a:spLocks noGrp="1"/>
+          </p:cNvSpPr>
           <p:nvPr>
             <p:ph type="title"/>
           </p:nvPr>
@@ -5636,7 +5582,7 @@
           </a:prstGeom>
         </p:spPr>
         <p:txBody>
-          <a:bodyPr anchorCtr="0" anchor="t" bIns="91425" lIns="91425" spcFirstLastPara="1" rIns="91425" wrap="square" tIns="91425">
+          <a:bodyPr spcFirstLastPara="1" wrap="square" lIns="91425" tIns="91425" rIns="91425" bIns="91425" anchor="t" anchorCtr="0">
             <a:normAutofit/>
           </a:bodyPr>
           <a:lstStyle>
@@ -5740,15 +5686,19 @@
               <a:defRPr sz="2400"/>
             </a:lvl9pPr>
           </a:lstStyle>
-          <a:p/>
+          <a:p>
+            <a:endParaRPr/>
+          </a:p>
         </p:txBody>
       </p:sp>
       <p:sp>
         <p:nvSpPr>
           <p:cNvPr id="67" name="Google Shape;67;p7"/>
-          <p:cNvSpPr txBox="1"/>
+          <p:cNvSpPr txBox="1">
+            <a:spLocks noGrp="1"/>
+          </p:cNvSpPr>
           <p:nvPr>
-            <p:ph idx="1" type="body"/>
+            <p:ph type="body" idx="1"/>
           </p:nvPr>
         </p:nvSpPr>
         <p:spPr>
@@ -5761,11 +5711,11 @@
           </a:prstGeom>
         </p:spPr>
         <p:txBody>
-          <a:bodyPr anchorCtr="0" anchor="t" bIns="91425" lIns="91425" spcFirstLastPara="1" rIns="91425" wrap="square" tIns="91425">
+          <a:bodyPr spcFirstLastPara="1" wrap="square" lIns="91425" tIns="91425" rIns="91425" bIns="91425" anchor="t" anchorCtr="0">
             <a:normAutofit/>
           </a:bodyPr>
           <a:lstStyle>
-            <a:lvl1pPr indent="-311150" lvl="0" marL="457200">
+            <a:lvl1pPr marL="457200" lvl="0" indent="-311150">
               <a:spcBef>
                 <a:spcPts val="0"/>
               </a:spcBef>
@@ -5776,7 +5726,7 @@
               <a:buChar char="●"/>
               <a:defRPr/>
             </a:lvl1pPr>
-            <a:lvl2pPr indent="-298450" lvl="1" marL="914400">
+            <a:lvl2pPr marL="914400" lvl="1" indent="-298450">
               <a:spcBef>
                 <a:spcPts val="0"/>
               </a:spcBef>
@@ -5787,7 +5737,7 @@
               <a:buChar char="○"/>
               <a:defRPr/>
             </a:lvl2pPr>
-            <a:lvl3pPr indent="-298450" lvl="2" marL="1371600">
+            <a:lvl3pPr marL="1371600" lvl="2" indent="-298450">
               <a:spcBef>
                 <a:spcPts val="0"/>
               </a:spcBef>
@@ -5798,7 +5748,7 @@
               <a:buChar char="■"/>
               <a:defRPr/>
             </a:lvl3pPr>
-            <a:lvl4pPr indent="-298450" lvl="3" marL="1828800">
+            <a:lvl4pPr marL="1828800" lvl="3" indent="-298450">
               <a:spcBef>
                 <a:spcPts val="0"/>
               </a:spcBef>
@@ -5809,7 +5759,7 @@
               <a:buChar char="●"/>
               <a:defRPr/>
             </a:lvl4pPr>
-            <a:lvl5pPr indent="-298450" lvl="4" marL="2286000">
+            <a:lvl5pPr marL="2286000" lvl="4" indent="-298450">
               <a:spcBef>
                 <a:spcPts val="0"/>
               </a:spcBef>
@@ -5820,7 +5770,7 @@
               <a:buChar char="○"/>
               <a:defRPr/>
             </a:lvl5pPr>
-            <a:lvl6pPr indent="-298450" lvl="5" marL="2743200">
+            <a:lvl6pPr marL="2743200" lvl="5" indent="-298450">
               <a:spcBef>
                 <a:spcPts val="0"/>
               </a:spcBef>
@@ -5831,7 +5781,7 @@
               <a:buChar char="■"/>
               <a:defRPr/>
             </a:lvl6pPr>
-            <a:lvl7pPr indent="-298450" lvl="6" marL="3200400">
+            <a:lvl7pPr marL="3200400" lvl="6" indent="-298450">
               <a:spcBef>
                 <a:spcPts val="0"/>
               </a:spcBef>
@@ -5842,7 +5792,7 @@
               <a:buChar char="●"/>
               <a:defRPr/>
             </a:lvl7pPr>
-            <a:lvl8pPr indent="-298450" lvl="7" marL="3657600">
+            <a:lvl8pPr marL="3657600" lvl="7" indent="-298450">
               <a:spcBef>
                 <a:spcPts val="0"/>
               </a:spcBef>
@@ -5853,7 +5803,7 @@
               <a:buChar char="○"/>
               <a:defRPr/>
             </a:lvl8pPr>
-            <a:lvl9pPr indent="-298450" lvl="8" marL="4114800">
+            <a:lvl9pPr marL="4114800" lvl="8" indent="-298450">
               <a:spcBef>
                 <a:spcPts val="0"/>
               </a:spcBef>
@@ -5865,15 +5815,19 @@
               <a:defRPr/>
             </a:lvl9pPr>
           </a:lstStyle>
-          <a:p/>
+          <a:p>
+            <a:endParaRPr/>
+          </a:p>
         </p:txBody>
       </p:sp>
       <p:sp>
         <p:nvSpPr>
           <p:cNvPr id="68" name="Google Shape;68;p7"/>
-          <p:cNvSpPr txBox="1"/>
+          <p:cNvSpPr txBox="1">
+            <a:spLocks noGrp="1"/>
+          </p:cNvSpPr>
           <p:nvPr>
-            <p:ph idx="12" type="sldNum"/>
+            <p:ph type="sldNum" idx="12"/>
           </p:nvPr>
         </p:nvSpPr>
         <p:spPr>
@@ -5886,7 +5840,7 @@
           </a:prstGeom>
         </p:spPr>
         <p:txBody>
-          <a:bodyPr anchorCtr="0" anchor="ctr" bIns="91425" lIns="91425" spcFirstLastPara="1" rIns="91425" wrap="square" tIns="91425">
+          <a:bodyPr spcFirstLastPara="1" wrap="square" lIns="91425" tIns="91425" rIns="91425" bIns="91425" anchor="ctr" anchorCtr="0">
             <a:normAutofit/>
           </a:bodyPr>
           <a:lstStyle>
@@ -5928,7 +5882,7 @@
             </a:lvl9pPr>
           </a:lstStyle>
           <a:p>
-            <a:pPr indent="0" lvl="0" marL="0" rtl="0" algn="r">
+            <a:pPr marL="0" lvl="0" indent="0" algn="r" rtl="0">
               <a:spcBef>
                 <a:spcPts val="0"/>
               </a:spcBef>
@@ -5954,11 +5908,11 @@
 </file>
 
 <file path=ppt/slideLayouts/slideLayout7.xml><?xml version="1.0" encoding="utf-8"?>
-<p:sldLayout xmlns:a="http://schemas.openxmlformats.org/drawingml/2006/main" xmlns:r="http://schemas.openxmlformats.org/officeDocument/2006/relationships" xmlns:mc="http://schemas.openxmlformats.org/markup-compatibility/2006" xmlns:mv="urn:schemas-microsoft-com:mac:vml" xmlns:p="http://schemas.openxmlformats.org/presentationml/2006/main" xmlns:c="http://schemas.openxmlformats.org/drawingml/2006/chart" xmlns:dgm="http://schemas.openxmlformats.org/drawingml/2006/diagram" xmlns:o="urn:schemas-microsoft-com:office:office" xmlns:v="urn:schemas-microsoft-com:vml" xmlns:pvml="urn:schemas-microsoft-com:office:powerpoint" xmlns:com="http://schemas.openxmlformats.org/drawingml/2006/compatibility" xmlns:p14="http://schemas.microsoft.com/office/powerpoint/2010/main" xmlns:p15="http://schemas.microsoft.com/office/powerpoint/2012/main" xmlns:ahyp="http://schemas.microsoft.com/office/drawing/2018/hyperlinkcolor" matchingName="Main point">
+<p:sldLayout xmlns:a="http://schemas.openxmlformats.org/drawingml/2006/main" xmlns:r="http://schemas.openxmlformats.org/officeDocument/2006/relationships" xmlns:p="http://schemas.openxmlformats.org/presentationml/2006/main" matchingName="Main point">
   <p:cSld name="MAIN_POINT">
     <p:spTree>
       <p:nvGrpSpPr>
-        <p:cNvPr id="69" name="Shape 69"/>
+        <p:cNvPr id="1" name="Shape 69"/>
         <p:cNvGrpSpPr/>
         <p:nvPr/>
       </p:nvGrpSpPr>
@@ -5997,7 +5951,7 @@
             </a:xfrm>
             <a:prstGeom prst="diagStripe">
               <a:avLst>
-                <a:gd fmla="val 49469" name="adj"/>
+                <a:gd name="adj" fmla="val 49469"/>
               </a:avLst>
             </a:prstGeom>
             <a:solidFill>
@@ -6010,12 +5964,12 @@
             </a:ln>
           </p:spPr>
           <p:txBody>
-            <a:bodyPr anchorCtr="0" anchor="ctr" bIns="91425" lIns="91425" spcFirstLastPara="1" rIns="91425" wrap="square" tIns="91425">
+            <a:bodyPr spcFirstLastPara="1" wrap="square" lIns="91425" tIns="91425" rIns="91425" bIns="91425" anchor="ctr" anchorCtr="0">
               <a:noAutofit/>
             </a:bodyPr>
             <a:lstStyle/>
             <a:p>
-              <a:pPr indent="0" lvl="0" marL="0" rtl="0" algn="l">
+              <a:pPr marL="0" lvl="0" indent="0" algn="l" rtl="0">
                 <a:spcBef>
                   <a:spcPts val="0"/>
                 </a:spcBef>
@@ -6024,9 +5978,6 @@
                 </a:spcAft>
                 <a:buNone/>
               </a:pPr>
-              <a:r>
-                <a:t/>
-              </a:r>
               <a:endParaRPr/>
             </a:p>
           </p:txBody>
@@ -6044,7 +5995,7 @@
             </a:xfrm>
             <a:prstGeom prst="diagStripe">
               <a:avLst>
-                <a:gd fmla="val 0" name="adj"/>
+                <a:gd name="adj" fmla="val 0"/>
               </a:avLst>
             </a:prstGeom>
             <a:solidFill>
@@ -6057,12 +6008,12 @@
             </a:ln>
           </p:spPr>
           <p:txBody>
-            <a:bodyPr anchorCtr="0" anchor="ctr" bIns="91425" lIns="91425" spcFirstLastPara="1" rIns="91425" wrap="square" tIns="91425">
+            <a:bodyPr spcFirstLastPara="1" wrap="square" lIns="91425" tIns="91425" rIns="91425" bIns="91425" anchor="ctr" anchorCtr="0">
               <a:noAutofit/>
             </a:bodyPr>
             <a:lstStyle/>
             <a:p>
-              <a:pPr indent="0" lvl="0" marL="0" rtl="0" algn="l">
+              <a:pPr marL="0" lvl="0" indent="0" algn="l" rtl="0">
                 <a:spcBef>
                   <a:spcPts val="0"/>
                 </a:spcBef>
@@ -6071,9 +6022,6 @@
                 </a:spcAft>
                 <a:buNone/>
               </a:pPr>
-              <a:r>
-                <a:t/>
-              </a:r>
               <a:endParaRPr/>
             </a:p>
           </p:txBody>
@@ -6091,7 +6039,7 @@
             </a:xfrm>
             <a:prstGeom prst="diagStripe">
               <a:avLst>
-                <a:gd fmla="val 50000" name="adj"/>
+                <a:gd name="adj" fmla="val 50000"/>
               </a:avLst>
             </a:prstGeom>
             <a:solidFill>
@@ -6104,12 +6052,12 @@
             </a:ln>
           </p:spPr>
           <p:txBody>
-            <a:bodyPr anchorCtr="0" anchor="ctr" bIns="91425" lIns="91425" spcFirstLastPara="1" rIns="91425" wrap="square" tIns="91425">
+            <a:bodyPr spcFirstLastPara="1" wrap="square" lIns="91425" tIns="91425" rIns="91425" bIns="91425" anchor="ctr" anchorCtr="0">
               <a:noAutofit/>
             </a:bodyPr>
             <a:lstStyle/>
             <a:p>
-              <a:pPr indent="0" lvl="0" marL="0" rtl="0" algn="l">
+              <a:pPr marL="0" lvl="0" indent="0" algn="l" rtl="0">
                 <a:spcBef>
                   <a:spcPts val="0"/>
                 </a:spcBef>
@@ -6118,9 +6066,6 @@
                 </a:spcAft>
                 <a:buNone/>
               </a:pPr>
-              <a:r>
-                <a:t/>
-              </a:r>
               <a:endParaRPr/>
             </a:p>
           </p:txBody>
@@ -6138,7 +6083,7 @@
             </a:xfrm>
             <a:prstGeom prst="diagStripe">
               <a:avLst>
-                <a:gd fmla="val 50000" name="adj"/>
+                <a:gd name="adj" fmla="val 50000"/>
               </a:avLst>
             </a:prstGeom>
             <a:solidFill>
@@ -6151,12 +6096,12 @@
             </a:ln>
           </p:spPr>
           <p:txBody>
-            <a:bodyPr anchorCtr="0" anchor="ctr" bIns="91425" lIns="91425" spcFirstLastPara="1" rIns="91425" wrap="square" tIns="91425">
+            <a:bodyPr spcFirstLastPara="1" wrap="square" lIns="91425" tIns="91425" rIns="91425" bIns="91425" anchor="ctr" anchorCtr="0">
               <a:noAutofit/>
             </a:bodyPr>
             <a:lstStyle/>
             <a:p>
-              <a:pPr indent="0" lvl="0" marL="0" rtl="0" algn="l">
+              <a:pPr marL="0" lvl="0" indent="0" algn="l" rtl="0">
                 <a:spcBef>
                   <a:spcPts val="0"/>
                 </a:spcBef>
@@ -6165,9 +6110,6 @@
                 </a:spcAft>
                 <a:buNone/>
               </a:pPr>
-              <a:r>
-                <a:t/>
-              </a:r>
               <a:endParaRPr/>
             </a:p>
           </p:txBody>
@@ -6185,7 +6127,7 @@
             </a:xfrm>
             <a:prstGeom prst="diagStripe">
               <a:avLst>
-                <a:gd fmla="val 50000" name="adj"/>
+                <a:gd name="adj" fmla="val 50000"/>
               </a:avLst>
             </a:prstGeom>
             <a:solidFill>
@@ -6198,12 +6140,12 @@
             </a:ln>
           </p:spPr>
           <p:txBody>
-            <a:bodyPr anchorCtr="0" anchor="ctr" bIns="91425" lIns="91425" spcFirstLastPara="1" rIns="91425" wrap="square" tIns="91425">
+            <a:bodyPr spcFirstLastPara="1" wrap="square" lIns="91425" tIns="91425" rIns="91425" bIns="91425" anchor="ctr" anchorCtr="0">
               <a:noAutofit/>
             </a:bodyPr>
             <a:lstStyle/>
             <a:p>
-              <a:pPr indent="0" lvl="0" marL="0" rtl="0" algn="l">
+              <a:pPr marL="0" lvl="0" indent="0" algn="l" rtl="0">
                 <a:spcBef>
                   <a:spcPts val="0"/>
                 </a:spcBef>
@@ -6212,9 +6154,6 @@
                 </a:spcAft>
                 <a:buNone/>
               </a:pPr>
-              <a:r>
-                <a:t/>
-              </a:r>
               <a:endParaRPr/>
             </a:p>
           </p:txBody>
@@ -6232,7 +6171,7 @@
             </a:xfrm>
             <a:prstGeom prst="diagStripe">
               <a:avLst>
-                <a:gd fmla="val 50000" name="adj"/>
+                <a:gd name="adj" fmla="val 50000"/>
               </a:avLst>
             </a:prstGeom>
             <a:solidFill>
@@ -6245,12 +6184,12 @@
             </a:ln>
           </p:spPr>
           <p:txBody>
-            <a:bodyPr anchorCtr="0" anchor="ctr" bIns="91425" lIns="91425" spcFirstLastPara="1" rIns="91425" wrap="square" tIns="91425">
+            <a:bodyPr spcFirstLastPara="1" wrap="square" lIns="91425" tIns="91425" rIns="91425" bIns="91425" anchor="ctr" anchorCtr="0">
               <a:noAutofit/>
             </a:bodyPr>
             <a:lstStyle/>
             <a:p>
-              <a:pPr indent="0" lvl="0" marL="0" rtl="0" algn="l">
+              <a:pPr marL="0" lvl="0" indent="0" algn="l" rtl="0">
                 <a:spcBef>
                   <a:spcPts val="0"/>
                 </a:spcBef>
@@ -6259,9 +6198,6 @@
                 </a:spcAft>
                 <a:buNone/>
               </a:pPr>
-              <a:r>
-                <a:t/>
-              </a:r>
               <a:endParaRPr/>
             </a:p>
           </p:txBody>
@@ -6279,7 +6215,7 @@
             </a:xfrm>
             <a:prstGeom prst="diagStripe">
               <a:avLst>
-                <a:gd fmla="val 50000" name="adj"/>
+                <a:gd name="adj" fmla="val 50000"/>
               </a:avLst>
             </a:prstGeom>
             <a:solidFill>
@@ -6292,12 +6228,12 @@
             </a:ln>
           </p:spPr>
           <p:txBody>
-            <a:bodyPr anchorCtr="0" anchor="ctr" bIns="91425" lIns="91425" spcFirstLastPara="1" rIns="91425" wrap="square" tIns="91425">
+            <a:bodyPr spcFirstLastPara="1" wrap="square" lIns="91425" tIns="91425" rIns="91425" bIns="91425" anchor="ctr" anchorCtr="0">
               <a:noAutofit/>
             </a:bodyPr>
             <a:lstStyle/>
             <a:p>
-              <a:pPr indent="0" lvl="0" marL="0" rtl="0" algn="l">
+              <a:pPr marL="0" lvl="0" indent="0" algn="l" rtl="0">
                 <a:spcBef>
                   <a:spcPts val="0"/>
                 </a:spcBef>
@@ -6306,9 +6242,6 @@
                 </a:spcAft>
                 <a:buNone/>
               </a:pPr>
-              <a:r>
-                <a:t/>
-              </a:r>
               <a:endParaRPr/>
             </a:p>
           </p:txBody>
@@ -6326,7 +6259,7 @@
             </a:xfrm>
             <a:prstGeom prst="diagStripe">
               <a:avLst>
-                <a:gd fmla="val 50000" name="adj"/>
+                <a:gd name="adj" fmla="val 50000"/>
               </a:avLst>
             </a:prstGeom>
             <a:solidFill>
@@ -6337,12 +6270,12 @@
             </a:ln>
           </p:spPr>
           <p:txBody>
-            <a:bodyPr anchorCtr="0" anchor="ctr" bIns="91425" lIns="91425" spcFirstLastPara="1" rIns="91425" wrap="square" tIns="91425">
+            <a:bodyPr spcFirstLastPara="1" wrap="square" lIns="91425" tIns="91425" rIns="91425" bIns="91425" anchor="ctr" anchorCtr="0">
               <a:noAutofit/>
             </a:bodyPr>
             <a:lstStyle/>
             <a:p>
-              <a:pPr indent="0" lvl="0" marL="0" rtl="0" algn="l">
+              <a:pPr marL="0" lvl="0" indent="0" algn="l" rtl="0">
                 <a:spcBef>
                   <a:spcPts val="0"/>
                 </a:spcBef>
@@ -6351,9 +6284,6 @@
                 </a:spcAft>
                 <a:buNone/>
               </a:pPr>
-              <a:r>
-                <a:t/>
-              </a:r>
               <a:endParaRPr/>
             </a:p>
           </p:txBody>
@@ -6371,7 +6301,7 @@
             </a:xfrm>
             <a:prstGeom prst="diagStripe">
               <a:avLst>
-                <a:gd fmla="val 50000" name="adj"/>
+                <a:gd name="adj" fmla="val 50000"/>
               </a:avLst>
             </a:prstGeom>
             <a:solidFill>
@@ -6384,12 +6314,12 @@
             </a:ln>
           </p:spPr>
           <p:txBody>
-            <a:bodyPr anchorCtr="0" anchor="ctr" bIns="91425" lIns="91425" spcFirstLastPara="1" rIns="91425" wrap="square" tIns="91425">
+            <a:bodyPr spcFirstLastPara="1" wrap="square" lIns="91425" tIns="91425" rIns="91425" bIns="91425" anchor="ctr" anchorCtr="0">
               <a:noAutofit/>
             </a:bodyPr>
             <a:lstStyle/>
             <a:p>
-              <a:pPr indent="0" lvl="0" marL="0" rtl="0" algn="l">
+              <a:pPr marL="0" lvl="0" indent="0" algn="l" rtl="0">
                 <a:spcBef>
                   <a:spcPts val="0"/>
                 </a:spcBef>
@@ -6398,9 +6328,6 @@
                 </a:spcAft>
                 <a:buNone/>
               </a:pPr>
-              <a:r>
-                <a:t/>
-              </a:r>
               <a:endParaRPr/>
             </a:p>
           </p:txBody>
@@ -6418,7 +6345,7 @@
             </a:xfrm>
             <a:prstGeom prst="diagStripe">
               <a:avLst>
-                <a:gd fmla="val 50000" name="adj"/>
+                <a:gd name="adj" fmla="val 50000"/>
               </a:avLst>
             </a:prstGeom>
             <a:solidFill>
@@ -6431,12 +6358,12 @@
             </a:ln>
           </p:spPr>
           <p:txBody>
-            <a:bodyPr anchorCtr="0" anchor="ctr" bIns="91425" lIns="91425" spcFirstLastPara="1" rIns="91425" wrap="square" tIns="91425">
+            <a:bodyPr spcFirstLastPara="1" wrap="square" lIns="91425" tIns="91425" rIns="91425" bIns="91425" anchor="ctr" anchorCtr="0">
               <a:noAutofit/>
             </a:bodyPr>
             <a:lstStyle/>
             <a:p>
-              <a:pPr indent="0" lvl="0" marL="0" rtl="0" algn="l">
+              <a:pPr marL="0" lvl="0" indent="0" algn="l" rtl="0">
                 <a:spcBef>
                   <a:spcPts val="0"/>
                 </a:spcBef>
@@ -6445,9 +6372,6 @@
                 </a:spcAft>
                 <a:buNone/>
               </a:pPr>
-              <a:r>
-                <a:t/>
-              </a:r>
               <a:endParaRPr/>
             </a:p>
           </p:txBody>
@@ -6465,7 +6389,7 @@
             </a:xfrm>
             <a:prstGeom prst="diagStripe">
               <a:avLst>
-                <a:gd fmla="val 50000" name="adj"/>
+                <a:gd name="adj" fmla="val 50000"/>
               </a:avLst>
             </a:prstGeom>
             <a:solidFill>
@@ -6478,12 +6402,12 @@
             </a:ln>
           </p:spPr>
           <p:txBody>
-            <a:bodyPr anchorCtr="0" anchor="ctr" bIns="91425" lIns="91425" spcFirstLastPara="1" rIns="91425" wrap="square" tIns="91425">
+            <a:bodyPr spcFirstLastPara="1" wrap="square" lIns="91425" tIns="91425" rIns="91425" bIns="91425" anchor="ctr" anchorCtr="0">
               <a:noAutofit/>
             </a:bodyPr>
             <a:lstStyle/>
             <a:p>
-              <a:pPr indent="0" lvl="0" marL="0" rtl="0" algn="l">
+              <a:pPr marL="0" lvl="0" indent="0" algn="l" rtl="0">
                 <a:spcBef>
                   <a:spcPts val="0"/>
                 </a:spcBef>
@@ -6492,9 +6416,6 @@
                 </a:spcAft>
                 <a:buNone/>
               </a:pPr>
-              <a:r>
-                <a:t/>
-              </a:r>
               <a:endParaRPr/>
             </a:p>
           </p:txBody>
@@ -6512,7 +6433,7 @@
             </a:xfrm>
             <a:prstGeom prst="diagStripe">
               <a:avLst>
-                <a:gd fmla="val 50000" name="adj"/>
+                <a:gd name="adj" fmla="val 50000"/>
               </a:avLst>
             </a:prstGeom>
             <a:solidFill>
@@ -6525,12 +6446,12 @@
             </a:ln>
           </p:spPr>
           <p:txBody>
-            <a:bodyPr anchorCtr="0" anchor="ctr" bIns="91425" lIns="91425" spcFirstLastPara="1" rIns="91425" wrap="square" tIns="91425">
+            <a:bodyPr spcFirstLastPara="1" wrap="square" lIns="91425" tIns="91425" rIns="91425" bIns="91425" anchor="ctr" anchorCtr="0">
               <a:noAutofit/>
             </a:bodyPr>
             <a:lstStyle/>
             <a:p>
-              <a:pPr indent="0" lvl="0" marL="0" rtl="0" algn="l">
+              <a:pPr marL="0" lvl="0" indent="0" algn="l" rtl="0">
                 <a:spcBef>
                   <a:spcPts val="0"/>
                 </a:spcBef>
@@ -6539,9 +6460,6 @@
                 </a:spcAft>
                 <a:buNone/>
               </a:pPr>
-              <a:r>
-                <a:t/>
-              </a:r>
               <a:endParaRPr/>
             </a:p>
           </p:txBody>
@@ -6559,7 +6477,7 @@
             </a:xfrm>
             <a:prstGeom prst="diagStripe">
               <a:avLst>
-                <a:gd fmla="val 50000" name="adj"/>
+                <a:gd name="adj" fmla="val 50000"/>
               </a:avLst>
             </a:prstGeom>
             <a:solidFill>
@@ -6572,12 +6490,12 @@
             </a:ln>
           </p:spPr>
           <p:txBody>
-            <a:bodyPr anchorCtr="0" anchor="ctr" bIns="91425" lIns="91425" spcFirstLastPara="1" rIns="91425" wrap="square" tIns="91425">
+            <a:bodyPr spcFirstLastPara="1" wrap="square" lIns="91425" tIns="91425" rIns="91425" bIns="91425" anchor="ctr" anchorCtr="0">
               <a:noAutofit/>
             </a:bodyPr>
             <a:lstStyle/>
             <a:p>
-              <a:pPr indent="0" lvl="0" marL="0" rtl="0" algn="l">
+              <a:pPr marL="0" lvl="0" indent="0" algn="l" rtl="0">
                 <a:spcBef>
                   <a:spcPts val="0"/>
                 </a:spcBef>
@@ -6586,9 +6504,6 @@
                 </a:spcAft>
                 <a:buNone/>
               </a:pPr>
-              <a:r>
-                <a:t/>
-              </a:r>
               <a:endParaRPr/>
             </a:p>
           </p:txBody>
@@ -6606,7 +6521,7 @@
             </a:xfrm>
             <a:prstGeom prst="diagStripe">
               <a:avLst>
-                <a:gd fmla="val 50000" name="adj"/>
+                <a:gd name="adj" fmla="val 50000"/>
               </a:avLst>
             </a:prstGeom>
             <a:solidFill>
@@ -6617,12 +6532,12 @@
             </a:ln>
           </p:spPr>
           <p:txBody>
-            <a:bodyPr anchorCtr="0" anchor="ctr" bIns="91425" lIns="91425" spcFirstLastPara="1" rIns="91425" wrap="square" tIns="91425">
+            <a:bodyPr spcFirstLastPara="1" wrap="square" lIns="91425" tIns="91425" rIns="91425" bIns="91425" anchor="ctr" anchorCtr="0">
               <a:noAutofit/>
             </a:bodyPr>
             <a:lstStyle/>
             <a:p>
-              <a:pPr indent="0" lvl="0" marL="0" rtl="0" algn="l">
+              <a:pPr marL="0" lvl="0" indent="0" algn="l" rtl="0">
                 <a:spcBef>
                   <a:spcPts val="0"/>
                 </a:spcBef>
@@ -6631,9 +6546,6 @@
                 </a:spcAft>
                 <a:buNone/>
               </a:pPr>
-              <a:r>
-                <a:t/>
-              </a:r>
               <a:endParaRPr/>
             </a:p>
           </p:txBody>
@@ -6651,7 +6563,7 @@
             </a:xfrm>
             <a:prstGeom prst="diagStripe">
               <a:avLst>
-                <a:gd fmla="val 50000" name="adj"/>
+                <a:gd name="adj" fmla="val 50000"/>
               </a:avLst>
             </a:prstGeom>
             <a:solidFill>
@@ -6664,12 +6576,12 @@
             </a:ln>
           </p:spPr>
           <p:txBody>
-            <a:bodyPr anchorCtr="0" anchor="ctr" bIns="91425" lIns="91425" spcFirstLastPara="1" rIns="91425" wrap="square" tIns="91425">
+            <a:bodyPr spcFirstLastPara="1" wrap="square" lIns="91425" tIns="91425" rIns="91425" bIns="91425" anchor="ctr" anchorCtr="0">
               <a:noAutofit/>
             </a:bodyPr>
             <a:lstStyle/>
             <a:p>
-              <a:pPr indent="0" lvl="0" marL="0" rtl="0" algn="l">
+              <a:pPr marL="0" lvl="0" indent="0" algn="l" rtl="0">
                 <a:spcBef>
                   <a:spcPts val="0"/>
                 </a:spcBef>
@@ -6678,9 +6590,6 @@
                 </a:spcAft>
                 <a:buNone/>
               </a:pPr>
-              <a:r>
-                <a:t/>
-              </a:r>
               <a:endParaRPr/>
             </a:p>
           </p:txBody>
@@ -6698,7 +6607,7 @@
             </a:xfrm>
             <a:prstGeom prst="diagStripe">
               <a:avLst>
-                <a:gd fmla="val 50000" name="adj"/>
+                <a:gd name="adj" fmla="val 50000"/>
               </a:avLst>
             </a:prstGeom>
             <a:solidFill>
@@ -6711,12 +6620,12 @@
             </a:ln>
           </p:spPr>
           <p:txBody>
-            <a:bodyPr anchorCtr="0" anchor="ctr" bIns="91425" lIns="91425" spcFirstLastPara="1" rIns="91425" wrap="square" tIns="91425">
+            <a:bodyPr spcFirstLastPara="1" wrap="square" lIns="91425" tIns="91425" rIns="91425" bIns="91425" anchor="ctr" anchorCtr="0">
               <a:noAutofit/>
             </a:bodyPr>
             <a:lstStyle/>
             <a:p>
-              <a:pPr indent="0" lvl="0" marL="0" rtl="0" algn="l">
+              <a:pPr marL="0" lvl="0" indent="0" algn="l" rtl="0">
                 <a:spcBef>
                   <a:spcPts val="0"/>
                 </a:spcBef>
@@ -6725,9 +6634,6 @@
                 </a:spcAft>
                 <a:buNone/>
               </a:pPr>
-              <a:r>
-                <a:t/>
-              </a:r>
               <a:endParaRPr/>
             </a:p>
           </p:txBody>
@@ -6745,7 +6651,7 @@
             </a:xfrm>
             <a:prstGeom prst="diagStripe">
               <a:avLst>
-                <a:gd fmla="val 50000" name="adj"/>
+                <a:gd name="adj" fmla="val 50000"/>
               </a:avLst>
             </a:prstGeom>
             <a:solidFill>
@@ -6758,12 +6664,12 @@
             </a:ln>
           </p:spPr>
           <p:txBody>
-            <a:bodyPr anchorCtr="0" anchor="ctr" bIns="91425" lIns="91425" spcFirstLastPara="1" rIns="91425" wrap="square" tIns="91425">
+            <a:bodyPr spcFirstLastPara="1" wrap="square" lIns="91425" tIns="91425" rIns="91425" bIns="91425" anchor="ctr" anchorCtr="0">
               <a:noAutofit/>
             </a:bodyPr>
             <a:lstStyle/>
             <a:p>
-              <a:pPr indent="0" lvl="0" marL="0" rtl="0" algn="l">
+              <a:pPr marL="0" lvl="0" indent="0" algn="l" rtl="0">
                 <a:spcBef>
                   <a:spcPts val="0"/>
                 </a:spcBef>
@@ -6772,9 +6678,6 @@
                 </a:spcAft>
                 <a:buNone/>
               </a:pPr>
-              <a:r>
-                <a:t/>
-              </a:r>
               <a:endParaRPr/>
             </a:p>
           </p:txBody>
@@ -6792,7 +6695,7 @@
             </a:xfrm>
             <a:prstGeom prst="diagStripe">
               <a:avLst>
-                <a:gd fmla="val 50000" name="adj"/>
+                <a:gd name="adj" fmla="val 50000"/>
               </a:avLst>
             </a:prstGeom>
             <a:solidFill>
@@ -6805,12 +6708,12 @@
             </a:ln>
           </p:spPr>
           <p:txBody>
-            <a:bodyPr anchorCtr="0" anchor="ctr" bIns="91425" lIns="91425" spcFirstLastPara="1" rIns="91425" wrap="square" tIns="91425">
+            <a:bodyPr spcFirstLastPara="1" wrap="square" lIns="91425" tIns="91425" rIns="91425" bIns="91425" anchor="ctr" anchorCtr="0">
               <a:noAutofit/>
             </a:bodyPr>
             <a:lstStyle/>
             <a:p>
-              <a:pPr indent="0" lvl="0" marL="0" rtl="0" algn="l">
+              <a:pPr marL="0" lvl="0" indent="0" algn="l" rtl="0">
                 <a:spcBef>
                   <a:spcPts val="0"/>
                 </a:spcBef>
@@ -6819,9 +6722,6 @@
                 </a:spcAft>
                 <a:buNone/>
               </a:pPr>
-              <a:r>
-                <a:t/>
-              </a:r>
               <a:endParaRPr/>
             </a:p>
           </p:txBody>
@@ -6830,7 +6730,9 @@
       <p:sp>
         <p:nvSpPr>
           <p:cNvPr id="89" name="Google Shape;89;p8"/>
-          <p:cNvSpPr txBox="1"/>
+          <p:cNvSpPr txBox="1">
+            <a:spLocks noGrp="1"/>
+          </p:cNvSpPr>
           <p:nvPr>
             <p:ph type="title"/>
           </p:nvPr>
@@ -6845,7 +6747,7 @@
           </a:prstGeom>
         </p:spPr>
         <p:txBody>
-          <a:bodyPr anchorCtr="0" anchor="ctr" bIns="91425" lIns="91425" spcFirstLastPara="1" rIns="91425" wrap="square" tIns="91425">
+          <a:bodyPr spcFirstLastPara="1" wrap="square" lIns="91425" tIns="91425" rIns="91425" bIns="91425" anchor="ctr" anchorCtr="0">
             <a:normAutofit/>
           </a:bodyPr>
           <a:lstStyle>
@@ -6949,15 +6851,19 @@
               <a:defRPr/>
             </a:lvl9pPr>
           </a:lstStyle>
-          <a:p/>
+          <a:p>
+            <a:endParaRPr/>
+          </a:p>
         </p:txBody>
       </p:sp>
       <p:sp>
         <p:nvSpPr>
           <p:cNvPr id="90" name="Google Shape;90;p8"/>
-          <p:cNvSpPr txBox="1"/>
+          <p:cNvSpPr txBox="1">
+            <a:spLocks noGrp="1"/>
+          </p:cNvSpPr>
           <p:nvPr>
-            <p:ph idx="12" type="sldNum"/>
+            <p:ph type="sldNum" idx="12"/>
           </p:nvPr>
         </p:nvSpPr>
         <p:spPr>
@@ -6970,7 +6876,7 @@
           </a:prstGeom>
         </p:spPr>
         <p:txBody>
-          <a:bodyPr anchorCtr="0" anchor="ctr" bIns="91425" lIns="91425" spcFirstLastPara="1" rIns="91425" wrap="square" tIns="91425">
+          <a:bodyPr spcFirstLastPara="1" wrap="square" lIns="91425" tIns="91425" rIns="91425" bIns="91425" anchor="ctr" anchorCtr="0">
             <a:normAutofit/>
           </a:bodyPr>
           <a:lstStyle>
@@ -7012,7 +6918,7 @@
             </a:lvl9pPr>
           </a:lstStyle>
           <a:p>
-            <a:pPr indent="0" lvl="0" marL="0" rtl="0" algn="r">
+            <a:pPr marL="0" lvl="0" indent="0" algn="r" rtl="0">
               <a:spcBef>
                 <a:spcPts val="0"/>
               </a:spcBef>
@@ -7038,11 +6944,11 @@
 </file>
 
 <file path=ppt/slideLayouts/slideLayout8.xml><?xml version="1.0" encoding="utf-8"?>
-<p:sldLayout xmlns:a="http://schemas.openxmlformats.org/drawingml/2006/main" xmlns:r="http://schemas.openxmlformats.org/officeDocument/2006/relationships" xmlns:mc="http://schemas.openxmlformats.org/markup-compatibility/2006" xmlns:mv="urn:schemas-microsoft-com:mac:vml" xmlns:p="http://schemas.openxmlformats.org/presentationml/2006/main" xmlns:c="http://schemas.openxmlformats.org/drawingml/2006/chart" xmlns:dgm="http://schemas.openxmlformats.org/drawingml/2006/diagram" xmlns:o="urn:schemas-microsoft-com:office:office" xmlns:v="urn:schemas-microsoft-com:vml" xmlns:pvml="urn:schemas-microsoft-com:office:powerpoint" xmlns:com="http://schemas.openxmlformats.org/drawingml/2006/compatibility" xmlns:p14="http://schemas.microsoft.com/office/powerpoint/2010/main" xmlns:p15="http://schemas.microsoft.com/office/powerpoint/2012/main" xmlns:ahyp="http://schemas.microsoft.com/office/drawing/2018/hyperlinkcolor" matchingName="Section title and description">
+<p:sldLayout xmlns:a="http://schemas.openxmlformats.org/drawingml/2006/main" xmlns:r="http://schemas.openxmlformats.org/officeDocument/2006/relationships" xmlns:p="http://schemas.openxmlformats.org/presentationml/2006/main" matchingName="Section title and description">
   <p:cSld name="SECTION_TITLE_AND_DESCRIPTION">
     <p:spTree>
       <p:nvGrpSpPr>
-        <p:cNvPr id="91" name="Shape 91"/>
+        <p:cNvPr id="1" name="Shape 91"/>
         <p:cNvGrpSpPr/>
         <p:nvPr/>
       </p:nvGrpSpPr>
@@ -7081,7 +6987,7 @@
             </a:xfrm>
             <a:prstGeom prst="diagStripe">
               <a:avLst>
-                <a:gd fmla="val 50000" name="adj"/>
+                <a:gd name="adj" fmla="val 50000"/>
               </a:avLst>
             </a:prstGeom>
             <a:solidFill>
@@ -7092,12 +6998,12 @@
             </a:ln>
           </p:spPr>
           <p:txBody>
-            <a:bodyPr anchorCtr="0" anchor="ctr" bIns="91425" lIns="91425" spcFirstLastPara="1" rIns="91425" wrap="square" tIns="91425">
+            <a:bodyPr spcFirstLastPara="1" wrap="square" lIns="91425" tIns="91425" rIns="91425" bIns="91425" anchor="ctr" anchorCtr="0">
               <a:noAutofit/>
             </a:bodyPr>
             <a:lstStyle/>
             <a:p>
-              <a:pPr indent="0" lvl="0" marL="0" rtl="0" algn="l">
+              <a:pPr marL="0" lvl="0" indent="0" algn="l" rtl="0">
                 <a:spcBef>
                   <a:spcPts val="0"/>
                 </a:spcBef>
@@ -7106,9 +7012,6 @@
                 </a:spcAft>
                 <a:buNone/>
               </a:pPr>
-              <a:r>
-                <a:t/>
-              </a:r>
               <a:endParaRPr/>
             </a:p>
           </p:txBody>
@@ -7126,7 +7029,7 @@
             </a:xfrm>
             <a:prstGeom prst="diagStripe">
               <a:avLst>
-                <a:gd fmla="val 50000" name="adj"/>
+                <a:gd name="adj" fmla="val 50000"/>
               </a:avLst>
             </a:prstGeom>
             <a:solidFill>
@@ -7137,12 +7040,12 @@
             </a:ln>
           </p:spPr>
           <p:txBody>
-            <a:bodyPr anchorCtr="0" anchor="ctr" bIns="91425" lIns="91425" spcFirstLastPara="1" rIns="91425" wrap="square" tIns="91425">
+            <a:bodyPr spcFirstLastPara="1" wrap="square" lIns="91425" tIns="91425" rIns="91425" bIns="91425" anchor="ctr" anchorCtr="0">
               <a:noAutofit/>
             </a:bodyPr>
             <a:lstStyle/>
             <a:p>
-              <a:pPr indent="0" lvl="0" marL="0" rtl="0" algn="l">
+              <a:pPr marL="0" lvl="0" indent="0" algn="l" rtl="0">
                 <a:spcBef>
                   <a:spcPts val="0"/>
                 </a:spcBef>
@@ -7151,9 +7054,6 @@
                 </a:spcAft>
                 <a:buNone/>
               </a:pPr>
-              <a:r>
-                <a:t/>
-              </a:r>
               <a:endParaRPr/>
             </a:p>
           </p:txBody>
@@ -7162,7 +7062,9 @@
       <p:sp>
         <p:nvSpPr>
           <p:cNvPr id="95" name="Google Shape;95;p9"/>
-          <p:cNvSpPr txBox="1"/>
+          <p:cNvSpPr txBox="1">
+            <a:spLocks noGrp="1"/>
+          </p:cNvSpPr>
           <p:nvPr>
             <p:ph type="title"/>
           </p:nvPr>
@@ -7177,7 +7079,7 @@
           </a:prstGeom>
         </p:spPr>
         <p:txBody>
-          <a:bodyPr anchorCtr="0" anchor="t" bIns="91425" lIns="91425" spcFirstLastPara="1" rIns="91425" wrap="square" tIns="91425">
+          <a:bodyPr spcFirstLastPara="1" wrap="square" lIns="91425" tIns="91425" rIns="91425" bIns="91425" anchor="t" anchorCtr="0">
             <a:normAutofit/>
           </a:bodyPr>
           <a:lstStyle>
@@ -7281,15 +7183,19 @@
               <a:defRPr sz="2400"/>
             </a:lvl9pPr>
           </a:lstStyle>
-          <a:p/>
+          <a:p>
+            <a:endParaRPr/>
+          </a:p>
         </p:txBody>
       </p:sp>
       <p:sp>
         <p:nvSpPr>
           <p:cNvPr id="96" name="Google Shape;96;p9"/>
-          <p:cNvSpPr txBox="1"/>
+          <p:cNvSpPr txBox="1">
+            <a:spLocks noGrp="1"/>
+          </p:cNvSpPr>
           <p:nvPr>
-            <p:ph idx="1" type="subTitle"/>
+            <p:ph type="subTitle" idx="1"/>
           </p:nvPr>
         </p:nvSpPr>
         <p:spPr>
@@ -7302,7 +7208,7 @@
           </a:prstGeom>
         </p:spPr>
         <p:txBody>
-          <a:bodyPr anchorCtr="0" anchor="t" bIns="91425" lIns="91425" spcFirstLastPara="1" rIns="91425" wrap="square" tIns="91425">
+          <a:bodyPr spcFirstLastPara="1" wrap="square" lIns="91425" tIns="91425" rIns="91425" bIns="91425" anchor="t" anchorCtr="0">
             <a:normAutofit/>
           </a:bodyPr>
           <a:lstStyle>
@@ -7433,15 +7339,19 @@
               <a:defRPr sz="1300"/>
             </a:lvl9pPr>
           </a:lstStyle>
-          <a:p/>
+          <a:p>
+            <a:endParaRPr/>
+          </a:p>
         </p:txBody>
       </p:sp>
       <p:sp>
         <p:nvSpPr>
           <p:cNvPr id="97" name="Google Shape;97;p9"/>
-          <p:cNvSpPr txBox="1"/>
+          <p:cNvSpPr txBox="1">
+            <a:spLocks noGrp="1"/>
+          </p:cNvSpPr>
           <p:nvPr>
-            <p:ph idx="2" type="body"/>
+            <p:ph type="body" idx="2"/>
           </p:nvPr>
         </p:nvSpPr>
         <p:spPr>
@@ -7454,11 +7364,11 @@
           </a:prstGeom>
         </p:spPr>
         <p:txBody>
-          <a:bodyPr anchorCtr="0" anchor="t" bIns="91425" lIns="91425" spcFirstLastPara="1" rIns="91425" wrap="square" tIns="91425">
+          <a:bodyPr spcFirstLastPara="1" wrap="square" lIns="91425" tIns="91425" rIns="91425" bIns="91425" anchor="t" anchorCtr="0">
             <a:normAutofit/>
           </a:bodyPr>
           <a:lstStyle>
-            <a:lvl1pPr indent="-311150" lvl="0" marL="457200">
+            <a:lvl1pPr marL="457200" lvl="0" indent="-311150">
               <a:spcBef>
                 <a:spcPts val="0"/>
               </a:spcBef>
@@ -7469,7 +7379,7 @@
               <a:buChar char="●"/>
               <a:defRPr/>
             </a:lvl1pPr>
-            <a:lvl2pPr indent="-298450" lvl="1" marL="914400">
+            <a:lvl2pPr marL="914400" lvl="1" indent="-298450">
               <a:spcBef>
                 <a:spcPts val="0"/>
               </a:spcBef>
@@ -7480,7 +7390,7 @@
               <a:buChar char="○"/>
               <a:defRPr/>
             </a:lvl2pPr>
-            <a:lvl3pPr indent="-298450" lvl="2" marL="1371600">
+            <a:lvl3pPr marL="1371600" lvl="2" indent="-298450">
               <a:spcBef>
                 <a:spcPts val="0"/>
               </a:spcBef>
@@ -7491,7 +7401,7 @@
               <a:buChar char="■"/>
               <a:defRPr/>
             </a:lvl3pPr>
-            <a:lvl4pPr indent="-298450" lvl="3" marL="1828800">
+            <a:lvl4pPr marL="1828800" lvl="3" indent="-298450">
               <a:spcBef>
                 <a:spcPts val="0"/>
               </a:spcBef>
@@ -7502,7 +7412,7 @@
               <a:buChar char="●"/>
               <a:defRPr/>
             </a:lvl4pPr>
-            <a:lvl5pPr indent="-298450" lvl="4" marL="2286000">
+            <a:lvl5pPr marL="2286000" lvl="4" indent="-298450">
               <a:spcBef>
                 <a:spcPts val="0"/>
               </a:spcBef>
@@ -7513,7 +7423,7 @@
               <a:buChar char="○"/>
               <a:defRPr/>
             </a:lvl5pPr>
-            <a:lvl6pPr indent="-298450" lvl="5" marL="2743200">
+            <a:lvl6pPr marL="2743200" lvl="5" indent="-298450">
               <a:spcBef>
                 <a:spcPts val="0"/>
               </a:spcBef>
@@ -7524,7 +7434,7 @@
               <a:buChar char="■"/>
               <a:defRPr/>
             </a:lvl6pPr>
-            <a:lvl7pPr indent="-298450" lvl="6" marL="3200400">
+            <a:lvl7pPr marL="3200400" lvl="6" indent="-298450">
               <a:spcBef>
                 <a:spcPts val="0"/>
               </a:spcBef>
@@ -7535,7 +7445,7 @@
               <a:buChar char="●"/>
               <a:defRPr/>
             </a:lvl7pPr>
-            <a:lvl8pPr indent="-298450" lvl="7" marL="3657600">
+            <a:lvl8pPr marL="3657600" lvl="7" indent="-298450">
               <a:spcBef>
                 <a:spcPts val="0"/>
               </a:spcBef>
@@ -7546,7 +7456,7 @@
               <a:buChar char="○"/>
               <a:defRPr/>
             </a:lvl8pPr>
-            <a:lvl9pPr indent="-298450" lvl="8" marL="4114800">
+            <a:lvl9pPr marL="4114800" lvl="8" indent="-298450">
               <a:spcBef>
                 <a:spcPts val="0"/>
               </a:spcBef>
@@ -7558,15 +7468,19 @@
               <a:defRPr/>
             </a:lvl9pPr>
           </a:lstStyle>
-          <a:p/>
+          <a:p>
+            <a:endParaRPr/>
+          </a:p>
         </p:txBody>
       </p:sp>
       <p:sp>
         <p:nvSpPr>
           <p:cNvPr id="98" name="Google Shape;98;p9"/>
-          <p:cNvSpPr txBox="1"/>
+          <p:cNvSpPr txBox="1">
+            <a:spLocks noGrp="1"/>
+          </p:cNvSpPr>
           <p:nvPr>
-            <p:ph idx="12" type="sldNum"/>
+            <p:ph type="sldNum" idx="12"/>
           </p:nvPr>
         </p:nvSpPr>
         <p:spPr>
@@ -7579,7 +7493,7 @@
           </a:prstGeom>
         </p:spPr>
         <p:txBody>
-          <a:bodyPr anchorCtr="0" anchor="ctr" bIns="91425" lIns="91425" spcFirstLastPara="1" rIns="91425" wrap="square" tIns="91425">
+          <a:bodyPr spcFirstLastPara="1" wrap="square" lIns="91425" tIns="91425" rIns="91425" bIns="91425" anchor="ctr" anchorCtr="0">
             <a:normAutofit/>
           </a:bodyPr>
           <a:lstStyle>
@@ -7621,7 +7535,7 @@
             </a:lvl9pPr>
           </a:lstStyle>
           <a:p>
-            <a:pPr indent="0" lvl="0" marL="0" rtl="0" algn="r">
+            <a:pPr marL="0" lvl="0" indent="0" algn="r" rtl="0">
               <a:spcBef>
                 <a:spcPts val="0"/>
               </a:spcBef>
@@ -7647,11 +7561,11 @@
 </file>
 
 <file path=ppt/slideLayouts/slideLayout9.xml><?xml version="1.0" encoding="utf-8"?>
-<p:sldLayout xmlns:a="http://schemas.openxmlformats.org/drawingml/2006/main" xmlns:r="http://schemas.openxmlformats.org/officeDocument/2006/relationships" xmlns:mc="http://schemas.openxmlformats.org/markup-compatibility/2006" xmlns:mv="urn:schemas-microsoft-com:mac:vml" xmlns:p="http://schemas.openxmlformats.org/presentationml/2006/main" xmlns:c="http://schemas.openxmlformats.org/drawingml/2006/chart" xmlns:dgm="http://schemas.openxmlformats.org/drawingml/2006/diagram" xmlns:o="urn:schemas-microsoft-com:office:office" xmlns:v="urn:schemas-microsoft-com:vml" xmlns:pvml="urn:schemas-microsoft-com:office:powerpoint" xmlns:com="http://schemas.openxmlformats.org/drawingml/2006/compatibility" xmlns:p14="http://schemas.microsoft.com/office/powerpoint/2010/main" xmlns:p15="http://schemas.microsoft.com/office/powerpoint/2012/main" xmlns:ahyp="http://schemas.microsoft.com/office/drawing/2018/hyperlinkcolor" matchingName="Caption">
+<p:sldLayout xmlns:a="http://schemas.openxmlformats.org/drawingml/2006/main" xmlns:r="http://schemas.openxmlformats.org/officeDocument/2006/relationships" xmlns:p="http://schemas.openxmlformats.org/presentationml/2006/main" matchingName="Caption">
   <p:cSld name="CAPTION_ONLY">
     <p:spTree>
       <p:nvGrpSpPr>
-        <p:cNvPr id="99" name="Shape 99"/>
+        <p:cNvPr id="1" name="Shape 99"/>
         <p:cNvGrpSpPr/>
         <p:nvPr/>
       </p:nvGrpSpPr>
@@ -7690,7 +7604,7 @@
             </a:xfrm>
             <a:prstGeom prst="diagStripe">
               <a:avLst>
-                <a:gd fmla="val 50000" name="adj"/>
+                <a:gd name="adj" fmla="val 50000"/>
               </a:avLst>
             </a:prstGeom>
             <a:solidFill>
@@ -7703,12 +7617,12 @@
             </a:ln>
           </p:spPr>
           <p:txBody>
-            <a:bodyPr anchorCtr="0" anchor="ctr" bIns="91425" lIns="91425" spcFirstLastPara="1" rIns="91425" wrap="square" tIns="91425">
+            <a:bodyPr spcFirstLastPara="1" wrap="square" lIns="91425" tIns="91425" rIns="91425" bIns="91425" anchor="ctr" anchorCtr="0">
               <a:noAutofit/>
             </a:bodyPr>
             <a:lstStyle/>
             <a:p>
-              <a:pPr indent="0" lvl="0" marL="0" rtl="0" algn="l">
+              <a:pPr marL="0" lvl="0" indent="0" algn="l" rtl="0">
                 <a:spcBef>
                   <a:spcPts val="0"/>
                 </a:spcBef>
@@ -7717,9 +7631,6 @@
                 </a:spcAft>
                 <a:buNone/>
               </a:pPr>
-              <a:r>
-                <a:t/>
-              </a:r>
               <a:endParaRPr/>
             </a:p>
           </p:txBody>
@@ -7737,7 +7648,7 @@
             </a:xfrm>
             <a:prstGeom prst="diagStripe">
               <a:avLst>
-                <a:gd fmla="val 50000" name="adj"/>
+                <a:gd name="adj" fmla="val 50000"/>
               </a:avLst>
             </a:prstGeom>
             <a:solidFill>
@@ -7750,12 +7661,12 @@
             </a:ln>
           </p:spPr>
           <p:txBody>
-            <a:bodyPr anchorCtr="0" anchor="ctr" bIns="91425" lIns="91425" spcFirstLastPara="1" rIns="91425" wrap="square" tIns="91425">
+            <a:bodyPr spcFirstLastPara="1" wrap="square" lIns="91425" tIns="91425" rIns="91425" bIns="91425" anchor="ctr" anchorCtr="0">
               <a:noAutofit/>
             </a:bodyPr>
             <a:lstStyle/>
             <a:p>
-              <a:pPr indent="0" lvl="0" marL="0" rtl="0" algn="l">
+              <a:pPr marL="0" lvl="0" indent="0" algn="l" rtl="0">
                 <a:spcBef>
                   <a:spcPts val="0"/>
                 </a:spcBef>
@@ -7764,9 +7675,6 @@
                 </a:spcAft>
                 <a:buNone/>
               </a:pPr>
-              <a:r>
-                <a:t/>
-              </a:r>
               <a:endParaRPr/>
             </a:p>
           </p:txBody>
@@ -7775,9 +7683,11 @@
       <p:sp>
         <p:nvSpPr>
           <p:cNvPr id="103" name="Google Shape;103;p10"/>
-          <p:cNvSpPr txBox="1"/>
+          <p:cNvSpPr txBox="1">
+            <a:spLocks noGrp="1"/>
+          </p:cNvSpPr>
           <p:nvPr>
-            <p:ph idx="1" type="body"/>
+            <p:ph type="body" idx="1"/>
           </p:nvPr>
         </p:nvSpPr>
         <p:spPr>
@@ -7790,11 +7700,11 @@
           </a:prstGeom>
         </p:spPr>
         <p:txBody>
-          <a:bodyPr anchorCtr="0" anchor="ctr" bIns="91425" lIns="91425" spcFirstLastPara="1" rIns="91425" wrap="square" tIns="91425">
+          <a:bodyPr spcFirstLastPara="1" wrap="square" lIns="91425" tIns="91425" rIns="91425" bIns="91425" anchor="ctr" anchorCtr="0">
             <a:normAutofit/>
           </a:bodyPr>
           <a:lstStyle>
-            <a:lvl1pPr indent="-228600" lvl="0" marL="457200">
+            <a:lvl1pPr marL="457200" lvl="0" indent="-228600">
               <a:lnSpc>
                 <a:spcPct val="100000"/>
               </a:lnSpc>
@@ -7809,15 +7719,19 @@
               <a:defRPr/>
             </a:lvl1pPr>
           </a:lstStyle>
-          <a:p/>
+          <a:p>
+            <a:endParaRPr/>
+          </a:p>
         </p:txBody>
       </p:sp>
       <p:sp>
         <p:nvSpPr>
           <p:cNvPr id="104" name="Google Shape;104;p10"/>
-          <p:cNvSpPr txBox="1"/>
+          <p:cNvSpPr txBox="1">
+            <a:spLocks noGrp="1"/>
+          </p:cNvSpPr>
           <p:nvPr>
-            <p:ph idx="12" type="sldNum"/>
+            <p:ph type="sldNum" idx="12"/>
           </p:nvPr>
         </p:nvSpPr>
         <p:spPr>
@@ -7830,7 +7744,7 @@
           </a:prstGeom>
         </p:spPr>
         <p:txBody>
-          <a:bodyPr anchorCtr="0" anchor="ctr" bIns="91425" lIns="91425" spcFirstLastPara="1" rIns="91425" wrap="square" tIns="91425">
+          <a:bodyPr spcFirstLastPara="1" wrap="square" lIns="91425" tIns="91425" rIns="91425" bIns="91425" anchor="ctr" anchorCtr="0">
             <a:normAutofit/>
           </a:bodyPr>
           <a:lstStyle>
@@ -7872,7 +7786,7 @@
             </a:lvl9pPr>
           </a:lstStyle>
           <a:p>
-            <a:pPr indent="0" lvl="0" marL="0" rtl="0" algn="r">
+            <a:pPr marL="0" lvl="0" indent="0" algn="r" rtl="0">
               <a:spcBef>
                 <a:spcPts val="0"/>
               </a:spcBef>
@@ -7898,18 +7812,19 @@
 </file>
 
 <file path=ppt/slideMasters/slideMaster1.xml><?xml version="1.0" encoding="utf-8"?>
-<p:sldMaster xmlns:a="http://schemas.openxmlformats.org/drawingml/2006/main" xmlns:r="http://schemas.openxmlformats.org/officeDocument/2006/relationships" xmlns:mc="http://schemas.openxmlformats.org/markup-compatibility/2006" xmlns:mv="urn:schemas-microsoft-com:mac:vml" xmlns:p="http://schemas.openxmlformats.org/presentationml/2006/main" xmlns:c="http://schemas.openxmlformats.org/drawingml/2006/chart" xmlns:dgm="http://schemas.openxmlformats.org/drawingml/2006/diagram" xmlns:o="urn:schemas-microsoft-com:office:office" xmlns:v="urn:schemas-microsoft-com:vml" xmlns:pvml="urn:schemas-microsoft-com:office:powerpoint" xmlns:com="http://schemas.openxmlformats.org/drawingml/2006/compatibility" xmlns:p14="http://schemas.microsoft.com/office/powerpoint/2010/main" xmlns:p15="http://schemas.microsoft.com/office/powerpoint/2012/main" xmlns:ahyp="http://schemas.microsoft.com/office/drawing/2018/hyperlinkcolor">
+<p:sldMaster xmlns:a="http://schemas.openxmlformats.org/drawingml/2006/main" xmlns:r="http://schemas.openxmlformats.org/officeDocument/2006/relationships" xmlns:p="http://schemas.openxmlformats.org/presentationml/2006/main">
   <p:cSld name="focus">
     <p:bg>
       <p:bgPr>
         <a:solidFill>
           <a:schemeClr val="dk1"/>
         </a:solidFill>
+        <a:effectLst/>
       </p:bgPr>
     </p:bg>
     <p:spTree>
       <p:nvGrpSpPr>
-        <p:cNvPr id="5" name="Shape 5"/>
+        <p:cNvPr id="1" name="Shape 5"/>
         <p:cNvGrpSpPr/>
         <p:nvPr/>
       </p:nvGrpSpPr>
@@ -7924,7 +7839,9 @@
       <p:sp>
         <p:nvSpPr>
           <p:cNvPr id="6" name="Google Shape;6;p1"/>
-          <p:cNvSpPr txBox="1"/>
+          <p:cNvSpPr txBox="1">
+            <a:spLocks noGrp="1"/>
+          </p:cNvSpPr>
           <p:nvPr>
             <p:ph type="title"/>
           </p:nvPr>
@@ -7943,7 +7860,7 @@
           </a:ln>
         </p:spPr>
         <p:txBody>
-          <a:bodyPr anchorCtr="0" anchor="t" bIns="91425" lIns="91425" spcFirstLastPara="1" rIns="91425" wrap="square" tIns="91425">
+          <a:bodyPr spcFirstLastPara="1" wrap="square" lIns="91425" tIns="91425" rIns="91425" bIns="91425" anchor="t" anchorCtr="0">
             <a:normAutofit/>
           </a:bodyPr>
           <a:lstStyle>
@@ -8155,15 +8072,19 @@
               </a:defRPr>
             </a:lvl9pPr>
           </a:lstStyle>
-          <a:p/>
+          <a:p>
+            <a:endParaRPr/>
+          </a:p>
         </p:txBody>
       </p:sp>
       <p:sp>
         <p:nvSpPr>
           <p:cNvPr id="7" name="Google Shape;7;p1"/>
-          <p:cNvSpPr txBox="1"/>
+          <p:cNvSpPr txBox="1">
+            <a:spLocks noGrp="1"/>
+          </p:cNvSpPr>
           <p:nvPr>
-            <p:ph idx="1" type="body"/>
+            <p:ph type="body" idx="1"/>
           </p:nvPr>
         </p:nvSpPr>
         <p:spPr>
@@ -8180,11 +8101,11 @@
           </a:ln>
         </p:spPr>
         <p:txBody>
-          <a:bodyPr anchorCtr="0" anchor="t" bIns="91425" lIns="91425" spcFirstLastPara="1" rIns="91425" wrap="square" tIns="91425">
+          <a:bodyPr spcFirstLastPara="1" wrap="square" lIns="91425" tIns="91425" rIns="91425" bIns="91425" anchor="t" anchorCtr="0">
             <a:normAutofit/>
           </a:bodyPr>
           <a:lstStyle>
-            <a:lvl1pPr indent="-311150" lvl="0" marL="457200">
+            <a:lvl1pPr marL="457200" lvl="0" indent="-311150">
               <a:lnSpc>
                 <a:spcPct val="115000"/>
               </a:lnSpc>
@@ -8210,7 +8131,7 @@
                 <a:sym typeface="Lato"/>
               </a:defRPr>
             </a:lvl1pPr>
-            <a:lvl2pPr indent="-298450" lvl="1" marL="914400">
+            <a:lvl2pPr marL="914400" lvl="1" indent="-298450">
               <a:lnSpc>
                 <a:spcPct val="115000"/>
               </a:lnSpc>
@@ -8236,7 +8157,7 @@
                 <a:sym typeface="Lato"/>
               </a:defRPr>
             </a:lvl2pPr>
-            <a:lvl3pPr indent="-298450" lvl="2" marL="1371600">
+            <a:lvl3pPr marL="1371600" lvl="2" indent="-298450">
               <a:lnSpc>
                 <a:spcPct val="115000"/>
               </a:lnSpc>
@@ -8262,7 +8183,7 @@
                 <a:sym typeface="Lato"/>
               </a:defRPr>
             </a:lvl3pPr>
-            <a:lvl4pPr indent="-298450" lvl="3" marL="1828800">
+            <a:lvl4pPr marL="1828800" lvl="3" indent="-298450">
               <a:lnSpc>
                 <a:spcPct val="115000"/>
               </a:lnSpc>
@@ -8288,7 +8209,7 @@
                 <a:sym typeface="Lato"/>
               </a:defRPr>
             </a:lvl4pPr>
-            <a:lvl5pPr indent="-298450" lvl="4" marL="2286000">
+            <a:lvl5pPr marL="2286000" lvl="4" indent="-298450">
               <a:lnSpc>
                 <a:spcPct val="115000"/>
               </a:lnSpc>
@@ -8314,7 +8235,7 @@
                 <a:sym typeface="Lato"/>
               </a:defRPr>
             </a:lvl5pPr>
-            <a:lvl6pPr indent="-298450" lvl="5" marL="2743200">
+            <a:lvl6pPr marL="2743200" lvl="5" indent="-298450">
               <a:lnSpc>
                 <a:spcPct val="115000"/>
               </a:lnSpc>
@@ -8340,7 +8261,7 @@
                 <a:sym typeface="Lato"/>
               </a:defRPr>
             </a:lvl6pPr>
-            <a:lvl7pPr indent="-298450" lvl="6" marL="3200400">
+            <a:lvl7pPr marL="3200400" lvl="6" indent="-298450">
               <a:lnSpc>
                 <a:spcPct val="115000"/>
               </a:lnSpc>
@@ -8366,7 +8287,7 @@
                 <a:sym typeface="Lato"/>
               </a:defRPr>
             </a:lvl7pPr>
-            <a:lvl8pPr indent="-298450" lvl="7" marL="3657600">
+            <a:lvl8pPr marL="3657600" lvl="7" indent="-298450">
               <a:lnSpc>
                 <a:spcPct val="115000"/>
               </a:lnSpc>
@@ -8392,7 +8313,7 @@
                 <a:sym typeface="Lato"/>
               </a:defRPr>
             </a:lvl8pPr>
-            <a:lvl9pPr indent="-298450" lvl="8" marL="4114800">
+            <a:lvl9pPr marL="4114800" lvl="8" indent="-298450">
               <a:lnSpc>
                 <a:spcPct val="115000"/>
               </a:lnSpc>
@@ -8419,15 +8340,19 @@
               </a:defRPr>
             </a:lvl9pPr>
           </a:lstStyle>
-          <a:p/>
+          <a:p>
+            <a:endParaRPr/>
+          </a:p>
         </p:txBody>
       </p:sp>
       <p:sp>
         <p:nvSpPr>
           <p:cNvPr id="8" name="Google Shape;8;p1"/>
-          <p:cNvSpPr txBox="1"/>
+          <p:cNvSpPr txBox="1">
+            <a:spLocks noGrp="1"/>
+          </p:cNvSpPr>
           <p:nvPr>
-            <p:ph idx="12" type="sldNum"/>
+            <p:ph type="sldNum" idx="12"/>
           </p:nvPr>
         </p:nvSpPr>
         <p:spPr>
@@ -8444,7 +8369,7 @@
           </a:ln>
         </p:spPr>
         <p:txBody>
-          <a:bodyPr anchorCtr="0" anchor="ctr" bIns="91425" lIns="91425" spcFirstLastPara="1" rIns="91425" wrap="square" tIns="91425">
+          <a:bodyPr spcFirstLastPara="1" wrap="square" lIns="91425" tIns="91425" rIns="91425" bIns="91425" anchor="ctr" anchorCtr="0">
             <a:normAutofit/>
           </a:bodyPr>
           <a:lstStyle>
@@ -8558,7 +8483,7 @@
             </a:lvl9pPr>
           </a:lstStyle>
           <a:p>
-            <a:pPr indent="0" lvl="0" marL="0" rtl="0" algn="r">
+            <a:pPr marL="0" lvl="0" indent="0" algn="r" rtl="0">
               <a:spcBef>
                 <a:spcPts val="0"/>
               </a:spcBef>
@@ -8577,7 +8502,7 @@
       </p:sp>
     </p:spTree>
   </p:cSld>
-  <p:clrMap accent1="accent1" accent2="accent2" accent3="accent3" accent4="accent4" accent5="accent5" accent6="accent6" bg1="lt1" bg2="dk2" tx1="dk1" tx2="lt2" folHlink="folHlink" hlink="hlink"/>
+  <p:clrMap bg1="lt1" tx1="dk1" bg2="dk2" tx2="lt2" accent1="accent1" accent2="accent2" accent3="accent3" accent4="accent4" accent5="accent5" accent6="accent6" hlink="hlink" folHlink="folHlink"/>
   <p:sldLayoutIdLst>
     <p:sldLayoutId id="2147483648" r:id="rId1"/>
     <p:sldLayoutId id="2147483649" r:id="rId2"/>
@@ -8591,10 +8516,10 @@
     <p:sldLayoutId id="2147483657" r:id="rId10"/>
     <p:sldLayoutId id="2147483658" r:id="rId11"/>
   </p:sldLayoutIdLst>
-  <p:hf dt="0" ftr="0" hdr="0" sldNum="0"/>
+  <p:hf sldNum="0" hdr="0" ftr="0" dt="0"/>
   <p:txStyles>
     <p:titleStyle>
-      <a:defPPr lvl="0" marR="0" rtl="0" algn="l">
+      <a:defPPr marR="0" lvl="0" algn="l" rtl="0">
         <a:lnSpc>
           <a:spcPct val="100000"/>
         </a:lnSpc>
@@ -8605,7 +8530,7 @@
           <a:spcPts val="0"/>
         </a:spcAft>
       </a:defPPr>
-      <a:lvl1pPr lvl="0" marR="0" rtl="0" algn="l">
+      <a:lvl1pPr marR="0" lvl="0" algn="l" rtl="0">
         <a:lnSpc>
           <a:spcPct val="100000"/>
         </a:lnSpc>
@@ -8619,7 +8544,7 @@
           <a:srgbClr val="000000"/>
         </a:buClr>
         <a:buFont typeface="Arial"/>
-        <a:defRPr b="0" i="0" sz="1400" u="none" cap="none" strike="noStrike">
+        <a:defRPr sz="1400" b="0" i="0" u="none" strike="noStrike" cap="none">
           <a:solidFill>
             <a:srgbClr val="000000"/>
           </a:solidFill>
@@ -8629,7 +8554,7 @@
           <a:sym typeface="Arial"/>
         </a:defRPr>
       </a:lvl1pPr>
-      <a:lvl2pPr lvl="1" marR="0" rtl="0" algn="l">
+      <a:lvl2pPr marR="0" lvl="1" algn="l" rtl="0">
         <a:lnSpc>
           <a:spcPct val="100000"/>
         </a:lnSpc>
@@ -8643,7 +8568,7 @@
           <a:srgbClr val="000000"/>
         </a:buClr>
         <a:buFont typeface="Arial"/>
-        <a:defRPr b="0" i="0" sz="1400" u="none" cap="none" strike="noStrike">
+        <a:defRPr sz="1400" b="0" i="0" u="none" strike="noStrike" cap="none">
           <a:solidFill>
             <a:srgbClr val="000000"/>
           </a:solidFill>
@@ -8653,7 +8578,7 @@
           <a:sym typeface="Arial"/>
         </a:defRPr>
       </a:lvl2pPr>
-      <a:lvl3pPr lvl="2" marR="0" rtl="0" algn="l">
+      <a:lvl3pPr marR="0" lvl="2" algn="l" rtl="0">
         <a:lnSpc>
           <a:spcPct val="100000"/>
         </a:lnSpc>
@@ -8667,7 +8592,7 @@
           <a:srgbClr val="000000"/>
         </a:buClr>
         <a:buFont typeface="Arial"/>
-        <a:defRPr b="0" i="0" sz="1400" u="none" cap="none" strike="noStrike">
+        <a:defRPr sz="1400" b="0" i="0" u="none" strike="noStrike" cap="none">
           <a:solidFill>
             <a:srgbClr val="000000"/>
           </a:solidFill>
@@ -8677,7 +8602,7 @@
           <a:sym typeface="Arial"/>
         </a:defRPr>
       </a:lvl3pPr>
-      <a:lvl4pPr lvl="3" marR="0" rtl="0" algn="l">
+      <a:lvl4pPr marR="0" lvl="3" algn="l" rtl="0">
         <a:lnSpc>
           <a:spcPct val="100000"/>
         </a:lnSpc>
@@ -8691,7 +8616,7 @@
           <a:srgbClr val="000000"/>
         </a:buClr>
         <a:buFont typeface="Arial"/>
-        <a:defRPr b="0" i="0" sz="1400" u="none" cap="none" strike="noStrike">
+        <a:defRPr sz="1400" b="0" i="0" u="none" strike="noStrike" cap="none">
           <a:solidFill>
             <a:srgbClr val="000000"/>
           </a:solidFill>
@@ -8701,7 +8626,7 @@
           <a:sym typeface="Arial"/>
         </a:defRPr>
       </a:lvl4pPr>
-      <a:lvl5pPr lvl="4" marR="0" rtl="0" algn="l">
+      <a:lvl5pPr marR="0" lvl="4" algn="l" rtl="0">
         <a:lnSpc>
           <a:spcPct val="100000"/>
         </a:lnSpc>
@@ -8715,7 +8640,7 @@
           <a:srgbClr val="000000"/>
         </a:buClr>
         <a:buFont typeface="Arial"/>
-        <a:defRPr b="0" i="0" sz="1400" u="none" cap="none" strike="noStrike">
+        <a:defRPr sz="1400" b="0" i="0" u="none" strike="noStrike" cap="none">
           <a:solidFill>
             <a:srgbClr val="000000"/>
           </a:solidFill>
@@ -8725,7 +8650,7 @@
           <a:sym typeface="Arial"/>
         </a:defRPr>
       </a:lvl5pPr>
-      <a:lvl6pPr lvl="5" marR="0" rtl="0" algn="l">
+      <a:lvl6pPr marR="0" lvl="5" algn="l" rtl="0">
         <a:lnSpc>
           <a:spcPct val="100000"/>
         </a:lnSpc>
@@ -8739,7 +8664,7 @@
           <a:srgbClr val="000000"/>
         </a:buClr>
         <a:buFont typeface="Arial"/>
-        <a:defRPr b="0" i="0" sz="1400" u="none" cap="none" strike="noStrike">
+        <a:defRPr sz="1400" b="0" i="0" u="none" strike="noStrike" cap="none">
           <a:solidFill>
             <a:srgbClr val="000000"/>
           </a:solidFill>
@@ -8749,7 +8674,7 @@
           <a:sym typeface="Arial"/>
         </a:defRPr>
       </a:lvl6pPr>
-      <a:lvl7pPr lvl="6" marR="0" rtl="0" algn="l">
+      <a:lvl7pPr marR="0" lvl="6" algn="l" rtl="0">
         <a:lnSpc>
           <a:spcPct val="100000"/>
         </a:lnSpc>
@@ -8763,7 +8688,7 @@
           <a:srgbClr val="000000"/>
         </a:buClr>
         <a:buFont typeface="Arial"/>
-        <a:defRPr b="0" i="0" sz="1400" u="none" cap="none" strike="noStrike">
+        <a:defRPr sz="1400" b="0" i="0" u="none" strike="noStrike" cap="none">
           <a:solidFill>
             <a:srgbClr val="000000"/>
           </a:solidFill>
@@ -8773,7 +8698,7 @@
           <a:sym typeface="Arial"/>
         </a:defRPr>
       </a:lvl7pPr>
-      <a:lvl8pPr lvl="7" marR="0" rtl="0" algn="l">
+      <a:lvl8pPr marR="0" lvl="7" algn="l" rtl="0">
         <a:lnSpc>
           <a:spcPct val="100000"/>
         </a:lnSpc>
@@ -8787,7 +8712,7 @@
           <a:srgbClr val="000000"/>
         </a:buClr>
         <a:buFont typeface="Arial"/>
-        <a:defRPr b="0" i="0" sz="1400" u="none" cap="none" strike="noStrike">
+        <a:defRPr sz="1400" b="0" i="0" u="none" strike="noStrike" cap="none">
           <a:solidFill>
             <a:srgbClr val="000000"/>
           </a:solidFill>
@@ -8797,7 +8722,7 @@
           <a:sym typeface="Arial"/>
         </a:defRPr>
       </a:lvl8pPr>
-      <a:lvl9pPr lvl="8" marR="0" rtl="0" algn="l">
+      <a:lvl9pPr marR="0" lvl="8" algn="l" rtl="0">
         <a:lnSpc>
           <a:spcPct val="100000"/>
         </a:lnSpc>
@@ -8811,7 +8736,7 @@
           <a:srgbClr val="000000"/>
         </a:buClr>
         <a:buFont typeface="Arial"/>
-        <a:defRPr b="0" i="0" sz="1400" u="none" cap="none" strike="noStrike">
+        <a:defRPr sz="1400" b="0" i="0" u="none" strike="noStrike" cap="none">
           <a:solidFill>
             <a:srgbClr val="000000"/>
           </a:solidFill>
@@ -8823,7 +8748,7 @@
       </a:lvl9pPr>
     </p:titleStyle>
     <p:bodyStyle>
-      <a:defPPr lvl="0" marR="0" rtl="0" algn="l">
+      <a:defPPr marR="0" lvl="0" algn="l" rtl="0">
         <a:lnSpc>
           <a:spcPct val="100000"/>
         </a:lnSpc>
@@ -8834,7 +8759,7 @@
           <a:spcPts val="0"/>
         </a:spcAft>
       </a:defPPr>
-      <a:lvl1pPr lvl="0" marR="0" rtl="0" algn="l">
+      <a:lvl1pPr marR="0" lvl="0" algn="l" rtl="0">
         <a:lnSpc>
           <a:spcPct val="100000"/>
         </a:lnSpc>
@@ -8848,7 +8773,7 @@
           <a:srgbClr val="000000"/>
         </a:buClr>
         <a:buFont typeface="Arial"/>
-        <a:defRPr b="0" i="0" sz="1400" u="none" cap="none" strike="noStrike">
+        <a:defRPr sz="1400" b="0" i="0" u="none" strike="noStrike" cap="none">
           <a:solidFill>
             <a:srgbClr val="000000"/>
           </a:solidFill>
@@ -8858,7 +8783,7 @@
           <a:sym typeface="Arial"/>
         </a:defRPr>
       </a:lvl1pPr>
-      <a:lvl2pPr lvl="1" marR="0" rtl="0" algn="l">
+      <a:lvl2pPr marR="0" lvl="1" algn="l" rtl="0">
         <a:lnSpc>
           <a:spcPct val="100000"/>
         </a:lnSpc>
@@ -8872,7 +8797,7 @@
           <a:srgbClr val="000000"/>
         </a:buClr>
         <a:buFont typeface="Arial"/>
-        <a:defRPr b="0" i="0" sz="1400" u="none" cap="none" strike="noStrike">
+        <a:defRPr sz="1400" b="0" i="0" u="none" strike="noStrike" cap="none">
           <a:solidFill>
             <a:srgbClr val="000000"/>
           </a:solidFill>
@@ -8882,7 +8807,7 @@
           <a:sym typeface="Arial"/>
         </a:defRPr>
       </a:lvl2pPr>
-      <a:lvl3pPr lvl="2" marR="0" rtl="0" algn="l">
+      <a:lvl3pPr marR="0" lvl="2" algn="l" rtl="0">
         <a:lnSpc>
           <a:spcPct val="100000"/>
         </a:lnSpc>
@@ -8896,7 +8821,7 @@
           <a:srgbClr val="000000"/>
         </a:buClr>
         <a:buFont typeface="Arial"/>
-        <a:defRPr b="0" i="0" sz="1400" u="none" cap="none" strike="noStrike">
+        <a:defRPr sz="1400" b="0" i="0" u="none" strike="noStrike" cap="none">
           <a:solidFill>
             <a:srgbClr val="000000"/>
           </a:solidFill>
@@ -8906,7 +8831,7 @@
           <a:sym typeface="Arial"/>
         </a:defRPr>
       </a:lvl3pPr>
-      <a:lvl4pPr lvl="3" marR="0" rtl="0" algn="l">
+      <a:lvl4pPr marR="0" lvl="3" algn="l" rtl="0">
         <a:lnSpc>
           <a:spcPct val="100000"/>
         </a:lnSpc>
@@ -8920,7 +8845,7 @@
           <a:srgbClr val="000000"/>
         </a:buClr>
         <a:buFont typeface="Arial"/>
-        <a:defRPr b="0" i="0" sz="1400" u="none" cap="none" strike="noStrike">
+        <a:defRPr sz="1400" b="0" i="0" u="none" strike="noStrike" cap="none">
           <a:solidFill>
             <a:srgbClr val="000000"/>
           </a:solidFill>
@@ -8930,7 +8855,7 @@
           <a:sym typeface="Arial"/>
         </a:defRPr>
       </a:lvl4pPr>
-      <a:lvl5pPr lvl="4" marR="0" rtl="0" algn="l">
+      <a:lvl5pPr marR="0" lvl="4" algn="l" rtl="0">
         <a:lnSpc>
           <a:spcPct val="100000"/>
         </a:lnSpc>
@@ -8944,7 +8869,7 @@
           <a:srgbClr val="000000"/>
         </a:buClr>
         <a:buFont typeface="Arial"/>
-        <a:defRPr b="0" i="0" sz="1400" u="none" cap="none" strike="noStrike">
+        <a:defRPr sz="1400" b="0" i="0" u="none" strike="noStrike" cap="none">
           <a:solidFill>
             <a:srgbClr val="000000"/>
           </a:solidFill>
@@ -8954,7 +8879,7 @@
           <a:sym typeface="Arial"/>
         </a:defRPr>
       </a:lvl5pPr>
-      <a:lvl6pPr lvl="5" marR="0" rtl="0" algn="l">
+      <a:lvl6pPr marR="0" lvl="5" algn="l" rtl="0">
         <a:lnSpc>
           <a:spcPct val="100000"/>
         </a:lnSpc>
@@ -8968,7 +8893,7 @@
           <a:srgbClr val="000000"/>
         </a:buClr>
         <a:buFont typeface="Arial"/>
-        <a:defRPr b="0" i="0" sz="1400" u="none" cap="none" strike="noStrike">
+        <a:defRPr sz="1400" b="0" i="0" u="none" strike="noStrike" cap="none">
           <a:solidFill>
             <a:srgbClr val="000000"/>
           </a:solidFill>
@@ -8978,7 +8903,7 @@
           <a:sym typeface="Arial"/>
         </a:defRPr>
       </a:lvl6pPr>
-      <a:lvl7pPr lvl="6" marR="0" rtl="0" algn="l">
+      <a:lvl7pPr marR="0" lvl="6" algn="l" rtl="0">
         <a:lnSpc>
           <a:spcPct val="100000"/>
         </a:lnSpc>
@@ -8992,7 +8917,7 @@
           <a:srgbClr val="000000"/>
         </a:buClr>
         <a:buFont typeface="Arial"/>
-        <a:defRPr b="0" i="0" sz="1400" u="none" cap="none" strike="noStrike">
+        <a:defRPr sz="1400" b="0" i="0" u="none" strike="noStrike" cap="none">
           <a:solidFill>
             <a:srgbClr val="000000"/>
           </a:solidFill>
@@ -9002,7 +8927,7 @@
           <a:sym typeface="Arial"/>
         </a:defRPr>
       </a:lvl7pPr>
-      <a:lvl8pPr lvl="7" marR="0" rtl="0" algn="l">
+      <a:lvl8pPr marR="0" lvl="7" algn="l" rtl="0">
         <a:lnSpc>
           <a:spcPct val="100000"/>
         </a:lnSpc>
@@ -9016,7 +8941,7 @@
           <a:srgbClr val="000000"/>
         </a:buClr>
         <a:buFont typeface="Arial"/>
-        <a:defRPr b="0" i="0" sz="1400" u="none" cap="none" strike="noStrike">
+        <a:defRPr sz="1400" b="0" i="0" u="none" strike="noStrike" cap="none">
           <a:solidFill>
             <a:srgbClr val="000000"/>
           </a:solidFill>
@@ -9026,7 +8951,7 @@
           <a:sym typeface="Arial"/>
         </a:defRPr>
       </a:lvl8pPr>
-      <a:lvl9pPr lvl="8" marR="0" rtl="0" algn="l">
+      <a:lvl9pPr marR="0" lvl="8" algn="l" rtl="0">
         <a:lnSpc>
           <a:spcPct val="100000"/>
         </a:lnSpc>
@@ -9040,7 +8965,7 @@
           <a:srgbClr val="000000"/>
         </a:buClr>
         <a:buFont typeface="Arial"/>
-        <a:defRPr b="0" i="0" sz="1400" u="none" cap="none" strike="noStrike">
+        <a:defRPr sz="1400" b="0" i="0" u="none" strike="noStrike" cap="none">
           <a:solidFill>
             <a:srgbClr val="000000"/>
           </a:solidFill>
@@ -9052,7 +8977,7 @@
       </a:lvl9pPr>
     </p:bodyStyle>
     <p:otherStyle>
-      <a:defPPr lvl="0" marR="0" rtl="0" algn="l">
+      <a:defPPr marR="0" lvl="0" algn="l" rtl="0">
         <a:lnSpc>
           <a:spcPct val="100000"/>
         </a:lnSpc>
@@ -9063,7 +8988,7 @@
           <a:spcPts val="0"/>
         </a:spcAft>
       </a:defPPr>
-      <a:lvl1pPr lvl="0" marR="0" rtl="0" algn="l">
+      <a:lvl1pPr marR="0" lvl="0" algn="l" rtl="0">
         <a:lnSpc>
           <a:spcPct val="100000"/>
         </a:lnSpc>
@@ -9077,7 +9002,7 @@
           <a:srgbClr val="000000"/>
         </a:buClr>
         <a:buFont typeface="Arial"/>
-        <a:defRPr b="0" i="0" sz="1400" u="none" cap="none" strike="noStrike">
+        <a:defRPr sz="1400" b="0" i="0" u="none" strike="noStrike" cap="none">
           <a:solidFill>
             <a:srgbClr val="000000"/>
           </a:solidFill>
@@ -9087,7 +9012,7 @@
           <a:sym typeface="Arial"/>
         </a:defRPr>
       </a:lvl1pPr>
-      <a:lvl2pPr lvl="1" marR="0" rtl="0" algn="l">
+      <a:lvl2pPr marR="0" lvl="1" algn="l" rtl="0">
         <a:lnSpc>
           <a:spcPct val="100000"/>
         </a:lnSpc>
@@ -9101,7 +9026,7 @@
           <a:srgbClr val="000000"/>
         </a:buClr>
         <a:buFont typeface="Arial"/>
-        <a:defRPr b="0" i="0" sz="1400" u="none" cap="none" strike="noStrike">
+        <a:defRPr sz="1400" b="0" i="0" u="none" strike="noStrike" cap="none">
           <a:solidFill>
             <a:srgbClr val="000000"/>
           </a:solidFill>
@@ -9111,7 +9036,7 @@
           <a:sym typeface="Arial"/>
         </a:defRPr>
       </a:lvl2pPr>
-      <a:lvl3pPr lvl="2" marR="0" rtl="0" algn="l">
+      <a:lvl3pPr marR="0" lvl="2" algn="l" rtl="0">
         <a:lnSpc>
           <a:spcPct val="100000"/>
         </a:lnSpc>
@@ -9125,7 +9050,7 @@
           <a:srgbClr val="000000"/>
         </a:buClr>
         <a:buFont typeface="Arial"/>
-        <a:defRPr b="0" i="0" sz="1400" u="none" cap="none" strike="noStrike">
+        <a:defRPr sz="1400" b="0" i="0" u="none" strike="noStrike" cap="none">
           <a:solidFill>
             <a:srgbClr val="000000"/>
           </a:solidFill>
@@ -9135,7 +9060,7 @@
           <a:sym typeface="Arial"/>
         </a:defRPr>
       </a:lvl3pPr>
-      <a:lvl4pPr lvl="3" marR="0" rtl="0" algn="l">
+      <a:lvl4pPr marR="0" lvl="3" algn="l" rtl="0">
         <a:lnSpc>
           <a:spcPct val="100000"/>
         </a:lnSpc>
@@ -9149,7 +9074,7 @@
           <a:srgbClr val="000000"/>
         </a:buClr>
         <a:buFont typeface="Arial"/>
-        <a:defRPr b="0" i="0" sz="1400" u="none" cap="none" strike="noStrike">
+        <a:defRPr sz="1400" b="0" i="0" u="none" strike="noStrike" cap="none">
           <a:solidFill>
             <a:srgbClr val="000000"/>
           </a:solidFill>
@@ -9159,7 +9084,7 @@
           <a:sym typeface="Arial"/>
         </a:defRPr>
       </a:lvl4pPr>
-      <a:lvl5pPr lvl="4" marR="0" rtl="0" algn="l">
+      <a:lvl5pPr marR="0" lvl="4" algn="l" rtl="0">
         <a:lnSpc>
           <a:spcPct val="100000"/>
         </a:lnSpc>
@@ -9173,7 +9098,7 @@
           <a:srgbClr val="000000"/>
         </a:buClr>
         <a:buFont typeface="Arial"/>
-        <a:defRPr b="0" i="0" sz="1400" u="none" cap="none" strike="noStrike">
+        <a:defRPr sz="1400" b="0" i="0" u="none" strike="noStrike" cap="none">
           <a:solidFill>
             <a:srgbClr val="000000"/>
           </a:solidFill>
@@ -9183,7 +9108,7 @@
           <a:sym typeface="Arial"/>
         </a:defRPr>
       </a:lvl5pPr>
-      <a:lvl6pPr lvl="5" marR="0" rtl="0" algn="l">
+      <a:lvl6pPr marR="0" lvl="5" algn="l" rtl="0">
         <a:lnSpc>
           <a:spcPct val="100000"/>
         </a:lnSpc>
@@ -9197,7 +9122,7 @@
           <a:srgbClr val="000000"/>
         </a:buClr>
         <a:buFont typeface="Arial"/>
-        <a:defRPr b="0" i="0" sz="1400" u="none" cap="none" strike="noStrike">
+        <a:defRPr sz="1400" b="0" i="0" u="none" strike="noStrike" cap="none">
           <a:solidFill>
             <a:srgbClr val="000000"/>
           </a:solidFill>
@@ -9207,7 +9132,7 @@
           <a:sym typeface="Arial"/>
         </a:defRPr>
       </a:lvl6pPr>
-      <a:lvl7pPr lvl="6" marR="0" rtl="0" algn="l">
+      <a:lvl7pPr marR="0" lvl="6" algn="l" rtl="0">
         <a:lnSpc>
           <a:spcPct val="100000"/>
         </a:lnSpc>
@@ -9221,7 +9146,7 @@
           <a:srgbClr val="000000"/>
         </a:buClr>
         <a:buFont typeface="Arial"/>
-        <a:defRPr b="0" i="0" sz="1400" u="none" cap="none" strike="noStrike">
+        <a:defRPr sz="1400" b="0" i="0" u="none" strike="noStrike" cap="none">
           <a:solidFill>
             <a:srgbClr val="000000"/>
           </a:solidFill>
@@ -9231,7 +9156,7 @@
           <a:sym typeface="Arial"/>
         </a:defRPr>
       </a:lvl7pPr>
-      <a:lvl8pPr lvl="7" marR="0" rtl="0" algn="l">
+      <a:lvl8pPr marR="0" lvl="7" algn="l" rtl="0">
         <a:lnSpc>
           <a:spcPct val="100000"/>
         </a:lnSpc>
@@ -9245,7 +9170,7 @@
           <a:srgbClr val="000000"/>
         </a:buClr>
         <a:buFont typeface="Arial"/>
-        <a:defRPr b="0" i="0" sz="1400" u="none" cap="none" strike="noStrike">
+        <a:defRPr sz="1400" b="0" i="0" u="none" strike="noStrike" cap="none">
           <a:solidFill>
             <a:srgbClr val="000000"/>
           </a:solidFill>
@@ -9255,7 +9180,7 @@
           <a:sym typeface="Arial"/>
         </a:defRPr>
       </a:lvl8pPr>
-      <a:lvl9pPr lvl="8" marR="0" rtl="0" algn="l">
+      <a:lvl9pPr marR="0" lvl="8" algn="l" rtl="0">
         <a:lnSpc>
           <a:spcPct val="100000"/>
         </a:lnSpc>
@@ -9269,7 +9194,7 @@
           <a:srgbClr val="000000"/>
         </a:buClr>
         <a:buFont typeface="Arial"/>
-        <a:defRPr b="0" i="0" sz="1400" u="none" cap="none" strike="noStrike">
+        <a:defRPr sz="1400" b="0" i="0" u="none" strike="noStrike" cap="none">
           <a:solidFill>
             <a:srgbClr val="000000"/>
           </a:solidFill>
@@ -9285,11 +9210,11 @@
 </file>
 
 <file path=ppt/slides/slide1.xml><?xml version="1.0" encoding="utf-8"?>
-<p:sld xmlns:a="http://schemas.openxmlformats.org/drawingml/2006/main" xmlns:r="http://schemas.openxmlformats.org/officeDocument/2006/relationships" xmlns:mc="http://schemas.openxmlformats.org/markup-compatibility/2006" xmlns:mv="urn:schemas-microsoft-com:mac:vml" xmlns:p="http://schemas.openxmlformats.org/presentationml/2006/main" xmlns:c="http://schemas.openxmlformats.org/drawingml/2006/chart" xmlns:dgm="http://schemas.openxmlformats.org/drawingml/2006/diagram" xmlns:o="urn:schemas-microsoft-com:office:office" xmlns:v="urn:schemas-microsoft-com:vml" xmlns:pvml="urn:schemas-microsoft-com:office:powerpoint" xmlns:com="http://schemas.openxmlformats.org/drawingml/2006/compatibility" xmlns:p14="http://schemas.microsoft.com/office/powerpoint/2010/main" xmlns:p15="http://schemas.microsoft.com/office/powerpoint/2012/main" xmlns:ahyp="http://schemas.microsoft.com/office/drawing/2018/hyperlinkcolor">
+<p:sld xmlns:a="http://schemas.openxmlformats.org/drawingml/2006/main" xmlns:r="http://schemas.openxmlformats.org/officeDocument/2006/relationships" xmlns:p="http://schemas.openxmlformats.org/presentationml/2006/main">
   <p:cSld>
     <p:spTree>
       <p:nvGrpSpPr>
-        <p:cNvPr id="133" name="Shape 133"/>
+        <p:cNvPr id="1" name="Shape 133"/>
         <p:cNvGrpSpPr/>
         <p:nvPr/>
       </p:nvGrpSpPr>
@@ -9304,7 +9229,9 @@
       <p:sp>
         <p:nvSpPr>
           <p:cNvPr id="134" name="Google Shape;134;p13"/>
-          <p:cNvSpPr txBox="1"/>
+          <p:cNvSpPr txBox="1">
+            <a:spLocks noGrp="1"/>
+          </p:cNvSpPr>
           <p:nvPr>
             <p:ph type="ctrTitle"/>
           </p:nvPr>
@@ -9319,12 +9246,12 @@
           </a:prstGeom>
         </p:spPr>
         <p:txBody>
-          <a:bodyPr anchorCtr="0" anchor="t" bIns="91425" lIns="91425" spcFirstLastPara="1" rIns="91425" wrap="square" tIns="91425">
+          <a:bodyPr spcFirstLastPara="1" wrap="square" lIns="91425" tIns="91425" rIns="91425" bIns="91425" anchor="t" anchorCtr="0">
             <a:normAutofit fontScale="90000"/>
           </a:bodyPr>
           <a:lstStyle/>
           <a:p>
-            <a:pPr indent="0" lvl="0" marL="0" rtl="0" algn="l">
+            <a:pPr marL="0" lvl="0" indent="0" algn="l" rtl="0">
               <a:spcBef>
                 <a:spcPts val="0"/>
               </a:spcBef>
@@ -9334,13 +9261,13 @@
               <a:buNone/>
             </a:pPr>
             <a:r>
-              <a:rPr lang="en"/>
-              <a:t>CS387 Project: </a:t>
+              <a:rPr lang="en" dirty="0"/>
+              <a:t>Project: </a:t>
             </a:r>
-            <a:endParaRPr/>
+            <a:endParaRPr dirty="0"/>
           </a:p>
           <a:p>
-            <a:pPr indent="0" lvl="0" marL="0" rtl="0" algn="l">
+            <a:pPr marL="0" lvl="0" indent="0" algn="l" rtl="0">
               <a:spcBef>
                 <a:spcPts val="0"/>
               </a:spcBef>
@@ -9350,10 +9277,10 @@
               <a:buNone/>
             </a:pPr>
             <a:r>
-              <a:rPr lang="en" sz="2888"/>
+              <a:rPr lang="en" sz="2888" dirty="0"/>
               <a:t>Restaurant Management System</a:t>
             </a:r>
-            <a:endParaRPr sz="1300">
+            <a:endParaRPr sz="1300" dirty="0">
               <a:latin typeface="Lato"/>
               <a:ea typeface="Lato"/>
               <a:cs typeface="Lato"/>
@@ -9365,9 +9292,11 @@
       <p:sp>
         <p:nvSpPr>
           <p:cNvPr id="135" name="Google Shape;135;p13"/>
-          <p:cNvSpPr txBox="1"/>
+          <p:cNvSpPr txBox="1">
+            <a:spLocks noGrp="1"/>
+          </p:cNvSpPr>
           <p:nvPr>
-            <p:ph idx="1" type="subTitle"/>
+            <p:ph type="subTitle" idx="1"/>
           </p:nvPr>
         </p:nvSpPr>
         <p:spPr>
@@ -9380,12 +9309,12 @@
           </a:prstGeom>
         </p:spPr>
         <p:txBody>
-          <a:bodyPr anchorCtr="0" anchor="t" bIns="91425" lIns="91425" spcFirstLastPara="1" rIns="91425" wrap="square" tIns="91425">
+          <a:bodyPr spcFirstLastPara="1" wrap="square" lIns="91425" tIns="91425" rIns="91425" bIns="91425" anchor="t" anchorCtr="0">
             <a:normAutofit/>
           </a:bodyPr>
           <a:lstStyle/>
           <a:p>
-            <a:pPr indent="0" lvl="0" marL="0" rtl="0" algn="l">
+            <a:pPr marL="0" lvl="0" indent="0" algn="l" rtl="0">
               <a:spcBef>
                 <a:spcPts val="0"/>
               </a:spcBef>
@@ -9395,58 +9324,10 @@
               <a:buNone/>
             </a:pPr>
             <a:r>
-              <a:rPr lang="en"/>
-              <a:t>Parth Laturia - 180050071</a:t>
+              <a:rPr lang="en-US" dirty="0"/>
+              <a:t>Pragyesh Gupta: 200020094</a:t>
             </a:r>
-            <a:endParaRPr/>
-          </a:p>
-          <a:p>
-            <a:pPr indent="0" lvl="0" marL="0" rtl="0" algn="l">
-              <a:spcBef>
-                <a:spcPts val="0"/>
-              </a:spcBef>
-              <a:spcAft>
-                <a:spcPts val="0"/>
-              </a:spcAft>
-              <a:buNone/>
-            </a:pPr>
-            <a:r>
-              <a:rPr lang="en"/>
-              <a:t>Anish Deshpande - 180100013</a:t>
-            </a:r>
-            <a:endParaRPr/>
-          </a:p>
-          <a:p>
-            <a:pPr indent="0" lvl="0" marL="0" rtl="0" algn="l">
-              <a:spcBef>
-                <a:spcPts val="0"/>
-              </a:spcBef>
-              <a:spcAft>
-                <a:spcPts val="0"/>
-              </a:spcAft>
-              <a:buNone/>
-            </a:pPr>
-            <a:r>
-              <a:rPr lang="en"/>
-              <a:t>Rajat Jain - 180100091</a:t>
-            </a:r>
-            <a:endParaRPr/>
-          </a:p>
-          <a:p>
-            <a:pPr indent="0" lvl="0" marL="0" rtl="0" algn="l">
-              <a:spcBef>
-                <a:spcPts val="0"/>
-              </a:spcBef>
-              <a:spcAft>
-                <a:spcPts val="0"/>
-              </a:spcAft>
-              <a:buNone/>
-            </a:pPr>
-            <a:r>
-              <a:rPr lang="en"/>
-              <a:t>Devansh Chandak - 180110027</a:t>
-            </a:r>
-            <a:endParaRPr/>
+            <a:endParaRPr dirty="0"/>
           </a:p>
         </p:txBody>
       </p:sp>
@@ -9459,11 +9340,11 @@
 </file>
 
 <file path=ppt/slides/slide2.xml><?xml version="1.0" encoding="utf-8"?>
-<p:sld xmlns:a="http://schemas.openxmlformats.org/drawingml/2006/main" xmlns:r="http://schemas.openxmlformats.org/officeDocument/2006/relationships" xmlns:mc="http://schemas.openxmlformats.org/markup-compatibility/2006" xmlns:mv="urn:schemas-microsoft-com:mac:vml" xmlns:p="http://schemas.openxmlformats.org/presentationml/2006/main" xmlns:c="http://schemas.openxmlformats.org/drawingml/2006/chart" xmlns:dgm="http://schemas.openxmlformats.org/drawingml/2006/diagram" xmlns:o="urn:schemas-microsoft-com:office:office" xmlns:v="urn:schemas-microsoft-com:vml" xmlns:pvml="urn:schemas-microsoft-com:office:powerpoint" xmlns:com="http://schemas.openxmlformats.org/drawingml/2006/compatibility" xmlns:p14="http://schemas.microsoft.com/office/powerpoint/2010/main" xmlns:p15="http://schemas.microsoft.com/office/powerpoint/2012/main" xmlns:ahyp="http://schemas.microsoft.com/office/drawing/2018/hyperlinkcolor">
+<p:sld xmlns:a="http://schemas.openxmlformats.org/drawingml/2006/main" xmlns:r="http://schemas.openxmlformats.org/officeDocument/2006/relationships" xmlns:p="http://schemas.openxmlformats.org/presentationml/2006/main">
   <p:cSld>
     <p:spTree>
       <p:nvGrpSpPr>
-        <p:cNvPr id="139" name="Shape 139"/>
+        <p:cNvPr id="1" name="Shape 139"/>
         <p:cNvGrpSpPr/>
         <p:nvPr/>
       </p:nvGrpSpPr>
@@ -9478,7 +9359,9 @@
       <p:sp>
         <p:nvSpPr>
           <p:cNvPr id="140" name="Google Shape;140;p14"/>
-          <p:cNvSpPr txBox="1"/>
+          <p:cNvSpPr txBox="1">
+            <a:spLocks noGrp="1"/>
+          </p:cNvSpPr>
           <p:nvPr>
             <p:ph type="title"/>
           </p:nvPr>
@@ -9493,12 +9376,12 @@
           </a:prstGeom>
         </p:spPr>
         <p:txBody>
-          <a:bodyPr anchorCtr="0" anchor="t" bIns="91425" lIns="91425" spcFirstLastPara="1" rIns="91425" wrap="square" tIns="91425">
+          <a:bodyPr spcFirstLastPara="1" wrap="square" lIns="91425" tIns="91425" rIns="91425" bIns="91425" anchor="t" anchorCtr="0">
             <a:normAutofit/>
           </a:bodyPr>
           <a:lstStyle/>
           <a:p>
-            <a:pPr indent="0" lvl="0" marL="0" rtl="0" algn="l">
+            <a:pPr marL="0" lvl="0" indent="0" algn="l" rtl="0">
               <a:spcBef>
                 <a:spcPts val="0"/>
               </a:spcBef>
@@ -9518,9 +9401,11 @@
       <p:sp>
         <p:nvSpPr>
           <p:cNvPr id="141" name="Google Shape;141;p14"/>
-          <p:cNvSpPr txBox="1"/>
+          <p:cNvSpPr txBox="1">
+            <a:spLocks noGrp="1"/>
+          </p:cNvSpPr>
           <p:nvPr>
-            <p:ph idx="1" type="body"/>
+            <p:ph type="body" idx="1"/>
           </p:nvPr>
         </p:nvSpPr>
         <p:spPr>
@@ -9533,12 +9418,12 @@
           </a:prstGeom>
         </p:spPr>
         <p:txBody>
-          <a:bodyPr anchorCtr="0" anchor="t" bIns="91425" lIns="91425" spcFirstLastPara="1" rIns="91425" wrap="square" tIns="91425">
+          <a:bodyPr spcFirstLastPara="1" wrap="square" lIns="91425" tIns="91425" rIns="91425" bIns="91425" anchor="t" anchorCtr="0">
             <a:noAutofit/>
           </a:bodyPr>
           <a:lstStyle/>
           <a:p>
-            <a:pPr indent="-311150" lvl="0" marL="457200" rtl="0" algn="l">
+            <a:pPr marL="457200" lvl="0" indent="-311150" algn="l" rtl="0">
               <a:spcBef>
                 <a:spcPts val="0"/>
               </a:spcBef>
@@ -9555,7 +9440,7 @@
             <a:endParaRPr/>
           </a:p>
           <a:p>
-            <a:pPr indent="-311150" lvl="0" marL="457200" rtl="0" algn="l">
+            <a:pPr marL="457200" lvl="0" indent="-311150" algn="l" rtl="0">
               <a:spcBef>
                 <a:spcPts val="0"/>
               </a:spcBef>
@@ -9566,13 +9451,13 @@
               <a:buChar char="●"/>
             </a:pPr>
             <a:r>
-              <a:rPr b="1" lang="en"/>
+              <a:rPr lang="en" b="1"/>
               <a:t>Customer</a:t>
             </a:r>
             <a:endParaRPr b="1"/>
           </a:p>
           <a:p>
-            <a:pPr indent="-298450" lvl="1" marL="914400" rtl="0" algn="l">
+            <a:pPr marL="914400" lvl="1" indent="-298450" algn="l" rtl="0">
               <a:spcBef>
                 <a:spcPts val="0"/>
               </a:spcBef>
@@ -9583,17 +9468,13 @@
               <a:buChar char="○"/>
             </a:pPr>
             <a:r>
-              <a:rPr b="1" lang="en"/>
-              <a:t>View profile, their individual order history, and the recommended (top) dishes for them</a:t>
-            </a:r>
-            <a:r>
-              <a:rPr b="1" lang="en"/>
-              <a:t>.</a:t>
+              <a:rPr lang="en" b="1"/>
+              <a:t>View profile, their individual order history, and the recommended (top) dishes for them.</a:t>
             </a:r>
             <a:endParaRPr b="1"/>
           </a:p>
           <a:p>
-            <a:pPr indent="-298450" lvl="1" marL="914400" rtl="0" algn="l">
+            <a:pPr marL="914400" lvl="1" indent="-298450" algn="l" rtl="0">
               <a:spcBef>
                 <a:spcPts val="0"/>
               </a:spcBef>
@@ -9604,17 +9485,13 @@
               <a:buChar char="○"/>
             </a:pPr>
             <a:r>
-              <a:rPr b="1" lang="en"/>
-              <a:t>View and select dishes and quantities either from the menu or the suggested dishes, and place an order</a:t>
-            </a:r>
-            <a:r>
-              <a:rPr b="1" lang="en"/>
-              <a:t>.</a:t>
+              <a:rPr lang="en" b="1"/>
+              <a:t>View and select dishes and quantities either from the menu or the suggested dishes, and place an order.</a:t>
             </a:r>
             <a:endParaRPr b="1"/>
           </a:p>
           <a:p>
-            <a:pPr indent="-311150" lvl="0" marL="457200" rtl="0" algn="l">
+            <a:pPr marL="457200" lvl="0" indent="-311150" algn="l" rtl="0">
               <a:spcBef>
                 <a:spcPts val="0"/>
               </a:spcBef>
@@ -9625,13 +9502,13 @@
               <a:buChar char="●"/>
             </a:pPr>
             <a:r>
-              <a:rPr b="1" lang="en"/>
+              <a:rPr lang="en" b="1"/>
               <a:t>Owner</a:t>
             </a:r>
             <a:endParaRPr b="1"/>
           </a:p>
           <a:p>
-            <a:pPr indent="-298450" lvl="1" marL="914400" rtl="0" algn="l">
+            <a:pPr marL="914400" lvl="1" indent="-298450" algn="l" rtl="0">
               <a:spcBef>
                 <a:spcPts val="0"/>
               </a:spcBef>
@@ -9642,17 +9519,13 @@
               <a:buChar char="○"/>
             </a:pPr>
             <a:r>
-              <a:rPr b="1" lang="en"/>
-              <a:t>View, update, delete and add inventory. View, update, add or delete employee information</a:t>
-            </a:r>
-            <a:r>
-              <a:rPr b="1" lang="en"/>
-              <a:t>.</a:t>
+              <a:rPr lang="en" b="1"/>
+              <a:t>View, update, delete and add inventory. View, update, add or delete employee information.</a:t>
             </a:r>
             <a:endParaRPr b="1"/>
           </a:p>
           <a:p>
-            <a:pPr indent="-298450" lvl="1" marL="914400" rtl="0" algn="l">
+            <a:pPr marL="914400" lvl="1" indent="-298450" algn="l" rtl="0">
               <a:spcBef>
                 <a:spcPts val="0"/>
               </a:spcBef>
@@ -9663,17 +9536,13 @@
               <a:buChar char="○"/>
             </a:pPr>
             <a:r>
-              <a:rPr b="1" lang="en"/>
-              <a:t>Allot orders to chefs for preparation and to waiters for delivery</a:t>
-            </a:r>
-            <a:r>
-              <a:rPr b="1" lang="en"/>
-              <a:t>. View qty ordered for each dish per day.</a:t>
+              <a:rPr lang="en" b="1"/>
+              <a:t>Allot orders to chefs for preparation and to waiters for delivery. View qty ordered for each dish per day.</a:t>
             </a:r>
             <a:endParaRPr b="1"/>
           </a:p>
           <a:p>
-            <a:pPr indent="-298450" lvl="1" marL="914400" rtl="0" algn="l">
+            <a:pPr marL="914400" lvl="1" indent="-298450" algn="l" rtl="0">
               <a:spcBef>
                 <a:spcPts val="0"/>
               </a:spcBef>
@@ -9684,17 +9553,13 @@
               <a:buChar char="○"/>
             </a:pPr>
             <a:r>
-              <a:rPr b="1" lang="en"/>
-              <a:t>View analytics, statistical reports of top orders, loyal customers, top chefs, profits, expenditure, wastage</a:t>
-            </a:r>
-            <a:r>
-              <a:rPr b="1" lang="en"/>
-              <a:t>.</a:t>
+              <a:rPr lang="en" b="1"/>
+              <a:t>View analytics, statistical reports of top orders, loyal customers, top chefs, profits, expenditure, wastage.</a:t>
             </a:r>
             <a:endParaRPr b="1"/>
           </a:p>
           <a:p>
-            <a:pPr indent="-311150" lvl="0" marL="457200" rtl="0" algn="l">
+            <a:pPr marL="457200" lvl="0" indent="-311150" algn="l" rtl="0">
               <a:spcBef>
                 <a:spcPts val="0"/>
               </a:spcBef>
@@ -9705,13 +9570,13 @@
               <a:buChar char="●"/>
             </a:pPr>
             <a:r>
-              <a:rPr b="1" lang="en"/>
+              <a:rPr lang="en" b="1"/>
               <a:t>Employee</a:t>
             </a:r>
             <a:endParaRPr b="1"/>
           </a:p>
           <a:p>
-            <a:pPr indent="-298450" lvl="1" marL="914400" rtl="0" algn="l">
+            <a:pPr marL="914400" lvl="1" indent="-298450" algn="l" rtl="0">
               <a:spcBef>
                 <a:spcPts val="0"/>
               </a:spcBef>
@@ -9722,13 +9587,13 @@
               <a:buChar char="○"/>
             </a:pPr>
             <a:r>
-              <a:rPr b="1" lang="en"/>
+              <a:rPr lang="en" b="1"/>
               <a:t>View their profile and the orders allocated to them to cook or serve, and mark the tasks as done after.</a:t>
             </a:r>
             <a:endParaRPr b="1"/>
           </a:p>
           <a:p>
-            <a:pPr indent="-311150" lvl="0" marL="457200" rtl="0" algn="l">
+            <a:pPr marL="457200" lvl="0" indent="-311150" algn="l" rtl="0">
               <a:spcBef>
                 <a:spcPts val="0"/>
               </a:spcBef>
@@ -9739,13 +9604,13 @@
               <a:buChar char="●"/>
             </a:pPr>
             <a:r>
-              <a:rPr b="1" lang="en"/>
+              <a:rPr lang="en" b="1"/>
               <a:t>Backend Updates</a:t>
             </a:r>
             <a:endParaRPr b="1"/>
           </a:p>
           <a:p>
-            <a:pPr indent="-298450" lvl="1" marL="914400" rtl="0" algn="l">
+            <a:pPr marL="914400" lvl="1" indent="-298450" algn="l" rtl="0">
               <a:spcBef>
                 <a:spcPts val="0"/>
               </a:spcBef>
@@ -9756,13 +9621,13 @@
               <a:buChar char="○"/>
             </a:pPr>
             <a:r>
-              <a:rPr b="1" lang="en"/>
+              <a:rPr lang="en" b="1"/>
               <a:t>Inventory quantity updated automatically when an order is placed.</a:t>
             </a:r>
             <a:endParaRPr b="1"/>
           </a:p>
           <a:p>
-            <a:pPr indent="-298450" lvl="1" marL="914400" rtl="0" algn="l">
+            <a:pPr marL="914400" lvl="1" indent="-298450" algn="l" rtl="0">
               <a:spcBef>
                 <a:spcPts val="0"/>
               </a:spcBef>
@@ -9773,13 +9638,13 @@
               <a:buChar char="○"/>
             </a:pPr>
             <a:r>
-              <a:rPr b="1" lang="en"/>
+              <a:rPr lang="en" b="1"/>
               <a:t>Update/delete/creation of employees/inventory directly updated to database.</a:t>
             </a:r>
             <a:endParaRPr b="1"/>
           </a:p>
           <a:p>
-            <a:pPr indent="-298450" lvl="1" marL="914400" rtl="0" algn="l">
+            <a:pPr marL="914400" lvl="1" indent="-298450" algn="l" rtl="0">
               <a:spcBef>
                 <a:spcPts val="0"/>
               </a:spcBef>
@@ -9790,13 +9655,13 @@
               <a:buChar char="○"/>
             </a:pPr>
             <a:r>
-              <a:rPr b="1" lang="en"/>
+              <a:rPr lang="en" b="1"/>
               <a:t>Allotment and completion of orders done automatically so that visible after login of that employee.</a:t>
             </a:r>
             <a:endParaRPr b="1"/>
           </a:p>
           <a:p>
-            <a:pPr indent="-311150" lvl="0" marL="457200" rtl="0" algn="l">
+            <a:pPr marL="457200" lvl="0" indent="-311150" algn="l" rtl="0">
               <a:spcBef>
                 <a:spcPts val="0"/>
               </a:spcBef>
@@ -9807,13 +9672,13 @@
               <a:buChar char="●"/>
             </a:pPr>
             <a:r>
-              <a:rPr b="1" lang="en"/>
+              <a:rPr lang="en" b="1"/>
               <a:t>Additional Features</a:t>
             </a:r>
             <a:endParaRPr b="1"/>
           </a:p>
           <a:p>
-            <a:pPr indent="-298450" lvl="1" marL="914400" rtl="0" algn="l">
+            <a:pPr marL="914400" lvl="1" indent="-298450" algn="l" rtl="0">
               <a:spcBef>
                 <a:spcPts val="0"/>
               </a:spcBef>
@@ -9824,17 +9689,13 @@
               <a:buChar char="○"/>
             </a:pPr>
             <a:r>
-              <a:rPr b="1" lang="en"/>
-              <a:t>Time Series Analytics: Owner can </a:t>
-            </a:r>
-            <a:r>
-              <a:rPr b="1" lang="en"/>
-              <a:t>view profit, wastage and expenditure based on start and end date.</a:t>
+              <a:rPr lang="en" b="1"/>
+              <a:t>Time Series Analytics: Owner can view profit, wastage and expenditure based on start and end date.</a:t>
             </a:r>
             <a:endParaRPr b="1"/>
           </a:p>
           <a:p>
-            <a:pPr indent="-298450" lvl="1" marL="914400" rtl="0" algn="l">
+            <a:pPr marL="914400" lvl="1" indent="-298450" algn="l" rtl="0">
               <a:spcBef>
                 <a:spcPts val="0"/>
               </a:spcBef>
@@ -9845,13 +9706,13 @@
               <a:buChar char="○"/>
             </a:pPr>
             <a:r>
-              <a:rPr b="1" lang="en"/>
+              <a:rPr lang="en" b="1"/>
               <a:t>Atomicity: Ensure that add/update/delete operations do not violate atomicity constraints.</a:t>
             </a:r>
             <a:endParaRPr b="1"/>
           </a:p>
           <a:p>
-            <a:pPr indent="-298450" lvl="1" marL="914400" rtl="0" algn="l">
+            <a:pPr marL="914400" lvl="1" indent="-298450" algn="l" rtl="0">
               <a:spcBef>
                 <a:spcPts val="0"/>
               </a:spcBef>
@@ -9862,13 +9723,13 @@
               <a:buChar char="○"/>
             </a:pPr>
             <a:r>
-              <a:rPr b="1" lang="en"/>
+              <a:rPr lang="en" b="1"/>
               <a:t>Statistical reports:  Graphs,  statistical measures and a ‘Save as PDF’ option.</a:t>
             </a:r>
             <a:endParaRPr b="1"/>
           </a:p>
           <a:p>
-            <a:pPr indent="-298450" lvl="1" marL="914400" rtl="0" algn="l">
+            <a:pPr marL="914400" lvl="1" indent="-298450" algn="l" rtl="0">
               <a:spcBef>
                 <a:spcPts val="0"/>
               </a:spcBef>
@@ -9879,29 +9740,13 @@
               <a:buChar char="○"/>
             </a:pPr>
             <a:r>
-              <a:rPr b="1" lang="en"/>
-              <a:t>Automation: Recommend Dishes to Users, alert owner if </a:t>
-            </a:r>
-            <a:r>
-              <a:rPr b="1" lang="en"/>
-              <a:t>ingredients</a:t>
-            </a:r>
-            <a:r>
-              <a:rPr b="1" lang="en"/>
-              <a:t> </a:t>
-            </a:r>
-            <a:r>
-              <a:rPr b="1" lang="en"/>
-              <a:t>quantity</a:t>
-            </a:r>
-            <a:r>
-              <a:rPr b="1" lang="en"/>
-              <a:t> less than a threshold.</a:t>
+              <a:rPr lang="en" b="1"/>
+              <a:t>Automation: Recommend Dishes to Users, alert owner if ingredients quantity less than a threshold.</a:t>
             </a:r>
             <a:endParaRPr b="1"/>
           </a:p>
           <a:p>
-            <a:pPr indent="0" lvl="0" marL="0" rtl="0" algn="l">
+            <a:pPr marL="0" lvl="0" indent="0" algn="l" rtl="0">
               <a:spcBef>
                 <a:spcPts val="1200"/>
               </a:spcBef>
@@ -9910,13 +9755,10 @@
               </a:spcAft>
               <a:buNone/>
             </a:pPr>
-            <a:r>
-              <a:t/>
-            </a:r>
             <a:endParaRPr/>
           </a:p>
           <a:p>
-            <a:pPr indent="0" lvl="0" marL="0" rtl="0" algn="l">
+            <a:pPr marL="0" lvl="0" indent="0" algn="l" rtl="0">
               <a:spcBef>
                 <a:spcPts val="1200"/>
               </a:spcBef>
@@ -9925,13 +9767,10 @@
               </a:spcAft>
               <a:buNone/>
             </a:pPr>
-            <a:r>
-              <a:t/>
-            </a:r>
             <a:endParaRPr/>
           </a:p>
           <a:p>
-            <a:pPr indent="0" lvl="0" marL="0" rtl="0" algn="l">
+            <a:pPr marL="0" lvl="0" indent="0" algn="l" rtl="0">
               <a:spcBef>
                 <a:spcPts val="1200"/>
               </a:spcBef>
@@ -9940,9 +9779,6 @@
               </a:spcAft>
               <a:buNone/>
             </a:pPr>
-            <a:r>
-              <a:t/>
-            </a:r>
             <a:endParaRPr/>
           </a:p>
         </p:txBody>
@@ -9956,11 +9792,11 @@
 </file>
 
 <file path=ppt/slides/slide3.xml><?xml version="1.0" encoding="utf-8"?>
-<p:sld xmlns:a="http://schemas.openxmlformats.org/drawingml/2006/main" xmlns:r="http://schemas.openxmlformats.org/officeDocument/2006/relationships" xmlns:mc="http://schemas.openxmlformats.org/markup-compatibility/2006" xmlns:mv="urn:schemas-microsoft-com:mac:vml" xmlns:p="http://schemas.openxmlformats.org/presentationml/2006/main" xmlns:c="http://schemas.openxmlformats.org/drawingml/2006/chart" xmlns:dgm="http://schemas.openxmlformats.org/drawingml/2006/diagram" xmlns:o="urn:schemas-microsoft-com:office:office" xmlns:v="urn:schemas-microsoft-com:vml" xmlns:pvml="urn:schemas-microsoft-com:office:powerpoint" xmlns:com="http://schemas.openxmlformats.org/drawingml/2006/compatibility" xmlns:p14="http://schemas.microsoft.com/office/powerpoint/2010/main" xmlns:p15="http://schemas.microsoft.com/office/powerpoint/2012/main" xmlns:ahyp="http://schemas.microsoft.com/office/drawing/2018/hyperlinkcolor">
+<p:sld xmlns:a="http://schemas.openxmlformats.org/drawingml/2006/main" xmlns:r="http://schemas.openxmlformats.org/officeDocument/2006/relationships" xmlns:p="http://schemas.openxmlformats.org/presentationml/2006/main">
   <p:cSld>
     <p:spTree>
       <p:nvGrpSpPr>
-        <p:cNvPr id="145" name="Shape 145"/>
+        <p:cNvPr id="1" name="Shape 145"/>
         <p:cNvGrpSpPr/>
         <p:nvPr/>
       </p:nvGrpSpPr>
@@ -9975,7 +9811,9 @@
       <p:sp>
         <p:nvSpPr>
           <p:cNvPr id="146" name="Google Shape;146;p15"/>
-          <p:cNvSpPr txBox="1"/>
+          <p:cNvSpPr txBox="1">
+            <a:spLocks noGrp="1"/>
+          </p:cNvSpPr>
           <p:nvPr>
             <p:ph type="title"/>
           </p:nvPr>
@@ -9990,12 +9828,12 @@
           </a:prstGeom>
         </p:spPr>
         <p:txBody>
-          <a:bodyPr anchorCtr="0" anchor="t" bIns="91425" lIns="91425" spcFirstLastPara="1" rIns="91425" wrap="square" tIns="91425">
+          <a:bodyPr spcFirstLastPara="1" wrap="square" lIns="91425" tIns="91425" rIns="91425" bIns="91425" anchor="t" anchorCtr="0">
             <a:normAutofit/>
           </a:bodyPr>
           <a:lstStyle/>
           <a:p>
-            <a:pPr indent="0" lvl="0" marL="0" rtl="0" algn="l">
+            <a:pPr marL="0" lvl="0" indent="0" algn="l" rtl="0">
               <a:spcBef>
                 <a:spcPts val="0"/>
               </a:spcBef>
@@ -10015,9 +9853,11 @@
       <p:sp>
         <p:nvSpPr>
           <p:cNvPr id="147" name="Google Shape;147;p15"/>
-          <p:cNvSpPr txBox="1"/>
+          <p:cNvSpPr txBox="1">
+            <a:spLocks noGrp="1"/>
+          </p:cNvSpPr>
           <p:nvPr>
-            <p:ph idx="1" type="body"/>
+            <p:ph type="body" idx="1"/>
           </p:nvPr>
         </p:nvSpPr>
         <p:spPr>
@@ -10030,12 +9870,12 @@
           </a:prstGeom>
         </p:spPr>
         <p:txBody>
-          <a:bodyPr anchorCtr="0" anchor="t" bIns="91425" lIns="91425" spcFirstLastPara="1" rIns="91425" wrap="square" tIns="91425">
+          <a:bodyPr spcFirstLastPara="1" wrap="square" lIns="91425" tIns="91425" rIns="91425" bIns="91425" anchor="t" anchorCtr="0">
             <a:normAutofit fontScale="77500" lnSpcReduction="20000"/>
           </a:bodyPr>
           <a:lstStyle/>
           <a:p>
-            <a:pPr indent="-313830" lvl="0" marL="457200" rtl="0" algn="l">
+            <a:pPr marL="457200" lvl="0" indent="-313830" algn="l" rtl="0">
               <a:lnSpc>
                 <a:spcPct val="150000"/>
               </a:lnSpc>
@@ -10055,7 +9895,7 @@
             <a:endParaRPr sz="1731"/>
           </a:p>
           <a:p>
-            <a:pPr indent="-313830" lvl="0" marL="457200" rtl="0" algn="l">
+            <a:pPr marL="457200" lvl="0" indent="-313830" algn="l" rtl="0">
               <a:lnSpc>
                 <a:spcPct val="150000"/>
               </a:lnSpc>
@@ -10075,7 +9915,7 @@
             <a:endParaRPr sz="1731"/>
           </a:p>
           <a:p>
-            <a:pPr indent="-303988" lvl="1" marL="914400" rtl="0" algn="l">
+            <a:pPr marL="914400" lvl="1" indent="-303988" algn="l" rtl="0">
               <a:lnSpc>
                 <a:spcPct val="150000"/>
               </a:lnSpc>
@@ -10095,7 +9935,7 @@
             <a:endParaRPr sz="1531"/>
           </a:p>
           <a:p>
-            <a:pPr indent="-303988" lvl="1" marL="914400" rtl="0" algn="l">
+            <a:pPr marL="914400" lvl="1" indent="-303988" algn="l" rtl="0">
               <a:lnSpc>
                 <a:spcPct val="150000"/>
               </a:lnSpc>
@@ -10115,7 +9955,7 @@
             <a:endParaRPr sz="1531"/>
           </a:p>
           <a:p>
-            <a:pPr indent="-303988" lvl="1" marL="914400" rtl="0" algn="l">
+            <a:pPr marL="914400" lvl="1" indent="-303988" algn="l" rtl="0">
               <a:lnSpc>
                 <a:spcPct val="150000"/>
               </a:lnSpc>
@@ -10135,7 +9975,7 @@
             <a:endParaRPr sz="1531"/>
           </a:p>
           <a:p>
-            <a:pPr indent="-313830" lvl="0" marL="457200" rtl="0" algn="l">
+            <a:pPr marL="457200" lvl="0" indent="-313830" algn="l" rtl="0">
               <a:lnSpc>
                 <a:spcPct val="150000"/>
               </a:lnSpc>
@@ -10155,7 +9995,7 @@
             <a:endParaRPr sz="1731"/>
           </a:p>
           <a:p>
-            <a:pPr indent="-303988" lvl="1" marL="914400" rtl="0" algn="l">
+            <a:pPr marL="914400" lvl="1" indent="-303988" algn="l" rtl="0">
               <a:lnSpc>
                 <a:spcPct val="150000"/>
               </a:lnSpc>
@@ -10175,7 +10015,7 @@
             <a:endParaRPr sz="1531"/>
           </a:p>
           <a:p>
-            <a:pPr indent="-313830" lvl="0" marL="457200" rtl="0" algn="l">
+            <a:pPr marL="457200" lvl="0" indent="-313830" algn="l" rtl="0">
               <a:lnSpc>
                 <a:spcPct val="150000"/>
               </a:lnSpc>
@@ -10199,7 +10039,7 @@
             <a:endParaRPr sz="1731"/>
           </a:p>
           <a:p>
-            <a:pPr indent="0" lvl="0" marL="0" rtl="0" algn="l">
+            <a:pPr marL="0" lvl="0" indent="0" algn="l" rtl="0">
               <a:spcBef>
                 <a:spcPts val="1200"/>
               </a:spcBef>
@@ -10208,13 +10048,10 @@
               </a:spcAft>
               <a:buNone/>
             </a:pPr>
-            <a:r>
-              <a:t/>
-            </a:r>
             <a:endParaRPr/>
           </a:p>
           <a:p>
-            <a:pPr indent="0" lvl="0" marL="0" rtl="0" algn="l">
+            <a:pPr marL="0" lvl="0" indent="0" algn="l" rtl="0">
               <a:spcBef>
                 <a:spcPts val="1200"/>
               </a:spcBef>
@@ -10223,13 +10060,10 @@
               </a:spcAft>
               <a:buNone/>
             </a:pPr>
-            <a:r>
-              <a:t/>
-            </a:r>
             <a:endParaRPr/>
           </a:p>
           <a:p>
-            <a:pPr indent="0" lvl="0" marL="0" rtl="0" algn="l">
+            <a:pPr marL="0" lvl="0" indent="0" algn="l" rtl="0">
               <a:spcBef>
                 <a:spcPts val="1200"/>
               </a:spcBef>
@@ -10238,9 +10072,6 @@
               </a:spcAft>
               <a:buNone/>
             </a:pPr>
-            <a:r>
-              <a:t/>
-            </a:r>
             <a:endParaRPr/>
           </a:p>
         </p:txBody>
@@ -10255,7 +10086,7 @@
           <a:blip r:embed="rId3">
             <a:alphaModFix/>
           </a:blip>
-          <a:srcRect b="31066" l="23689" r="24766" t="18778"/>
+          <a:srcRect l="23689" t="18778" r="24766" b="31066"/>
           <a:stretch/>
         </p:blipFill>
         <p:spPr>
@@ -10309,11 +10140,11 @@
 </file>
 
 <file path=ppt/slides/slide4.xml><?xml version="1.0" encoding="utf-8"?>
-<p:sld xmlns:a="http://schemas.openxmlformats.org/drawingml/2006/main" xmlns:r="http://schemas.openxmlformats.org/officeDocument/2006/relationships" xmlns:mc="http://schemas.openxmlformats.org/markup-compatibility/2006" xmlns:mv="urn:schemas-microsoft-com:mac:vml" xmlns:p="http://schemas.openxmlformats.org/presentationml/2006/main" xmlns:c="http://schemas.openxmlformats.org/drawingml/2006/chart" xmlns:dgm="http://schemas.openxmlformats.org/drawingml/2006/diagram" xmlns:o="urn:schemas-microsoft-com:office:office" xmlns:v="urn:schemas-microsoft-com:vml" xmlns:pvml="urn:schemas-microsoft-com:office:powerpoint" xmlns:com="http://schemas.openxmlformats.org/drawingml/2006/compatibility" xmlns:p14="http://schemas.microsoft.com/office/powerpoint/2010/main" xmlns:p15="http://schemas.microsoft.com/office/powerpoint/2012/main" xmlns:ahyp="http://schemas.microsoft.com/office/drawing/2018/hyperlinkcolor">
+<p:sld xmlns:a="http://schemas.openxmlformats.org/drawingml/2006/main" xmlns:r="http://schemas.openxmlformats.org/officeDocument/2006/relationships" xmlns:p="http://schemas.openxmlformats.org/presentationml/2006/main">
   <p:cSld>
     <p:spTree>
       <p:nvGrpSpPr>
-        <p:cNvPr id="153" name="Shape 153"/>
+        <p:cNvPr id="1" name="Shape 153"/>
         <p:cNvGrpSpPr/>
         <p:nvPr/>
       </p:nvGrpSpPr>
@@ -10328,7 +10159,9 @@
       <p:sp>
         <p:nvSpPr>
           <p:cNvPr id="154" name="Google Shape;154;p16"/>
-          <p:cNvSpPr txBox="1"/>
+          <p:cNvSpPr txBox="1">
+            <a:spLocks noGrp="1"/>
+          </p:cNvSpPr>
           <p:nvPr>
             <p:ph type="title"/>
           </p:nvPr>
@@ -10343,12 +10176,12 @@
           </a:prstGeom>
         </p:spPr>
         <p:txBody>
-          <a:bodyPr anchorCtr="0" anchor="t" bIns="91425" lIns="91425" spcFirstLastPara="1" rIns="91425" wrap="square" tIns="91425">
+          <a:bodyPr spcFirstLastPara="1" wrap="square" lIns="91425" tIns="91425" rIns="91425" bIns="91425" anchor="t" anchorCtr="0">
             <a:normAutofit fontScale="90000"/>
           </a:bodyPr>
           <a:lstStyle/>
           <a:p>
-            <a:pPr indent="457200" lvl="0" marL="1371600" rtl="0" algn="l">
+            <a:pPr marL="1371600" lvl="0" indent="457200" algn="l" rtl="0">
               <a:spcBef>
                 <a:spcPts val="0"/>
               </a:spcBef>
@@ -10368,9 +10201,11 @@
       <p:sp>
         <p:nvSpPr>
           <p:cNvPr id="155" name="Google Shape;155;p16"/>
-          <p:cNvSpPr txBox="1"/>
+          <p:cNvSpPr txBox="1">
+            <a:spLocks noGrp="1"/>
+          </p:cNvSpPr>
           <p:nvPr>
-            <p:ph idx="1" type="body"/>
+            <p:ph type="body" idx="1"/>
           </p:nvPr>
         </p:nvSpPr>
         <p:spPr>
@@ -10383,12 +10218,12 @@
           </a:prstGeom>
         </p:spPr>
         <p:txBody>
-          <a:bodyPr anchorCtr="0" anchor="t" bIns="91425" lIns="91425" spcFirstLastPara="1" rIns="91425" wrap="square" tIns="91425">
+          <a:bodyPr spcFirstLastPara="1" wrap="square" lIns="91425" tIns="91425" rIns="91425" bIns="91425" anchor="t" anchorCtr="0">
             <a:normAutofit lnSpcReduction="10000"/>
           </a:bodyPr>
           <a:lstStyle/>
           <a:p>
-            <a:pPr indent="-311150" lvl="0" marL="457200" rtl="0" algn="l">
+            <a:pPr marL="457200" lvl="0" indent="-311150" algn="l" rtl="0">
               <a:spcBef>
                 <a:spcPts val="0"/>
               </a:spcBef>
@@ -10405,7 +10240,7 @@
             <a:endParaRPr/>
           </a:p>
           <a:p>
-            <a:pPr indent="-298450" lvl="1" marL="914400" rtl="0" algn="l">
+            <a:pPr marL="914400" lvl="1" indent="-298450" algn="l" rtl="0">
               <a:spcBef>
                 <a:spcPts val="0"/>
               </a:spcBef>
@@ -10422,7 +10257,7 @@
             <a:endParaRPr/>
           </a:p>
           <a:p>
-            <a:pPr indent="-311150" lvl="0" marL="457200" rtl="0" algn="l">
+            <a:pPr marL="457200" lvl="0" indent="-311150" algn="l" rtl="0">
               <a:lnSpc>
                 <a:spcPct val="100000"/>
               </a:lnSpc>
@@ -10452,7 +10287,7 @@
             </a:endParaRPr>
           </a:p>
           <a:p>
-            <a:pPr indent="-298450" lvl="1" marL="914400" rtl="0" algn="l">
+            <a:pPr marL="914400" lvl="1" indent="-298450" algn="l" rtl="0">
               <a:lnSpc>
                 <a:spcPct val="100000"/>
               </a:lnSpc>
@@ -10482,7 +10317,7 @@
             </a:endParaRPr>
           </a:p>
           <a:p>
-            <a:pPr indent="-311150" lvl="0" marL="457200" rtl="0" algn="l">
+            <a:pPr marL="457200" lvl="0" indent="-311150" algn="l" rtl="0">
               <a:lnSpc>
                 <a:spcPct val="100000"/>
               </a:lnSpc>
@@ -10512,7 +10347,7 @@
             </a:endParaRPr>
           </a:p>
           <a:p>
-            <a:pPr indent="-298450" lvl="1" marL="914400" rtl="0" algn="l">
+            <a:pPr marL="914400" lvl="1" indent="-298450" algn="l" rtl="0">
               <a:lnSpc>
                 <a:spcPct val="100000"/>
               </a:lnSpc>
@@ -10543,7 +10378,7 @@
             </a:endParaRPr>
           </a:p>
           <a:p>
-            <a:pPr indent="-298450" lvl="1" marL="914400" rtl="0" algn="l">
+            <a:pPr marL="914400" lvl="1" indent="-298450" algn="l" rtl="0">
               <a:lnSpc>
                 <a:spcPct val="100000"/>
               </a:lnSpc>
@@ -10574,7 +10409,7 @@
             </a:endParaRPr>
           </a:p>
           <a:p>
-            <a:pPr indent="-298450" lvl="1" marL="914400" rtl="0" algn="l">
+            <a:pPr marL="914400" lvl="1" indent="-298450" algn="l" rtl="0">
               <a:lnSpc>
                 <a:spcPct val="100000"/>
               </a:lnSpc>
@@ -10605,7 +10440,7 @@
             </a:endParaRPr>
           </a:p>
           <a:p>
-            <a:pPr indent="-298450" lvl="1" marL="914400" rtl="0" algn="l">
+            <a:pPr marL="914400" lvl="1" indent="-298450" algn="l" rtl="0">
               <a:lnSpc>
                 <a:spcPct val="100000"/>
               </a:lnSpc>
@@ -10636,7 +10471,7 @@
             </a:endParaRPr>
           </a:p>
           <a:p>
-            <a:pPr indent="-311150" lvl="0" marL="457200" rtl="0" algn="l">
+            <a:pPr marL="457200" lvl="0" indent="-311150" algn="l" rtl="0">
               <a:lnSpc>
                 <a:spcPct val="100000"/>
               </a:lnSpc>
@@ -10666,7 +10501,7 @@
             </a:endParaRPr>
           </a:p>
           <a:p>
-            <a:pPr indent="-298450" lvl="1" marL="914400" rtl="0" algn="l">
+            <a:pPr marL="914400" lvl="1" indent="-298450" algn="l" rtl="0">
               <a:lnSpc>
                 <a:spcPct val="100000"/>
               </a:lnSpc>
@@ -10697,7 +10532,7 @@
             </a:endParaRPr>
           </a:p>
           <a:p>
-            <a:pPr indent="-298450" lvl="1" marL="914400" rtl="0" algn="l">
+            <a:pPr marL="914400" lvl="1" indent="-298450" algn="l" rtl="0">
               <a:lnSpc>
                 <a:spcPct val="100000"/>
               </a:lnSpc>
@@ -10728,7 +10563,7 @@
             </a:endParaRPr>
           </a:p>
           <a:p>
-            <a:pPr indent="-298450" lvl="1" marL="914400" rtl="0" algn="l">
+            <a:pPr marL="914400" lvl="1" indent="-298450" algn="l" rtl="0">
               <a:lnSpc>
                 <a:spcPct val="100000"/>
               </a:lnSpc>
@@ -10759,7 +10594,7 @@
             </a:endParaRPr>
           </a:p>
           <a:p>
-            <a:pPr indent="-298450" lvl="1" marL="914400" rtl="0" algn="l">
+            <a:pPr marL="914400" lvl="1" indent="-298450" algn="l" rtl="0">
               <a:lnSpc>
                 <a:spcPct val="100000"/>
               </a:lnSpc>
@@ -10790,7 +10625,7 @@
             </a:endParaRPr>
           </a:p>
           <a:p>
-            <a:pPr indent="-298450" lvl="1" marL="914400" rtl="0" algn="l">
+            <a:pPr marL="914400" lvl="1" indent="-298450" algn="l" rtl="0">
               <a:lnSpc>
                 <a:spcPct val="100000"/>
               </a:lnSpc>
@@ -10821,7 +10656,7 @@
             </a:endParaRPr>
           </a:p>
           <a:p>
-            <a:pPr indent="-311150" lvl="0" marL="457200" rtl="0" algn="l">
+            <a:pPr marL="457200" lvl="0" indent="-311150" algn="l" rtl="0">
               <a:lnSpc>
                 <a:spcPct val="100000"/>
               </a:lnSpc>
@@ -10851,7 +10686,7 @@
             </a:endParaRPr>
           </a:p>
           <a:p>
-            <a:pPr indent="-298450" lvl="1" marL="914400" rtl="0" algn="l">
+            <a:pPr marL="914400" lvl="1" indent="-298450" algn="l" rtl="0">
               <a:lnSpc>
                 <a:spcPct val="100000"/>
               </a:lnSpc>
@@ -10882,7 +10717,7 @@
             </a:endParaRPr>
           </a:p>
           <a:p>
-            <a:pPr indent="-298450" lvl="1" marL="914400" rtl="0" algn="l">
+            <a:pPr marL="914400" lvl="1" indent="-298450" algn="l" rtl="0">
               <a:lnSpc>
                 <a:spcPct val="100000"/>
               </a:lnSpc>
@@ -10913,7 +10748,7 @@
             </a:endParaRPr>
           </a:p>
           <a:p>
-            <a:pPr indent="-298450" lvl="1" marL="914400" rtl="0" algn="l">
+            <a:pPr marL="914400" lvl="1" indent="-298450" algn="l" rtl="0">
               <a:lnSpc>
                 <a:spcPct val="100000"/>
               </a:lnSpc>
@@ -10944,7 +10779,7 @@
             </a:endParaRPr>
           </a:p>
           <a:p>
-            <a:pPr indent="-311150" lvl="0" marL="457200" rtl="0" algn="l">
+            <a:pPr marL="457200" lvl="0" indent="-311150" algn="l" rtl="0">
               <a:lnSpc>
                 <a:spcPct val="100000"/>
               </a:lnSpc>
@@ -10974,7 +10809,7 @@
             </a:endParaRPr>
           </a:p>
           <a:p>
-            <a:pPr indent="-298450" lvl="1" marL="914400" rtl="0" algn="l">
+            <a:pPr marL="914400" lvl="1" indent="-298450" algn="l" rtl="0">
               <a:lnSpc>
                 <a:spcPct val="100000"/>
               </a:lnSpc>
@@ -11004,9 +10839,11 @@
       <p:sp>
         <p:nvSpPr>
           <p:cNvPr id="156" name="Google Shape;156;p16"/>
-          <p:cNvSpPr txBox="1"/>
+          <p:cNvSpPr txBox="1">
+            <a:spLocks noGrp="1"/>
+          </p:cNvSpPr>
           <p:nvPr>
-            <p:ph idx="2" type="body"/>
+            <p:ph type="body" idx="2"/>
           </p:nvPr>
         </p:nvSpPr>
         <p:spPr>
@@ -11019,12 +10856,12 @@
           </a:prstGeom>
         </p:spPr>
         <p:txBody>
-          <a:bodyPr anchorCtr="0" anchor="t" bIns="91425" lIns="91425" spcFirstLastPara="1" rIns="91425" wrap="square" tIns="91425">
+          <a:bodyPr spcFirstLastPara="1" wrap="square" lIns="91425" tIns="91425" rIns="91425" bIns="91425" anchor="t" anchorCtr="0">
             <a:normAutofit lnSpcReduction="20000"/>
           </a:bodyPr>
           <a:lstStyle/>
           <a:p>
-            <a:pPr indent="0" lvl="0" marL="0" rtl="0" algn="l">
+            <a:pPr marL="0" lvl="0" indent="0" algn="l" rtl="0">
               <a:lnSpc>
                 <a:spcPct val="100000"/>
               </a:lnSpc>
@@ -11036,9 +10873,6 @@
               </a:spcAft>
               <a:buNone/>
             </a:pPr>
-            <a:r>
-              <a:t/>
-            </a:r>
             <a:endParaRPr>
               <a:latin typeface="Arial"/>
               <a:ea typeface="Arial"/>
@@ -11047,7 +10881,7 @@
             </a:endParaRPr>
           </a:p>
           <a:p>
-            <a:pPr indent="-311150" lvl="0" marL="457200" rtl="0" algn="l">
+            <a:pPr marL="457200" lvl="0" indent="-311150" algn="l" rtl="0">
               <a:lnSpc>
                 <a:spcPct val="100000"/>
               </a:lnSpc>
@@ -11077,7 +10911,7 @@
             </a:endParaRPr>
           </a:p>
           <a:p>
-            <a:pPr indent="-298450" lvl="1" marL="914400" rtl="0" algn="l">
+            <a:pPr marL="914400" lvl="1" indent="-298450" algn="l" rtl="0">
               <a:lnSpc>
                 <a:spcPct val="100000"/>
               </a:lnSpc>
@@ -11108,7 +10942,7 @@
             </a:endParaRPr>
           </a:p>
           <a:p>
-            <a:pPr indent="-298450" lvl="1" marL="914400" rtl="0" algn="l">
+            <a:pPr marL="914400" lvl="1" indent="-298450" algn="l" rtl="0">
               <a:lnSpc>
                 <a:spcPct val="100000"/>
               </a:lnSpc>
@@ -11134,7 +10968,7 @@
             <a:endParaRPr/>
           </a:p>
           <a:p>
-            <a:pPr indent="-311150" lvl="0" marL="457200" rtl="0" algn="l">
+            <a:pPr marL="457200" lvl="0" indent="-311150" algn="l" rtl="0">
               <a:lnSpc>
                 <a:spcPct val="100000"/>
               </a:lnSpc>
@@ -11164,7 +10998,7 @@
             </a:endParaRPr>
           </a:p>
           <a:p>
-            <a:pPr indent="-298450" lvl="1" marL="914400" rtl="0" algn="l">
+            <a:pPr marL="914400" lvl="1" indent="-298450" algn="l" rtl="0">
               <a:lnSpc>
                 <a:spcPct val="100000"/>
               </a:lnSpc>
@@ -11195,7 +11029,7 @@
             </a:endParaRPr>
           </a:p>
           <a:p>
-            <a:pPr indent="-298450" lvl="1" marL="914400" rtl="0" algn="l">
+            <a:pPr marL="914400" lvl="1" indent="-298450" algn="l" rtl="0">
               <a:lnSpc>
                 <a:spcPct val="100000"/>
               </a:lnSpc>
@@ -11226,7 +11060,7 @@
             </a:endParaRPr>
           </a:p>
           <a:p>
-            <a:pPr indent="-298450" lvl="1" marL="914400" rtl="0" algn="l">
+            <a:pPr marL="914400" lvl="1" indent="-298450" algn="l" rtl="0">
               <a:lnSpc>
                 <a:spcPct val="100000"/>
               </a:lnSpc>
@@ -11257,7 +11091,7 @@
             </a:endParaRPr>
           </a:p>
           <a:p>
-            <a:pPr indent="-298450" lvl="1" marL="914400" rtl="0" algn="l">
+            <a:pPr marL="914400" lvl="1" indent="-298450" algn="l" rtl="0">
               <a:lnSpc>
                 <a:spcPct val="100000"/>
               </a:lnSpc>
@@ -11288,7 +11122,7 @@
             </a:endParaRPr>
           </a:p>
           <a:p>
-            <a:pPr indent="-311150" lvl="0" marL="457200" rtl="0" algn="l">
+            <a:pPr marL="457200" lvl="0" indent="-311150" algn="l" rtl="0">
               <a:lnSpc>
                 <a:spcPct val="100000"/>
               </a:lnSpc>
@@ -11318,7 +11152,7 @@
             </a:endParaRPr>
           </a:p>
           <a:p>
-            <a:pPr indent="-298450" lvl="1" marL="914400" rtl="0" algn="l">
+            <a:pPr marL="914400" lvl="1" indent="-298450" algn="l" rtl="0">
               <a:lnSpc>
                 <a:spcPct val="100000"/>
               </a:lnSpc>
@@ -11349,7 +11183,7 @@
             </a:endParaRPr>
           </a:p>
           <a:p>
-            <a:pPr indent="-298450" lvl="1" marL="914400" rtl="0" algn="l">
+            <a:pPr marL="914400" lvl="1" indent="-298450" algn="l" rtl="0">
               <a:lnSpc>
                 <a:spcPct val="100000"/>
               </a:lnSpc>
@@ -11380,7 +11214,7 @@
             </a:endParaRPr>
           </a:p>
           <a:p>
-            <a:pPr indent="-298450" lvl="1" marL="914400" rtl="0" algn="l">
+            <a:pPr marL="914400" lvl="1" indent="-298450" algn="l" rtl="0">
               <a:lnSpc>
                 <a:spcPct val="100000"/>
               </a:lnSpc>
@@ -11411,7 +11245,7 @@
             </a:endParaRPr>
           </a:p>
           <a:p>
-            <a:pPr indent="-311150" lvl="0" marL="457200" rtl="0" algn="l">
+            <a:pPr marL="457200" lvl="0" indent="-311150" algn="l" rtl="0">
               <a:lnSpc>
                 <a:spcPct val="100000"/>
               </a:lnSpc>
@@ -11442,7 +11276,7 @@
             </a:endParaRPr>
           </a:p>
           <a:p>
-            <a:pPr indent="-311150" lvl="0" marL="457200" rtl="0" algn="l">
+            <a:pPr marL="457200" lvl="0" indent="-311150" algn="l" rtl="0">
               <a:lnSpc>
                 <a:spcPct val="100000"/>
               </a:lnSpc>
@@ -11473,7 +11307,7 @@
             </a:endParaRPr>
           </a:p>
           <a:p>
-            <a:pPr indent="-311150" lvl="0" marL="457200" rtl="0" algn="l">
+            <a:pPr marL="457200" lvl="0" indent="-311150" algn="l" rtl="0">
               <a:lnSpc>
                 <a:spcPct val="100000"/>
               </a:lnSpc>
@@ -11504,7 +11338,7 @@
             </a:endParaRPr>
           </a:p>
           <a:p>
-            <a:pPr indent="-311150" lvl="0" marL="457200" rtl="0" algn="l">
+            <a:pPr marL="457200" lvl="0" indent="-311150" algn="l" rtl="0">
               <a:lnSpc>
                 <a:spcPct val="100000"/>
               </a:lnSpc>
@@ -11535,7 +11369,7 @@
             </a:endParaRPr>
           </a:p>
           <a:p>
-            <a:pPr indent="-298450" lvl="1" marL="914400" rtl="0" algn="l">
+            <a:pPr marL="914400" lvl="1" indent="-298450" algn="l" rtl="0">
               <a:lnSpc>
                 <a:spcPct val="100000"/>
               </a:lnSpc>
@@ -11566,7 +11400,7 @@
             </a:endParaRPr>
           </a:p>
           <a:p>
-            <a:pPr indent="-298450" lvl="1" marL="914400" rtl="0" algn="l">
+            <a:pPr marL="914400" lvl="1" indent="-298450" algn="l" rtl="0">
               <a:lnSpc>
                 <a:spcPct val="100000"/>
               </a:lnSpc>
@@ -11597,7 +11431,7 @@
             </a:endParaRPr>
           </a:p>
           <a:p>
-            <a:pPr indent="-298450" lvl="1" marL="914400" rtl="0" algn="l">
+            <a:pPr marL="914400" lvl="1" indent="-298450" algn="l" rtl="0">
               <a:lnSpc>
                 <a:spcPct val="100000"/>
               </a:lnSpc>
@@ -11628,7 +11462,7 @@
             </a:endParaRPr>
           </a:p>
           <a:p>
-            <a:pPr indent="0" lvl="0" marL="0" rtl="0" algn="l">
+            <a:pPr marL="0" lvl="0" indent="0" algn="l" rtl="0">
               <a:spcBef>
                 <a:spcPts val="0"/>
               </a:spcBef>
@@ -11637,9 +11471,6 @@
               </a:spcAft>
               <a:buNone/>
             </a:pPr>
-            <a:r>
-              <a:t/>
-            </a:r>
             <a:endParaRPr/>
           </a:p>
         </p:txBody>
@@ -11653,7 +11484,7 @@
 </file>
 
 <file path=ppt/theme/theme1.xml><?xml version="1.0" encoding="utf-8"?>
-<a:theme xmlns:a="http://schemas.openxmlformats.org/drawingml/2006/main" xmlns:r="http://schemas.openxmlformats.org/officeDocument/2006/relationships" name="Focus">
+<a:theme xmlns:a="http://schemas.openxmlformats.org/drawingml/2006/main" name="Focus">
   <a:themeElements>
     <a:clrScheme name="Focus">
       <a:dk1>
@@ -11928,11 +11759,13 @@
       </a:bgFillStyleLst>
     </a:fmtScheme>
   </a:themeElements>
+  <a:objectDefaults/>
+  <a:extraClrSchemeLst/>
 </a:theme>
 </file>
 
 <file path=ppt/theme/theme2.xml><?xml version="1.0" encoding="utf-8"?>
-<a:theme xmlns:a="http://schemas.openxmlformats.org/drawingml/2006/main" xmlns:r="http://schemas.openxmlformats.org/officeDocument/2006/relationships">
+<a:theme xmlns:a="http://schemas.openxmlformats.org/drawingml/2006/main">
   <a:themeElements>
     <a:clrScheme name="Default">
       <a:dk1>
@@ -12207,5 +12040,7 @@
       </a:bgFillStyleLst>
     </a:fmtScheme>
   </a:themeElements>
+  <a:objectDefaults/>
+  <a:extraClrSchemeLst/>
 </a:theme>
 </file>